--- a/Phase-II-Seminar.pptx
+++ b/Phase-II-Seminar.pptx
@@ -32,25 +32,25 @@
   <p:notesSz cx="6858000" cy="9144000"/>
   <p:embeddedFontLst>
     <p:embeddedFont>
+      <p:font typeface="Montserrat" panose="020B0604020202020204" charset="0"/>
+      <p:regular r:id="rId22"/>
+      <p:bold r:id="rId23"/>
+      <p:italic r:id="rId24"/>
+      <p:boldItalic r:id="rId25"/>
+    </p:embeddedFont>
+    <p:embeddedFont>
+      <p:font typeface="Lato" panose="020B0604020202020204" charset="0"/>
+      <p:regular r:id="rId26"/>
+      <p:bold r:id="rId27"/>
+      <p:italic r:id="rId28"/>
+      <p:boldItalic r:id="rId29"/>
+    </p:embeddedFont>
+    <p:embeddedFont>
       <p:font typeface="Wingdings 3" panose="05040102010807070707" pitchFamily="18" charset="2"/>
-      <p:regular r:id="rId22"/>
+      <p:regular r:id="rId30"/>
     </p:embeddedFont>
     <p:embeddedFont>
       <p:font typeface="Century Gothic" panose="020B0502020202020204" pitchFamily="34" charset="0"/>
-      <p:regular r:id="rId23"/>
-      <p:bold r:id="rId24"/>
-      <p:italic r:id="rId25"/>
-      <p:boldItalic r:id="rId26"/>
-    </p:embeddedFont>
-    <p:embeddedFont>
-      <p:font typeface="Montserrat" panose="020B0604020202020204" charset="0"/>
-      <p:regular r:id="rId27"/>
-      <p:bold r:id="rId28"/>
-      <p:italic r:id="rId29"/>
-      <p:boldItalic r:id="rId30"/>
-    </p:embeddedFont>
-    <p:embeddedFont>
-      <p:font typeface="Lato" panose="020B0604020202020204" charset="0"/>
       <p:regular r:id="rId31"/>
       <p:bold r:id="rId32"/>
       <p:italic r:id="rId33"/>
@@ -2389,7 +2389,7 @@
           <a:p>
             <a:fld id="{4BDF68E2-58F2-4D09-BE8B-E3BD06533059}" type="datetimeFigureOut">
               <a:rPr lang="en-US" smtClean="0"/>
-              <a:t>4/5/2018</a:t>
+              <a:t>4/6/2018</a:t>
             </a:fld>
             <a:endParaRPr lang="en-US" dirty="0"/>
           </a:p>
@@ -2737,7 +2737,7 @@
           <a:p>
             <a:fld id="{98624D31-43A5-475A-80CF-332C9F6DCF35}" type="datetimeFigureOut">
               <a:rPr lang="en-US" smtClean="0"/>
-              <a:t>4/5/2018</a:t>
+              <a:t>4/6/2018</a:t>
             </a:fld>
             <a:endParaRPr lang="en-US" dirty="0"/>
           </a:p>
@@ -3148,7 +3148,7 @@
           <a:p>
             <a:fld id="{98624D31-43A5-475A-80CF-332C9F6DCF35}" type="datetimeFigureOut">
               <a:rPr lang="en-US" smtClean="0"/>
-              <a:t>4/5/2018</a:t>
+              <a:t>4/6/2018</a:t>
             </a:fld>
             <a:endParaRPr lang="en-US" dirty="0"/>
           </a:p>
@@ -3494,7 +3494,7 @@
           <a:p>
             <a:fld id="{98624D31-43A5-475A-80CF-332C9F6DCF35}" type="datetimeFigureOut">
               <a:rPr lang="en-US" smtClean="0"/>
-              <a:t>4/5/2018</a:t>
+              <a:t>4/6/2018</a:t>
             </a:fld>
             <a:endParaRPr lang="en-US" dirty="0"/>
           </a:p>
@@ -3824,7 +3824,7 @@
           <a:p>
             <a:fld id="{98624D31-43A5-475A-80CF-332C9F6DCF35}" type="datetimeFigureOut">
               <a:rPr lang="en-US" smtClean="0"/>
-              <a:t>4/5/2018</a:t>
+              <a:t>4/6/2018</a:t>
             </a:fld>
             <a:endParaRPr lang="en-US" dirty="0"/>
           </a:p>
@@ -4230,7 +4230,7 @@
           <a:p>
             <a:fld id="{98624D31-43A5-475A-80CF-332C9F6DCF35}" type="datetimeFigureOut">
               <a:rPr lang="en-US" smtClean="0"/>
-              <a:t>4/5/2018</a:t>
+              <a:t>4/6/2018</a:t>
             </a:fld>
             <a:endParaRPr lang="en-US" dirty="0"/>
           </a:p>
@@ -4497,7 +4497,7 @@
           <a:p>
             <a:fld id="{2E2D6473-DF6D-4702-B328-E0DD40540A4E}" type="datetimeFigureOut">
               <a:rPr lang="en-US" smtClean="0"/>
-              <a:t>4/5/2018</a:t>
+              <a:t>4/6/2018</a:t>
             </a:fld>
             <a:endParaRPr lang="en-US" dirty="0"/>
           </a:p>
@@ -4769,7 +4769,7 @@
           <a:p>
             <a:fld id="{E26F7E3A-B166-407D-9866-32884E7D5B37}" type="datetimeFigureOut">
               <a:rPr lang="en-US" smtClean="0"/>
-              <a:t>4/5/2018</a:t>
+              <a:t>4/6/2018</a:t>
             </a:fld>
             <a:endParaRPr lang="en-US" dirty="0"/>
           </a:p>
@@ -7038,7 +7038,7 @@
           <a:p>
             <a:fld id="{528FC5F6-F338-4AE4-BB23-26385BCFC423}" type="datetimeFigureOut">
               <a:rPr lang="en-US" smtClean="0"/>
-              <a:t>4/5/2018</a:t>
+              <a:t>4/6/2018</a:t>
             </a:fld>
             <a:endParaRPr lang="en-US" dirty="0"/>
           </a:p>
@@ -7377,7 +7377,7 @@
           <a:p>
             <a:fld id="{20EBB0C4-6273-4C6E-B9BD-2EDC30F1CD52}" type="datetimeFigureOut">
               <a:rPr lang="en-US" smtClean="0"/>
-              <a:t>4/5/2018</a:t>
+              <a:t>4/6/2018</a:t>
             </a:fld>
             <a:endParaRPr lang="en-US" dirty="0"/>
           </a:p>
@@ -7710,7 +7710,7 @@
           <a:p>
             <a:fld id="{19AB4D41-86C1-4908-B66A-0B50CEB3BF29}" type="datetimeFigureOut">
               <a:rPr lang="en-US" smtClean="0"/>
-              <a:t>4/5/2018</a:t>
+              <a:t>4/6/2018</a:t>
             </a:fld>
             <a:endParaRPr lang="en-US" dirty="0"/>
           </a:p>
@@ -8177,7 +8177,7 @@
           <a:p>
             <a:fld id="{E6426E2C-56C1-4E0D-A793-0088A7FDD37E}" type="datetimeFigureOut">
               <a:rPr lang="en-US" smtClean="0"/>
-              <a:t>4/5/2018</a:t>
+              <a:t>4/6/2018</a:t>
             </a:fld>
             <a:endParaRPr lang="en-US" dirty="0"/>
           </a:p>
@@ -8392,7 +8392,7 @@
           <a:p>
             <a:fld id="{C8C39B41-D8B5-4052-B551-9B5525EAA8B6}" type="datetimeFigureOut">
               <a:rPr lang="en-US" smtClean="0"/>
-              <a:t>4/5/2018</a:t>
+              <a:t>4/6/2018</a:t>
             </a:fld>
             <a:endParaRPr lang="en-US" dirty="0"/>
           </a:p>
@@ -8579,7 +8579,7 @@
           <a:p>
             <a:fld id="{4D94136C-8742-45B2-AF27-D93DF72833A9}" type="datetimeFigureOut">
               <a:rPr lang="en-US" smtClean="0"/>
-              <a:t>4/5/2018</a:t>
+              <a:t>4/6/2018</a:t>
             </a:fld>
             <a:endParaRPr lang="en-US" dirty="0"/>
           </a:p>
@@ -8922,7 +8922,7 @@
           <a:p>
             <a:fld id="{32ABBEA6-7C60-4B02-AE87-00D78D8422AF}" type="datetimeFigureOut">
               <a:rPr lang="en-US" smtClean="0"/>
-              <a:t>4/5/2018</a:t>
+              <a:t>4/6/2018</a:t>
             </a:fld>
             <a:endParaRPr lang="en-US" dirty="0"/>
           </a:p>
@@ -9277,7 +9277,7 @@
           <a:p>
             <a:fld id="{C9CAD897-D46E-4AD2-BD9B-49DD3E640873}" type="datetimeFigureOut">
               <a:rPr lang="en-US" smtClean="0"/>
-              <a:t>4/5/2018</a:t>
+              <a:t>4/6/2018</a:t>
             </a:fld>
             <a:endParaRPr lang="en-US" dirty="0"/>
           </a:p>
@@ -11404,7 +11404,7 @@
           <a:p>
             <a:fld id="{98624D31-43A5-475A-80CF-332C9F6DCF35}" type="datetimeFigureOut">
               <a:rPr lang="en-US" smtClean="0"/>
-              <a:t>4/5/2018</a:t>
+              <a:t>4/6/2018</a:t>
             </a:fld>
             <a:endParaRPr lang="en-US" dirty="0"/>
           </a:p>
@@ -13113,7 +13113,35 @@
                 <a:cs typeface="Montserrat"/>
                 <a:sym typeface="Montserrat"/>
               </a:rPr>
-              <a:t>            	set the fieldnames to feature list values</a:t>
+              <a:t>            	</a:t>
+            </a:r>
+            <a:r>
+              <a:rPr lang="en-US" sz="1600" dirty="0" smtClean="0">
+                <a:solidFill>
+                  <a:schemeClr val="accent4">
+                    <a:lumMod val="50000"/>
+                  </a:schemeClr>
+                </a:solidFill>
+                <a:latin typeface="Montserrat"/>
+                <a:ea typeface="Montserrat"/>
+                <a:cs typeface="Montserrat"/>
+                <a:sym typeface="Montserrat"/>
+              </a:rPr>
+              <a:t>  set </a:t>
+            </a:r>
+            <a:r>
+              <a:rPr lang="en-US" sz="1600" dirty="0">
+                <a:solidFill>
+                  <a:schemeClr val="accent4">
+                    <a:lumMod val="50000"/>
+                  </a:schemeClr>
+                </a:solidFill>
+                <a:latin typeface="Montserrat"/>
+                <a:ea typeface="Montserrat"/>
+                <a:cs typeface="Montserrat"/>
+                <a:sym typeface="Montserrat"/>
+              </a:rPr>
+              <a:t>the fieldnames to feature list values</a:t>
             </a:r>
           </a:p>
           <a:p>
@@ -13821,17 +13849,18 @@
                   </a:schemeClr>
                 </a:solidFill>
               </a:rPr>
-              <a:t>       		 	Set not available values to 'coerce’.</a:t>
-            </a:r>
-            <a:br>
-              <a:rPr lang="en-US" sz="1600" dirty="0">
+              <a:t>       		 </a:t>
+            </a:r>
+            <a:r>
+              <a:rPr lang="en-US" sz="1600" dirty="0" smtClean="0">
                 <a:solidFill>
                   <a:schemeClr val="accent4">
                     <a:lumMod val="50000"/>
                   </a:schemeClr>
                 </a:solidFill>
               </a:rPr>
-            </a:br>
+              <a:t>Set </a:t>
+            </a:r>
             <a:r>
               <a:rPr lang="en-US" sz="1600" dirty="0">
                 <a:solidFill>
@@ -13840,18 +13869,17 @@
                   </a:schemeClr>
                 </a:solidFill>
               </a:rPr>
-              <a:t>Step4:		Transpose the </a:t>
-            </a:r>
-            <a:r>
-              <a:rPr lang="en-US" sz="1600" dirty="0" err="1">
+              <a:t>not available values to 'coerce’.</a:t>
+            </a:r>
+            <a:br>
+              <a:rPr lang="en-US" sz="1600" dirty="0">
                 <a:solidFill>
                   <a:schemeClr val="accent4">
                     <a:lumMod val="50000"/>
                   </a:schemeClr>
                 </a:solidFill>
               </a:rPr>
-              <a:t>DataFrame</a:t>
-            </a:r>
+            </a:br>
             <a:r>
               <a:rPr lang="en-US" sz="1600" dirty="0">
                 <a:solidFill>
@@ -13860,17 +13888,18 @@
                   </a:schemeClr>
                 </a:solidFill>
               </a:rPr>
-              <a:t> Set.</a:t>
-            </a:r>
-            <a:br>
-              <a:rPr lang="en-US" sz="1600" dirty="0">
+              <a:t>Step4:		</a:t>
+            </a:r>
+            <a:r>
+              <a:rPr lang="en-US" sz="1600" dirty="0" smtClean="0">
                 <a:solidFill>
                   <a:schemeClr val="accent4">
                     <a:lumMod val="50000"/>
                   </a:schemeClr>
                 </a:solidFill>
               </a:rPr>
-            </a:br>
+              <a:t>We use describe() method and then transpose </a:t>
+            </a:r>
             <a:r>
               <a:rPr lang="en-US" sz="1600" dirty="0">
                 <a:solidFill>
@@ -13879,26 +13908,105 @@
                   </a:schemeClr>
                 </a:solidFill>
               </a:rPr>
-              <a:t>Step5: 		Calculate IQR and remove outliers</a:t>
-            </a:r>
-            <a:br>
-              <a:rPr lang="en-US" sz="1600" dirty="0">
+              <a:t>the </a:t>
+            </a:r>
+            <a:r>
+              <a:rPr lang="en-US" sz="1600" dirty="0" smtClean="0">
                 <a:solidFill>
                   <a:schemeClr val="accent4">
                     <a:lumMod val="50000"/>
                   </a:schemeClr>
                 </a:solidFill>
               </a:rPr>
-            </a:br>
-            <a:r>
-              <a:rPr lang="en-US" sz="1600" dirty="0">
+              <a:t> 					</a:t>
+            </a:r>
+            <a:r>
+              <a:rPr lang="en-US" sz="1600" dirty="0" err="1" smtClean="0">
                 <a:solidFill>
                   <a:schemeClr val="accent4">
                     <a:lumMod val="50000"/>
                   </a:schemeClr>
                 </a:solidFill>
               </a:rPr>
-              <a:t>Step6: 	Data visualization.</a:t>
+              <a:t>DataFrame</a:t>
+            </a:r>
+            <a:r>
+              <a:rPr lang="en-US" sz="1600" dirty="0" smtClean="0">
+                <a:solidFill>
+                  <a:schemeClr val="accent4">
+                    <a:lumMod val="50000"/>
+                  </a:schemeClr>
+                </a:solidFill>
+              </a:rPr>
+              <a:t> </a:t>
+            </a:r>
+            <a:r>
+              <a:rPr lang="en-US" sz="1600" dirty="0">
+                <a:solidFill>
+                  <a:schemeClr val="accent4">
+                    <a:lumMod val="50000"/>
+                  </a:schemeClr>
+                </a:solidFill>
+              </a:rPr>
+              <a:t>Set.</a:t>
+            </a:r>
+            <a:br>
+              <a:rPr lang="en-US" sz="1600" dirty="0">
+                <a:solidFill>
+                  <a:schemeClr val="accent4">
+                    <a:lumMod val="50000"/>
+                  </a:schemeClr>
+                </a:solidFill>
+              </a:rPr>
+            </a:br>
+            <a:r>
+              <a:rPr lang="en-US" sz="1600" dirty="0">
+                <a:solidFill>
+                  <a:schemeClr val="accent4">
+                    <a:lumMod val="50000"/>
+                  </a:schemeClr>
+                </a:solidFill>
+              </a:rPr>
+              <a:t>Step5: 		Calculate IQR and remove outliers</a:t>
+            </a:r>
+            <a:br>
+              <a:rPr lang="en-US" sz="1600" dirty="0">
+                <a:solidFill>
+                  <a:schemeClr val="accent4">
+                    <a:lumMod val="50000"/>
+                  </a:schemeClr>
+                </a:solidFill>
+              </a:rPr>
+            </a:br>
+            <a:r>
+              <a:rPr lang="en-US" sz="1600" dirty="0">
+                <a:solidFill>
+                  <a:schemeClr val="accent4">
+                    <a:lumMod val="50000"/>
+                  </a:schemeClr>
+                </a:solidFill>
+              </a:rPr>
+              <a:t>Step6: 	Data </a:t>
+            </a:r>
+            <a:r>
+              <a:rPr lang="en-US" sz="1600" dirty="0" smtClean="0">
+                <a:solidFill>
+                  <a:schemeClr val="accent4">
+                    <a:lumMod val="50000"/>
+                  </a:schemeClr>
+                </a:solidFill>
+              </a:rPr>
+              <a:t>visualization using Histogram.</a:t>
+            </a:r>
+            <a:r>
+              <a:rPr lang="en-US" sz="1600" dirty="0">
+                <a:solidFill>
+                  <a:schemeClr val="accent4">
+                    <a:lumMod val="50000"/>
+                  </a:schemeClr>
+                </a:solidFill>
+              </a:rPr>
+              <a:t/>
             </a:r>
             <a:br>
               <a:rPr lang="en-US" sz="1600" dirty="0">
@@ -14530,6 +14638,16 @@
                 </a:solidFill>
               </a:rPr>
             </a:br>
+            <a:r>
+              <a:rPr lang="en-US" b="1" dirty="0">
+                <a:solidFill>
+                  <a:schemeClr val="accent4">
+                    <a:lumMod val="50000"/>
+                  </a:schemeClr>
+                </a:solidFill>
+              </a:rPr>
+              <a:t/>
+            </a:r>
             <a:br>
               <a:rPr lang="en-US" b="1" dirty="0">
                 <a:solidFill>
@@ -15163,7 +15281,35 @@
                 <a:cs typeface="Montserrat"/>
                 <a:sym typeface="Montserrat"/>
               </a:rPr>
-              <a:t> creation of human-like intelligence.</a:t>
+              <a:t> </a:t>
+            </a:r>
+            <a:r>
+              <a:rPr lang="en-US" sz="1400" dirty="0" smtClean="0">
+                <a:solidFill>
+                  <a:schemeClr val="accent4">
+                    <a:lumMod val="50000"/>
+                  </a:schemeClr>
+                </a:solidFill>
+                <a:latin typeface="Montserrat"/>
+                <a:ea typeface="Montserrat"/>
+                <a:cs typeface="Montserrat"/>
+                <a:sym typeface="Montserrat"/>
+              </a:rPr>
+              <a:t>Creation </a:t>
+            </a:r>
+            <a:r>
+              <a:rPr lang="en-US" sz="1400" dirty="0">
+                <a:solidFill>
+                  <a:schemeClr val="accent4">
+                    <a:lumMod val="50000"/>
+                  </a:schemeClr>
+                </a:solidFill>
+                <a:latin typeface="Montserrat"/>
+                <a:ea typeface="Montserrat"/>
+                <a:cs typeface="Montserrat"/>
+                <a:sym typeface="Montserrat"/>
+              </a:rPr>
+              <a:t>of human-like intelligence.</a:t>
             </a:r>
           </a:p>
           <a:p>
@@ -15191,8 +15337,61 @@
                 <a:cs typeface="Montserrat"/>
                 <a:sym typeface="Montserrat"/>
               </a:rPr>
-              <a:t> learn, reason, plan, perceive, or process natural language.</a:t>
-            </a:r>
+              <a:t> </a:t>
+            </a:r>
+            <a:r>
+              <a:rPr lang="en-US" sz="1400" dirty="0" smtClean="0">
+                <a:solidFill>
+                  <a:schemeClr val="accent4">
+                    <a:lumMod val="50000"/>
+                  </a:schemeClr>
+                </a:solidFill>
+                <a:latin typeface="Montserrat"/>
+                <a:ea typeface="Montserrat"/>
+                <a:cs typeface="Montserrat"/>
+                <a:sym typeface="Montserrat"/>
+              </a:rPr>
+              <a:t>Learn</a:t>
+            </a:r>
+            <a:r>
+              <a:rPr lang="en-US" sz="1400" dirty="0">
+                <a:solidFill>
+                  <a:schemeClr val="accent4">
+                    <a:lumMod val="50000"/>
+                  </a:schemeClr>
+                </a:solidFill>
+                <a:latin typeface="Montserrat"/>
+                <a:ea typeface="Montserrat"/>
+                <a:cs typeface="Montserrat"/>
+                <a:sym typeface="Montserrat"/>
+              </a:rPr>
+              <a:t>, reason, plan, perceive, or process natural language</a:t>
+            </a:r>
+            <a:r>
+              <a:rPr lang="en-US" sz="1400" dirty="0" smtClean="0">
+                <a:solidFill>
+                  <a:schemeClr val="accent4">
+                    <a:lumMod val="50000"/>
+                  </a:schemeClr>
+                </a:solidFill>
+                <a:latin typeface="Montserrat"/>
+                <a:ea typeface="Montserrat"/>
+                <a:cs typeface="Montserrat"/>
+                <a:sym typeface="Montserrat"/>
+              </a:rPr>
+              <a:t>. </a:t>
+            </a:r>
+            <a:endParaRPr lang="en-US" sz="1400" dirty="0">
+              <a:solidFill>
+                <a:schemeClr val="accent4">
+                  <a:lumMod val="50000"/>
+                </a:schemeClr>
+              </a:solidFill>
+              <a:latin typeface="Montserrat"/>
+              <a:ea typeface="Montserrat"/>
+              <a:cs typeface="Montserrat"/>
+              <a:sym typeface="Montserrat"/>
+            </a:endParaRPr>
           </a:p>
           <a:p>
             <a:pPr marL="914400" lvl="1" indent="-317500">
@@ -15219,11 +15418,67 @@
                 <a:cs typeface="Montserrat"/>
                 <a:sym typeface="Montserrat"/>
               </a:rPr>
-              <a:t> machine learning. </a:t>
-            </a:r>
-          </a:p>
-          <a:p>
-            <a:pPr marL="914400" lvl="1" indent="-317500">
+              <a:t> </a:t>
+            </a:r>
+            <a:r>
+              <a:rPr lang="en-US" sz="1400" dirty="0" smtClean="0">
+                <a:solidFill>
+                  <a:schemeClr val="accent4">
+                    <a:lumMod val="50000"/>
+                  </a:schemeClr>
+                </a:solidFill>
+                <a:latin typeface="Montserrat"/>
+                <a:ea typeface="Montserrat"/>
+                <a:cs typeface="Montserrat"/>
+                <a:sym typeface="Montserrat"/>
+              </a:rPr>
+              <a:t>Instructions </a:t>
+            </a:r>
+            <a:r>
+              <a:rPr lang="en-US" sz="1400" dirty="0">
+                <a:solidFill>
+                  <a:schemeClr val="accent4">
+                    <a:lumMod val="50000"/>
+                  </a:schemeClr>
+                </a:solidFill>
+                <a:latin typeface="Montserrat"/>
+                <a:ea typeface="Montserrat"/>
+                <a:cs typeface="Montserrat"/>
+                <a:sym typeface="Montserrat"/>
+              </a:rPr>
+              <a:t>that allow model to learn from data without </a:t>
+            </a:r>
+            <a:r>
+              <a:rPr lang="en-US" sz="1400" dirty="0" smtClean="0">
+                <a:solidFill>
+                  <a:schemeClr val="accent4">
+                    <a:lumMod val="50000"/>
+                  </a:schemeClr>
+                </a:solidFill>
+                <a:latin typeface="Montserrat"/>
+                <a:ea typeface="Montserrat"/>
+                <a:cs typeface="Montserrat"/>
+                <a:sym typeface="Montserrat"/>
+              </a:rPr>
+              <a:t>step-by-step  instructions </a:t>
+            </a:r>
+            <a:r>
+              <a:rPr lang="en-US" sz="1400" dirty="0">
+                <a:solidFill>
+                  <a:schemeClr val="accent4">
+                    <a:lumMod val="50000"/>
+                  </a:schemeClr>
+                </a:solidFill>
+                <a:latin typeface="Montserrat"/>
+                <a:ea typeface="Montserrat"/>
+                <a:cs typeface="Montserrat"/>
+                <a:sym typeface="Montserrat"/>
+              </a:rPr>
+              <a:t>by the programmer.</a:t>
+            </a:r>
+          </a:p>
+          <a:p>
+            <a:pPr marL="457200" lvl="0" indent="-317500" algn="just">
               <a:lnSpc>
                 <a:spcPct val="150000"/>
               </a:lnSpc>
@@ -15247,11 +15502,36 @@
                 <a:cs typeface="Montserrat"/>
                 <a:sym typeface="Montserrat"/>
               </a:rPr>
-              <a:t> instructions that allow model to learn from data without step-by-step instructions by the programmer.</a:t>
-            </a:r>
-          </a:p>
-          <a:p>
-            <a:pPr marL="457200" lvl="0" indent="-317500" algn="just">
+              <a:t>Data </a:t>
+            </a:r>
+            <a:r>
+              <a:rPr lang="en-US" sz="1400" dirty="0" smtClean="0">
+                <a:solidFill>
+                  <a:schemeClr val="accent4">
+                    <a:lumMod val="50000"/>
+                  </a:schemeClr>
+                </a:solidFill>
+                <a:latin typeface="Montserrat"/>
+                <a:ea typeface="Montserrat"/>
+                <a:cs typeface="Montserrat"/>
+                <a:sym typeface="Montserrat"/>
+              </a:rPr>
+              <a:t>analytics </a:t>
+            </a:r>
+            <a:endParaRPr lang="en-US" sz="1400" dirty="0">
+              <a:solidFill>
+                <a:schemeClr val="accent4">
+                  <a:lumMod val="50000"/>
+                </a:schemeClr>
+              </a:solidFill>
+              <a:latin typeface="Montserrat"/>
+              <a:ea typeface="Montserrat"/>
+              <a:cs typeface="Montserrat"/>
+              <a:sym typeface="Montserrat"/>
+            </a:endParaRPr>
+          </a:p>
+          <a:p>
+            <a:pPr marL="914400" lvl="1" indent="-317500" algn="just">
               <a:lnSpc>
                 <a:spcPct val="150000"/>
               </a:lnSpc>
@@ -15264,7 +15544,7 @@
               <a:buChar char="•"/>
             </a:pPr>
             <a:r>
-              <a:rPr lang="en-US" sz="1400" dirty="0">
+              <a:rPr lang="en-US" sz="1400" dirty="0" smtClean="0">
                 <a:solidFill>
                   <a:schemeClr val="accent4">
                     <a:lumMod val="50000"/>
@@ -15275,7 +15555,21 @@
                 <a:cs typeface="Montserrat"/>
                 <a:sym typeface="Montserrat"/>
               </a:rPr>
-              <a:t>Data analytics </a:t>
+              <a:t>Qualitative </a:t>
+            </a:r>
+            <a:r>
+              <a:rPr lang="en-US" sz="1400" dirty="0">
+                <a:solidFill>
+                  <a:schemeClr val="accent4">
+                    <a:lumMod val="50000"/>
+                  </a:schemeClr>
+                </a:solidFill>
+                <a:latin typeface="Montserrat"/>
+                <a:ea typeface="Montserrat"/>
+                <a:cs typeface="Montserrat"/>
+                <a:sym typeface="Montserrat"/>
+              </a:rPr>
+              <a:t>and quantitative techniques and processes</a:t>
             </a:r>
           </a:p>
           <a:p>
@@ -15303,7 +15597,35 @@
                 <a:cs typeface="Montserrat"/>
                 <a:sym typeface="Montserrat"/>
               </a:rPr>
-              <a:t>qualitative and quantitative techniques and processes</a:t>
+              <a:t>T</a:t>
+            </a:r>
+            <a:r>
+              <a:rPr lang="en-US" sz="1400" dirty="0" smtClean="0">
+                <a:solidFill>
+                  <a:schemeClr val="accent4">
+                    <a:lumMod val="50000"/>
+                  </a:schemeClr>
+                </a:solidFill>
+                <a:latin typeface="Montserrat"/>
+                <a:ea typeface="Montserrat"/>
+                <a:cs typeface="Montserrat"/>
+                <a:sym typeface="Montserrat"/>
+              </a:rPr>
+              <a:t>o </a:t>
+            </a:r>
+            <a:r>
+              <a:rPr lang="en-US" sz="1400" dirty="0">
+                <a:solidFill>
+                  <a:schemeClr val="accent4">
+                    <a:lumMod val="50000"/>
+                  </a:schemeClr>
+                </a:solidFill>
+                <a:latin typeface="Montserrat"/>
+                <a:ea typeface="Montserrat"/>
+                <a:cs typeface="Montserrat"/>
+                <a:sym typeface="Montserrat"/>
+              </a:rPr>
+              <a:t>enhance productivity and business gain.</a:t>
             </a:r>
           </a:p>
           <a:p>
@@ -15320,7 +15642,7 @@
               <a:buChar char="•"/>
             </a:pPr>
             <a:r>
-              <a:rPr lang="en-US" sz="1400" dirty="0">
+              <a:rPr lang="en-US" sz="1400" dirty="0" smtClean="0">
                 <a:solidFill>
                   <a:schemeClr val="accent4">
                     <a:lumMod val="50000"/>
@@ -15331,22 +15653,8 @@
                 <a:cs typeface="Montserrat"/>
                 <a:sym typeface="Montserrat"/>
               </a:rPr>
-              <a:t>to enhance productivity and business gain.</a:t>
-            </a:r>
-          </a:p>
-          <a:p>
-            <a:pPr marL="914400" lvl="1" indent="-317500" algn="just">
-              <a:lnSpc>
-                <a:spcPct val="150000"/>
-              </a:lnSpc>
-              <a:spcBef>
-                <a:spcPts val="0"/>
-              </a:spcBef>
-              <a:buClrTx/>
-              <a:buSzPts val="1400"/>
-              <a:buFont typeface="Arial" panose="020B0604020202020204" pitchFamily="34" charset="0"/>
-              <a:buChar char="•"/>
-            </a:pPr>
+              <a:t>Data </a:t>
+            </a:r>
             <a:r>
               <a:rPr lang="en-US" sz="1400" dirty="0">
                 <a:solidFill>
@@ -15359,7 +15667,7 @@
                 <a:cs typeface="Montserrat"/>
                 <a:sym typeface="Montserrat"/>
               </a:rPr>
-              <a:t>  Data is extracted and categorized to identify and analyze behavioral data and patterns.</a:t>
+              <a:t>is extracted and categorized to identify and analyze behavioral data and patterns.</a:t>
             </a:r>
             <a:endParaRPr lang="en-US" sz="1400" dirty="0">
               <a:solidFill>
@@ -15461,7 +15769,21 @@
                 <a:cs typeface="Montserrat"/>
                 <a:sym typeface="Montserrat"/>
               </a:rPr>
-              <a:t>Weather - condition of air on earth at a given place and time.</a:t>
+              <a:t>Weather </a:t>
+            </a:r>
+            <a:r>
+              <a:rPr lang="en" sz="1400" b="0" i="0" u="none" strike="noStrike" cap="none" dirty="0" smtClean="0">
+                <a:solidFill>
+                  <a:schemeClr val="accent4">
+                    <a:lumMod val="50000"/>
+                  </a:schemeClr>
+                </a:solidFill>
+                <a:latin typeface="Montserrat"/>
+                <a:ea typeface="Montserrat"/>
+                <a:cs typeface="Montserrat"/>
+                <a:sym typeface="Montserrat"/>
+              </a:rPr>
+              <a:t>- forecast.</a:t>
             </a:r>
             <a:endParaRPr sz="1400" b="0" i="0" u="none" strike="noStrike" cap="none" dirty="0">
               <a:solidFill>
@@ -15534,7 +15856,7 @@
               <a:buChar char="•"/>
             </a:pPr>
             <a:r>
-              <a:rPr lang="en" sz="1400" b="0" i="0" u="none" strike="noStrike" cap="none" dirty="0">
+              <a:rPr lang="en" sz="1400" dirty="0">
                 <a:solidFill>
                   <a:schemeClr val="accent4">
                     <a:lumMod val="50000"/>
@@ -15545,9 +15867,51 @@
                 <a:cs typeface="Montserrat"/>
                 <a:sym typeface="Montserrat"/>
               </a:rPr>
-              <a:t>Extremely important considering its effects on human life and property.</a:t>
-            </a:r>
-            <a:endParaRPr sz="1400" b="0" i="0" u="none" strike="noStrike" cap="none" dirty="0">
+              <a:t>E</a:t>
+            </a:r>
+            <a:r>
+              <a:rPr lang="en" sz="1400" b="0" i="0" u="none" strike="noStrike" cap="none" dirty="0" smtClean="0">
+                <a:solidFill>
+                  <a:schemeClr val="accent4">
+                    <a:lumMod val="50000"/>
+                  </a:schemeClr>
+                </a:solidFill>
+                <a:latin typeface="Montserrat"/>
+                <a:ea typeface="Montserrat"/>
+                <a:cs typeface="Montserrat"/>
+                <a:sym typeface="Montserrat"/>
+              </a:rPr>
+              <a:t>ffects </a:t>
+            </a:r>
+            <a:r>
+              <a:rPr lang="en" sz="1400" b="0" i="0" u="none" strike="noStrike" cap="none" dirty="0">
+                <a:solidFill>
+                  <a:schemeClr val="accent4">
+                    <a:lumMod val="50000"/>
+                  </a:schemeClr>
+                </a:solidFill>
+                <a:latin typeface="Montserrat"/>
+                <a:ea typeface="Montserrat"/>
+                <a:cs typeface="Montserrat"/>
+                <a:sym typeface="Montserrat"/>
+              </a:rPr>
+              <a:t>on human life and </a:t>
+            </a:r>
+            <a:r>
+              <a:rPr lang="en" sz="1400" b="0" i="0" u="none" strike="noStrike" cap="none" dirty="0" smtClean="0">
+                <a:solidFill>
+                  <a:schemeClr val="accent4">
+                    <a:lumMod val="50000"/>
+                  </a:schemeClr>
+                </a:solidFill>
+                <a:latin typeface="Montserrat"/>
+                <a:ea typeface="Montserrat"/>
+                <a:cs typeface="Montserrat"/>
+                <a:sym typeface="Montserrat"/>
+              </a:rPr>
+              <a:t>property.</a:t>
+            </a:r>
+            <a:endParaRPr lang="en" sz="1400" dirty="0">
               <a:solidFill>
                 <a:schemeClr val="accent4">
                   <a:lumMod val="50000"/>
@@ -15576,7 +15940,7 @@
               <a:buChar char="•"/>
             </a:pPr>
             <a:r>
-              <a:rPr lang="en" sz="1400" b="0" i="0" u="none" strike="noStrike" cap="none" dirty="0">
+              <a:rPr lang="en" sz="1400" dirty="0">
                 <a:solidFill>
                   <a:schemeClr val="accent4">
                     <a:lumMod val="50000"/>
@@ -15587,7 +15951,49 @@
                 <a:cs typeface="Montserrat"/>
                 <a:sym typeface="Montserrat"/>
               </a:rPr>
-              <a:t>Today, weather forecasts are made by collecting quantitative data about the current state of the atmosphere using scientific understanding of atmospheric processes to project how the atmosphere will evolve.</a:t>
+              <a:t>S</a:t>
+            </a:r>
+            <a:r>
+              <a:rPr lang="en" sz="1400" b="0" i="0" u="none" strike="noStrike" cap="none" dirty="0" smtClean="0">
+                <a:solidFill>
+                  <a:schemeClr val="accent4">
+                    <a:lumMod val="50000"/>
+                  </a:schemeClr>
+                </a:solidFill>
+                <a:latin typeface="Montserrat"/>
+                <a:ea typeface="Montserrat"/>
+                <a:cs typeface="Montserrat"/>
+                <a:sym typeface="Montserrat"/>
+              </a:rPr>
+              <a:t>cientific </a:t>
+            </a:r>
+            <a:r>
+              <a:rPr lang="en" sz="1400" b="0" i="0" u="none" strike="noStrike" cap="none" dirty="0">
+                <a:solidFill>
+                  <a:schemeClr val="accent4">
+                    <a:lumMod val="50000"/>
+                  </a:schemeClr>
+                </a:solidFill>
+                <a:latin typeface="Montserrat"/>
+                <a:ea typeface="Montserrat"/>
+                <a:cs typeface="Montserrat"/>
+                <a:sym typeface="Montserrat"/>
+              </a:rPr>
+              <a:t>understanding of atmospheric </a:t>
+            </a:r>
+            <a:r>
+              <a:rPr lang="en" sz="1400" b="0" i="0" u="none" strike="noStrike" cap="none" dirty="0" smtClean="0">
+                <a:solidFill>
+                  <a:schemeClr val="accent4">
+                    <a:lumMod val="50000"/>
+                  </a:schemeClr>
+                </a:solidFill>
+                <a:latin typeface="Montserrat"/>
+                <a:ea typeface="Montserrat"/>
+                <a:cs typeface="Montserrat"/>
+                <a:sym typeface="Montserrat"/>
+              </a:rPr>
+              <a:t>processes</a:t>
             </a:r>
             <a:endParaRPr sz="1400" b="0" i="0" u="none" strike="noStrike" cap="none" dirty="0">
               <a:solidFill>
@@ -15618,7 +16024,7 @@
               <a:buChar char="•"/>
             </a:pPr>
             <a:r>
-              <a:rPr lang="en" sz="1400" b="0" i="0" u="none" strike="noStrike" cap="none" dirty="0">
+              <a:rPr lang="en" sz="1400" dirty="0">
                 <a:solidFill>
                   <a:schemeClr val="accent4">
                     <a:lumMod val="50000"/>
@@ -15629,7 +16035,63 @@
                 <a:cs typeface="Montserrat"/>
                 <a:sym typeface="Montserrat"/>
               </a:rPr>
-              <a:t>chaotic nature of the atmosphere implies the need of massive computational power required.</a:t>
+              <a:t>C</a:t>
+            </a:r>
+            <a:r>
+              <a:rPr lang="en" sz="1400" b="0" i="0" u="none" strike="noStrike" cap="none" dirty="0" smtClean="0">
+                <a:solidFill>
+                  <a:schemeClr val="accent4">
+                    <a:lumMod val="50000"/>
+                  </a:schemeClr>
+                </a:solidFill>
+                <a:latin typeface="Montserrat"/>
+                <a:ea typeface="Montserrat"/>
+                <a:cs typeface="Montserrat"/>
+                <a:sym typeface="Montserrat"/>
+              </a:rPr>
+              <a:t>haotic </a:t>
+            </a:r>
+            <a:r>
+              <a:rPr lang="en" sz="1400" b="0" i="0" u="none" strike="noStrike" cap="none" dirty="0">
+                <a:solidFill>
+                  <a:schemeClr val="accent4">
+                    <a:lumMod val="50000"/>
+                  </a:schemeClr>
+                </a:solidFill>
+                <a:latin typeface="Montserrat"/>
+                <a:ea typeface="Montserrat"/>
+                <a:cs typeface="Montserrat"/>
+                <a:sym typeface="Montserrat"/>
+              </a:rPr>
+              <a:t>nature of </a:t>
+            </a:r>
+            <a:r>
+              <a:rPr lang="en" sz="1400" b="0" i="0" u="none" strike="noStrike" cap="none">
+                <a:solidFill>
+                  <a:schemeClr val="accent4">
+                    <a:lumMod val="50000"/>
+                  </a:schemeClr>
+                </a:solidFill>
+                <a:latin typeface="Montserrat"/>
+                <a:ea typeface="Montserrat"/>
+                <a:cs typeface="Montserrat"/>
+                <a:sym typeface="Montserrat"/>
+              </a:rPr>
+              <a:t>the </a:t>
+            </a:r>
+            <a:r>
+              <a:rPr lang="en" sz="1400" b="0" i="0" u="none" strike="noStrike" cap="none" smtClean="0">
+                <a:solidFill>
+                  <a:schemeClr val="accent4">
+                    <a:lumMod val="50000"/>
+                  </a:schemeClr>
+                </a:solidFill>
+                <a:latin typeface="Montserrat"/>
+                <a:ea typeface="Montserrat"/>
+                <a:cs typeface="Montserrat"/>
+                <a:sym typeface="Montserrat"/>
+              </a:rPr>
+              <a:t>atmosphere.</a:t>
             </a:r>
             <a:endParaRPr sz="1400" b="0" i="0" u="none" strike="noStrike" cap="none" dirty="0">
               <a:solidFill>

--- a/Phase-II-Seminar.pptx
+++ b/Phase-II-Seminar.pptx
@@ -8,17 +8,17 @@
     <p:notesMasterId r:id="rId21"/>
   </p:notesMasterIdLst>
   <p:sldIdLst>
-    <p:sldId id="256" r:id="rId2"/>
+    <p:sldId id="300" r:id="rId2"/>
     <p:sldId id="297" r:id="rId3"/>
-    <p:sldId id="259" r:id="rId4"/>
-    <p:sldId id="266" r:id="rId5"/>
-    <p:sldId id="296" r:id="rId6"/>
-    <p:sldId id="298" r:id="rId7"/>
-    <p:sldId id="299" r:id="rId8"/>
-    <p:sldId id="290" r:id="rId9"/>
-    <p:sldId id="292" r:id="rId10"/>
-    <p:sldId id="291" r:id="rId11"/>
-    <p:sldId id="270" r:id="rId12"/>
+    <p:sldId id="266" r:id="rId4"/>
+    <p:sldId id="296" r:id="rId5"/>
+    <p:sldId id="298" r:id="rId6"/>
+    <p:sldId id="299" r:id="rId7"/>
+    <p:sldId id="290" r:id="rId8"/>
+    <p:sldId id="292" r:id="rId9"/>
+    <p:sldId id="291" r:id="rId10"/>
+    <p:sldId id="270" r:id="rId11"/>
+    <p:sldId id="301" r:id="rId12"/>
     <p:sldId id="271" r:id="rId13"/>
     <p:sldId id="287" r:id="rId14"/>
     <p:sldId id="272" r:id="rId15"/>
@@ -32,29 +32,33 @@
   <p:notesSz cx="6858000" cy="9144000"/>
   <p:embeddedFontLst>
     <p:embeddedFont>
+      <p:font typeface="English111 Vivace BT" panose="03030702030607090B03" pitchFamily="66" charset="0"/>
+      <p:regular r:id="rId22"/>
+    </p:embeddedFont>
+    <p:embeddedFont>
+      <p:font typeface="Wingdings 3" panose="05040102010807070707" pitchFamily="18" charset="2"/>
+      <p:regular r:id="rId23"/>
+    </p:embeddedFont>
+    <p:embeddedFont>
+      <p:font typeface="Century Gothic" panose="020B0502020202020204" pitchFamily="34" charset="0"/>
+      <p:regular r:id="rId24"/>
+      <p:bold r:id="rId25"/>
+      <p:italic r:id="rId26"/>
+      <p:boldItalic r:id="rId27"/>
+    </p:embeddedFont>
+    <p:embeddedFont>
       <p:font typeface="Montserrat" panose="020B0604020202020204" charset="0"/>
-      <p:regular r:id="rId22"/>
-      <p:bold r:id="rId23"/>
-      <p:italic r:id="rId24"/>
-      <p:boldItalic r:id="rId25"/>
+      <p:regular r:id="rId28"/>
+      <p:bold r:id="rId29"/>
+      <p:italic r:id="rId30"/>
+      <p:boldItalic r:id="rId31"/>
     </p:embeddedFont>
     <p:embeddedFont>
       <p:font typeface="Lato" panose="020B0604020202020204" charset="0"/>
-      <p:regular r:id="rId26"/>
-      <p:bold r:id="rId27"/>
-      <p:italic r:id="rId28"/>
-      <p:boldItalic r:id="rId29"/>
-    </p:embeddedFont>
-    <p:embeddedFont>
-      <p:font typeface="Wingdings 3" panose="05040102010807070707" pitchFamily="18" charset="2"/>
-      <p:regular r:id="rId30"/>
-    </p:embeddedFont>
-    <p:embeddedFont>
-      <p:font typeface="Century Gothic" panose="020B0502020202020204" pitchFamily="34" charset="0"/>
-      <p:regular r:id="rId31"/>
-      <p:bold r:id="rId32"/>
-      <p:italic r:id="rId33"/>
-      <p:boldItalic r:id="rId34"/>
+      <p:regular r:id="rId32"/>
+      <p:bold r:id="rId33"/>
+      <p:italic r:id="rId34"/>
+      <p:boldItalic r:id="rId35"/>
     </p:embeddedFont>
   </p:embeddedFontLst>
   <p:defaultTextStyle>
@@ -742,7 +746,7 @@
   <p:cSld>
     <p:spTree>
       <p:nvGrpSpPr>
-        <p:cNvPr id="1" name="Shape 130"/>
+        <p:cNvPr id="1" name="Shape 186"/>
         <p:cNvGrpSpPr/>
         <p:nvPr/>
       </p:nvGrpSpPr>
@@ -756,7 +760,7 @@
       </p:grpSpPr>
       <p:sp>
         <p:nvSpPr>
-          <p:cNvPr id="131" name="Shape 131"/>
+          <p:cNvPr id="187" name="Shape 187"/>
           <p:cNvSpPr>
             <a:spLocks noGrp="1" noRot="1" noChangeAspect="1"/>
           </p:cNvSpPr>
@@ -807,7 +811,7 @@
       </p:sp>
       <p:sp>
         <p:nvSpPr>
-          <p:cNvPr id="132" name="Shape 132"/>
+          <p:cNvPr id="188" name="Shape 188"/>
           <p:cNvSpPr txBox="1">
             <a:spLocks noGrp="1"/>
           </p:cNvSpPr>
@@ -864,6 +868,11 @@
         </p:txBody>
       </p:sp>
     </p:spTree>
+    <p:extLst>
+      <p:ext uri="{BB962C8B-B14F-4D97-AF65-F5344CB8AC3E}">
+        <p14:creationId xmlns:p14="http://schemas.microsoft.com/office/powerpoint/2010/main" val="3785440286"/>
+      </p:ext>
+    </p:extLst>
   </p:cSld>
   <p:clrMapOvr>
     <a:masterClrMapping/>
@@ -871,12 +880,12 @@
 </p:notes>
 </file>
 
-<file path=ppt/notesSlides/notesSlide10.xml><?xml version="1.0" encoding="utf-8"?>
+<file path=ppt/notesSlides/notesSlide2.xml><?xml version="1.0" encoding="utf-8"?>
 <p:notes xmlns:a="http://schemas.openxmlformats.org/drawingml/2006/main" xmlns:r="http://schemas.openxmlformats.org/officeDocument/2006/relationships" xmlns:p="http://schemas.openxmlformats.org/presentationml/2006/main" showMasterSp="0" showMasterPhAnim="0">
   <p:cSld>
     <p:spTree>
       <p:nvGrpSpPr>
-        <p:cNvPr id="1" name="Shape 220"/>
+        <p:cNvPr id="1" name="Shape 186"/>
         <p:cNvGrpSpPr/>
         <p:nvPr/>
       </p:nvGrpSpPr>
@@ -890,7 +899,7 @@
       </p:grpSpPr>
       <p:sp>
         <p:nvSpPr>
-          <p:cNvPr id="221" name="Shape 221"/>
+          <p:cNvPr id="187" name="Shape 187"/>
           <p:cNvSpPr>
             <a:spLocks noGrp="1" noRot="1" noChangeAspect="1"/>
           </p:cNvSpPr>
@@ -941,7 +950,7 @@
       </p:sp>
       <p:sp>
         <p:nvSpPr>
-          <p:cNvPr id="222" name="Shape 222"/>
+          <p:cNvPr id="188" name="Shape 188"/>
           <p:cNvSpPr txBox="1">
             <a:spLocks noGrp="1"/>
           </p:cNvSpPr>
@@ -968,7 +977,7 @@
           </a:bodyPr>
           <a:lstStyle/>
           <a:p>
-            <a:pPr marL="0" marR="0" lvl="0" indent="69850" algn="l" rtl="0">
+            <a:pPr marL="0" marR="0" lvl="0" indent="0" algn="l" rtl="0">
               <a:lnSpc>
                 <a:spcPct val="100000"/>
               </a:lnSpc>
@@ -1005,12 +1014,12 @@
 </p:notes>
 </file>
 
-<file path=ppt/notesSlides/notesSlide11.xml><?xml version="1.0" encoding="utf-8"?>
+<file path=ppt/notesSlides/notesSlide3.xml><?xml version="1.0" encoding="utf-8"?>
 <p:notes xmlns:a="http://schemas.openxmlformats.org/drawingml/2006/main" xmlns:r="http://schemas.openxmlformats.org/officeDocument/2006/relationships" xmlns:p="http://schemas.openxmlformats.org/presentationml/2006/main" showMasterSp="0" showMasterPhAnim="0">
   <p:cSld>
     <p:spTree>
       <p:nvGrpSpPr>
-        <p:cNvPr id="1" name="Shape 256"/>
+        <p:cNvPr id="1" name="Shape 186"/>
         <p:cNvGrpSpPr/>
         <p:nvPr/>
       </p:nvGrpSpPr>
@@ -1024,7 +1033,7 @@
       </p:grpSpPr>
       <p:sp>
         <p:nvSpPr>
-          <p:cNvPr id="257" name="Shape 257"/>
+          <p:cNvPr id="187" name="Shape 187"/>
           <p:cNvSpPr>
             <a:spLocks noGrp="1" noRot="1" noChangeAspect="1"/>
           </p:cNvSpPr>
@@ -1075,7 +1084,7 @@
       </p:sp>
       <p:sp>
         <p:nvSpPr>
-          <p:cNvPr id="258" name="Shape 258"/>
+          <p:cNvPr id="188" name="Shape 188"/>
           <p:cNvSpPr txBox="1">
             <a:spLocks noGrp="1"/>
           </p:cNvSpPr>
@@ -1132,6 +1141,11 @@
         </p:txBody>
       </p:sp>
     </p:spTree>
+    <p:extLst>
+      <p:ext uri="{BB962C8B-B14F-4D97-AF65-F5344CB8AC3E}">
+        <p14:creationId xmlns:p14="http://schemas.microsoft.com/office/powerpoint/2010/main" val="1384575078"/>
+      </p:ext>
+    </p:extLst>
   </p:cSld>
   <p:clrMapOvr>
     <a:masterClrMapping/>
@@ -1139,7 +1153,7 @@
 </p:notes>
 </file>
 
-<file path=ppt/notesSlides/notesSlide2.xml><?xml version="1.0" encoding="utf-8"?>
+<file path=ppt/notesSlides/notesSlide4.xml><?xml version="1.0" encoding="utf-8"?>
 <p:notes xmlns:a="http://schemas.openxmlformats.org/drawingml/2006/main" xmlns:r="http://schemas.openxmlformats.org/officeDocument/2006/relationships" xmlns:p="http://schemas.openxmlformats.org/presentationml/2006/main" showMasterSp="0" showMasterPhAnim="0">
   <p:cSld>
     <p:spTree>
@@ -1268,7 +1282,7 @@
     </p:spTree>
     <p:extLst>
       <p:ext uri="{BB962C8B-B14F-4D97-AF65-F5344CB8AC3E}">
-        <p14:creationId xmlns:p14="http://schemas.microsoft.com/office/powerpoint/2010/main" val="3785440286"/>
+        <p14:creationId xmlns:p14="http://schemas.microsoft.com/office/powerpoint/2010/main" val="1965166538"/>
       </p:ext>
     </p:extLst>
   </p:cSld>
@@ -1278,12 +1292,12 @@
 </p:notes>
 </file>
 
-<file path=ppt/notesSlides/notesSlide3.xml><?xml version="1.0" encoding="utf-8"?>
+<file path=ppt/notesSlides/notesSlide5.xml><?xml version="1.0" encoding="utf-8"?>
 <p:notes xmlns:a="http://schemas.openxmlformats.org/drawingml/2006/main" xmlns:r="http://schemas.openxmlformats.org/officeDocument/2006/relationships" xmlns:p="http://schemas.openxmlformats.org/presentationml/2006/main" showMasterSp="0" showMasterPhAnim="0">
   <p:cSld>
     <p:spTree>
       <p:nvGrpSpPr>
-        <p:cNvPr id="1" name="Shape 148"/>
+        <p:cNvPr id="1" name="Shape 186"/>
         <p:cNvGrpSpPr/>
         <p:nvPr/>
       </p:nvGrpSpPr>
@@ -1297,7 +1311,7 @@
       </p:grpSpPr>
       <p:sp>
         <p:nvSpPr>
-          <p:cNvPr id="149" name="Shape 149"/>
+          <p:cNvPr id="187" name="Shape 187"/>
           <p:cNvSpPr>
             <a:spLocks noGrp="1" noRot="1" noChangeAspect="1"/>
           </p:cNvSpPr>
@@ -1348,7 +1362,7 @@
       </p:sp>
       <p:sp>
         <p:nvSpPr>
-          <p:cNvPr id="150" name="Shape 150"/>
+          <p:cNvPr id="188" name="Shape 188"/>
           <p:cNvSpPr txBox="1">
             <a:spLocks noGrp="1"/>
           </p:cNvSpPr>
@@ -1375,7 +1389,7 @@
           </a:bodyPr>
           <a:lstStyle/>
           <a:p>
-            <a:pPr marL="0" marR="0" lvl="0" indent="69850" algn="l" rtl="0">
+            <a:pPr marL="0" marR="0" lvl="0" indent="0" algn="l" rtl="0">
               <a:lnSpc>
                 <a:spcPct val="100000"/>
               </a:lnSpc>
@@ -1405,6 +1419,11 @@
         </p:txBody>
       </p:sp>
     </p:spTree>
+    <p:extLst>
+      <p:ext uri="{BB962C8B-B14F-4D97-AF65-F5344CB8AC3E}">
+        <p14:creationId xmlns:p14="http://schemas.microsoft.com/office/powerpoint/2010/main" val="154241437"/>
+      </p:ext>
+    </p:extLst>
   </p:cSld>
   <p:clrMapOvr>
     <a:masterClrMapping/>
@@ -1412,12 +1431,12 @@
 </p:notes>
 </file>
 
-<file path=ppt/notesSlides/notesSlide4.xml><?xml version="1.0" encoding="utf-8"?>
+<file path=ppt/notesSlides/notesSlide6.xml><?xml version="1.0" encoding="utf-8"?>
 <p:notes xmlns:a="http://schemas.openxmlformats.org/drawingml/2006/main" xmlns:r="http://schemas.openxmlformats.org/officeDocument/2006/relationships" xmlns:p="http://schemas.openxmlformats.org/presentationml/2006/main" showMasterSp="0" showMasterPhAnim="0">
   <p:cSld>
     <p:spTree>
       <p:nvGrpSpPr>
-        <p:cNvPr id="1" name="Shape 186"/>
+        <p:cNvPr id="1" name="Shape 209"/>
         <p:cNvGrpSpPr/>
         <p:nvPr/>
       </p:nvGrpSpPr>
@@ -1431,7 +1450,7 @@
       </p:grpSpPr>
       <p:sp>
         <p:nvSpPr>
-          <p:cNvPr id="187" name="Shape 187"/>
+          <p:cNvPr id="210" name="Shape 210"/>
           <p:cNvSpPr>
             <a:spLocks noGrp="1" noRot="1" noChangeAspect="1"/>
           </p:cNvSpPr>
@@ -1482,7 +1501,7 @@
       </p:sp>
       <p:sp>
         <p:nvSpPr>
-          <p:cNvPr id="188" name="Shape 188"/>
+          <p:cNvPr id="211" name="Shape 211"/>
           <p:cNvSpPr txBox="1">
             <a:spLocks noGrp="1"/>
           </p:cNvSpPr>
@@ -1509,7 +1528,7 @@
           </a:bodyPr>
           <a:lstStyle/>
           <a:p>
-            <a:pPr marL="0" marR="0" lvl="0" indent="0" algn="l" rtl="0">
+            <a:pPr marL="0" marR="0" lvl="0" indent="69850" algn="l" rtl="0">
               <a:lnSpc>
                 <a:spcPct val="100000"/>
               </a:lnSpc>
@@ -1546,12 +1565,12 @@
 </p:notes>
 </file>
 
-<file path=ppt/notesSlides/notesSlide5.xml><?xml version="1.0" encoding="utf-8"?>
+<file path=ppt/notesSlides/notesSlide7.xml><?xml version="1.0" encoding="utf-8"?>
 <p:notes xmlns:a="http://schemas.openxmlformats.org/drawingml/2006/main" xmlns:r="http://schemas.openxmlformats.org/officeDocument/2006/relationships" xmlns:p="http://schemas.openxmlformats.org/presentationml/2006/main" showMasterSp="0" showMasterPhAnim="0">
   <p:cSld>
     <p:spTree>
       <p:nvGrpSpPr>
-        <p:cNvPr id="1" name="Shape 186"/>
+        <p:cNvPr id="1" name="Shape 214"/>
         <p:cNvGrpSpPr/>
         <p:nvPr/>
       </p:nvGrpSpPr>
@@ -1565,7 +1584,111 @@
       </p:grpSpPr>
       <p:sp>
         <p:nvSpPr>
-          <p:cNvPr id="187" name="Shape 187"/>
+          <p:cNvPr id="215" name="Shape 215"/>
+          <p:cNvSpPr>
+            <a:spLocks noGrp="1" noRot="1" noChangeAspect="1"/>
+          </p:cNvSpPr>
+          <p:nvPr>
+            <p:ph type="sldImg" idx="2"/>
+          </p:nvPr>
+        </p:nvSpPr>
+        <p:spPr>
+          <a:xfrm>
+            <a:off x="381000" y="685800"/>
+            <a:ext cx="6096000" cy="3429000"/>
+          </a:xfrm>
+          <a:custGeom>
+            <a:avLst/>
+            <a:gdLst/>
+            <a:ahLst/>
+            <a:cxnLst/>
+            <a:rect l="0" t="0" r="0" b="0"/>
+            <a:pathLst>
+              <a:path w="120000" h="120000" extrusionOk="0">
+                <a:moveTo>
+                  <a:pt x="0" y="0"/>
+                </a:moveTo>
+                <a:lnTo>
+                  <a:pt x="120000" y="0"/>
+                </a:lnTo>
+                <a:lnTo>
+                  <a:pt x="120000" y="120000"/>
+                </a:lnTo>
+                <a:lnTo>
+                  <a:pt x="0" y="120000"/>
+                </a:lnTo>
+                <a:close/>
+              </a:path>
+            </a:pathLst>
+          </a:custGeom>
+        </p:spPr>
+      </p:sp>
+      <p:sp>
+        <p:nvSpPr>
+          <p:cNvPr id="216" name="Shape 216"/>
+          <p:cNvSpPr txBox="1">
+            <a:spLocks noGrp="1"/>
+          </p:cNvSpPr>
+          <p:nvPr>
+            <p:ph type="body" idx="1"/>
+          </p:nvPr>
+        </p:nvSpPr>
+        <p:spPr>
+          <a:xfrm>
+            <a:off x="685800" y="4343400"/>
+            <a:ext cx="5486400" cy="4114800"/>
+          </a:xfrm>
+          <a:prstGeom prst="rect">
+            <a:avLst/>
+          </a:prstGeom>
+        </p:spPr>
+        <p:txBody>
+          <a:bodyPr spcFirstLastPara="1" wrap="square" lIns="91425" tIns="91425" rIns="91425" bIns="91425" anchor="t" anchorCtr="0">
+            <a:noAutofit/>
+          </a:bodyPr>
+          <a:lstStyle/>
+          <a:p>
+            <a:pPr marL="0" lvl="0" indent="0">
+              <a:spcBef>
+                <a:spcPts val="0"/>
+              </a:spcBef>
+              <a:spcAft>
+                <a:spcPts val="0"/>
+              </a:spcAft>
+              <a:buNone/>
+            </a:pPr>
+            <a:endParaRPr/>
+          </a:p>
+        </p:txBody>
+      </p:sp>
+    </p:spTree>
+  </p:cSld>
+  <p:clrMapOvr>
+    <a:masterClrMapping/>
+  </p:clrMapOvr>
+</p:notes>
+</file>
+
+<file path=ppt/notesSlides/notesSlide8.xml><?xml version="1.0" encoding="utf-8"?>
+<p:notes xmlns:a="http://schemas.openxmlformats.org/drawingml/2006/main" xmlns:r="http://schemas.openxmlformats.org/officeDocument/2006/relationships" xmlns:p="http://schemas.openxmlformats.org/presentationml/2006/main" showMasterSp="0" showMasterPhAnim="0">
+  <p:cSld>
+    <p:spTree>
+      <p:nvGrpSpPr>
+        <p:cNvPr id="1" name="Shape 220"/>
+        <p:cNvGrpSpPr/>
+        <p:nvPr/>
+      </p:nvGrpSpPr>
+      <p:grpSpPr>
+        <a:xfrm>
+          <a:off x="0" y="0"/>
+          <a:ext cx="0" cy="0"/>
+          <a:chOff x="0" y="0"/>
+          <a:chExt cx="0" cy="0"/>
+        </a:xfrm>
+      </p:grpSpPr>
+      <p:sp>
+        <p:nvSpPr>
+          <p:cNvPr id="221" name="Shape 221"/>
           <p:cNvSpPr>
             <a:spLocks noGrp="1" noRot="1" noChangeAspect="1"/>
           </p:cNvSpPr>
@@ -1616,7 +1739,7 @@
       </p:sp>
       <p:sp>
         <p:nvSpPr>
-          <p:cNvPr id="188" name="Shape 188"/>
+          <p:cNvPr id="222" name="Shape 222"/>
           <p:cNvSpPr txBox="1">
             <a:spLocks noGrp="1"/>
           </p:cNvSpPr>
@@ -1643,7 +1766,7 @@
           </a:bodyPr>
           <a:lstStyle/>
           <a:p>
-            <a:pPr marL="0" marR="0" lvl="0" indent="0" algn="l" rtl="0">
+            <a:pPr marL="0" marR="0" lvl="0" indent="69850" algn="l" rtl="0">
               <a:lnSpc>
                 <a:spcPct val="100000"/>
               </a:lnSpc>
@@ -1673,11 +1796,6 @@
         </p:txBody>
       </p:sp>
     </p:spTree>
-    <p:extLst>
-      <p:ext uri="{BB962C8B-B14F-4D97-AF65-F5344CB8AC3E}">
-        <p14:creationId xmlns:p14="http://schemas.microsoft.com/office/powerpoint/2010/main" val="1384575078"/>
-      </p:ext>
-    </p:extLst>
   </p:cSld>
   <p:clrMapOvr>
     <a:masterClrMapping/>
@@ -1685,12 +1803,12 @@
 </p:notes>
 </file>
 
-<file path=ppt/notesSlides/notesSlide6.xml><?xml version="1.0" encoding="utf-8"?>
+<file path=ppt/notesSlides/notesSlide9.xml><?xml version="1.0" encoding="utf-8"?>
 <p:notes xmlns:a="http://schemas.openxmlformats.org/drawingml/2006/main" xmlns:r="http://schemas.openxmlformats.org/officeDocument/2006/relationships" xmlns:p="http://schemas.openxmlformats.org/presentationml/2006/main" showMasterSp="0" showMasterPhAnim="0">
   <p:cSld>
     <p:spTree>
       <p:nvGrpSpPr>
-        <p:cNvPr id="1" name="Shape 186"/>
+        <p:cNvPr id="1" name="Shape 256"/>
         <p:cNvGrpSpPr/>
         <p:nvPr/>
       </p:nvGrpSpPr>
@@ -1704,7 +1822,7 @@
       </p:grpSpPr>
       <p:sp>
         <p:nvSpPr>
-          <p:cNvPr id="187" name="Shape 187"/>
+          <p:cNvPr id="257" name="Shape 257"/>
           <p:cNvSpPr>
             <a:spLocks noGrp="1" noRot="1" noChangeAspect="1"/>
           </p:cNvSpPr>
@@ -1755,7 +1873,7 @@
       </p:sp>
       <p:sp>
         <p:nvSpPr>
-          <p:cNvPr id="188" name="Shape 188"/>
+          <p:cNvPr id="258" name="Shape 258"/>
           <p:cNvSpPr txBox="1">
             <a:spLocks noGrp="1"/>
           </p:cNvSpPr>
@@ -1808,388 +1926,6 @@
               <a:cs typeface="Arial"/>
               <a:sym typeface="Arial"/>
             </a:endParaRPr>
-          </a:p>
-        </p:txBody>
-      </p:sp>
-    </p:spTree>
-    <p:extLst>
-      <p:ext uri="{BB962C8B-B14F-4D97-AF65-F5344CB8AC3E}">
-        <p14:creationId xmlns:p14="http://schemas.microsoft.com/office/powerpoint/2010/main" val="1965166538"/>
-      </p:ext>
-    </p:extLst>
-  </p:cSld>
-  <p:clrMapOvr>
-    <a:masterClrMapping/>
-  </p:clrMapOvr>
-</p:notes>
-</file>
-
-<file path=ppt/notesSlides/notesSlide7.xml><?xml version="1.0" encoding="utf-8"?>
-<p:notes xmlns:a="http://schemas.openxmlformats.org/drawingml/2006/main" xmlns:r="http://schemas.openxmlformats.org/officeDocument/2006/relationships" xmlns:p="http://schemas.openxmlformats.org/presentationml/2006/main" showMasterSp="0" showMasterPhAnim="0">
-  <p:cSld>
-    <p:spTree>
-      <p:nvGrpSpPr>
-        <p:cNvPr id="1" name="Shape 186"/>
-        <p:cNvGrpSpPr/>
-        <p:nvPr/>
-      </p:nvGrpSpPr>
-      <p:grpSpPr>
-        <a:xfrm>
-          <a:off x="0" y="0"/>
-          <a:ext cx="0" cy="0"/>
-          <a:chOff x="0" y="0"/>
-          <a:chExt cx="0" cy="0"/>
-        </a:xfrm>
-      </p:grpSpPr>
-      <p:sp>
-        <p:nvSpPr>
-          <p:cNvPr id="187" name="Shape 187"/>
-          <p:cNvSpPr>
-            <a:spLocks noGrp="1" noRot="1" noChangeAspect="1"/>
-          </p:cNvSpPr>
-          <p:nvPr>
-            <p:ph type="sldImg" idx="2"/>
-          </p:nvPr>
-        </p:nvSpPr>
-        <p:spPr>
-          <a:xfrm>
-            <a:off x="381000" y="685800"/>
-            <a:ext cx="6096000" cy="3429000"/>
-          </a:xfrm>
-          <a:custGeom>
-            <a:avLst/>
-            <a:gdLst/>
-            <a:ahLst/>
-            <a:cxnLst/>
-            <a:rect l="0" t="0" r="0" b="0"/>
-            <a:pathLst>
-              <a:path w="120000" h="120000" extrusionOk="0">
-                <a:moveTo>
-                  <a:pt x="0" y="0"/>
-                </a:moveTo>
-                <a:lnTo>
-                  <a:pt x="120000" y="0"/>
-                </a:lnTo>
-                <a:lnTo>
-                  <a:pt x="120000" y="120000"/>
-                </a:lnTo>
-                <a:lnTo>
-                  <a:pt x="0" y="120000"/>
-                </a:lnTo>
-                <a:close/>
-              </a:path>
-            </a:pathLst>
-          </a:custGeom>
-          <a:noFill/>
-          <a:ln w="9525" cap="flat" cmpd="sng">
-            <a:solidFill>
-              <a:srgbClr val="000000"/>
-            </a:solidFill>
-            <a:prstDash val="solid"/>
-            <a:round/>
-            <a:headEnd type="none" w="sm" len="sm"/>
-            <a:tailEnd type="none" w="sm" len="sm"/>
-          </a:ln>
-        </p:spPr>
-      </p:sp>
-      <p:sp>
-        <p:nvSpPr>
-          <p:cNvPr id="188" name="Shape 188"/>
-          <p:cNvSpPr txBox="1">
-            <a:spLocks noGrp="1"/>
-          </p:cNvSpPr>
-          <p:nvPr>
-            <p:ph type="body" idx="1"/>
-          </p:nvPr>
-        </p:nvSpPr>
-        <p:spPr>
-          <a:xfrm>
-            <a:off x="685800" y="4343400"/>
-            <a:ext cx="5486400" cy="4114800"/>
-          </a:xfrm>
-          <a:prstGeom prst="rect">
-            <a:avLst/>
-          </a:prstGeom>
-          <a:noFill/>
-          <a:ln>
-            <a:noFill/>
-          </a:ln>
-        </p:spPr>
-        <p:txBody>
-          <a:bodyPr spcFirstLastPara="1" wrap="square" lIns="91425" tIns="91425" rIns="91425" bIns="91425" anchor="t" anchorCtr="0">
-            <a:noAutofit/>
-          </a:bodyPr>
-          <a:lstStyle/>
-          <a:p>
-            <a:pPr marL="0" marR="0" lvl="0" indent="0" algn="l" rtl="0">
-              <a:lnSpc>
-                <a:spcPct val="100000"/>
-              </a:lnSpc>
-              <a:spcBef>
-                <a:spcPts val="0"/>
-              </a:spcBef>
-              <a:spcAft>
-                <a:spcPts val="0"/>
-              </a:spcAft>
-              <a:buClr>
-                <a:schemeClr val="dk1"/>
-              </a:buClr>
-              <a:buSzPts val="1100"/>
-              <a:buFont typeface="Arial"/>
-              <a:buNone/>
-            </a:pPr>
-            <a:endParaRPr sz="1100" b="0" i="0" u="none" strike="noStrike" cap="none">
-              <a:solidFill>
-                <a:schemeClr val="dk1"/>
-              </a:solidFill>
-              <a:latin typeface="Arial"/>
-              <a:ea typeface="Arial"/>
-              <a:cs typeface="Arial"/>
-              <a:sym typeface="Arial"/>
-            </a:endParaRPr>
-          </a:p>
-        </p:txBody>
-      </p:sp>
-    </p:spTree>
-    <p:extLst>
-      <p:ext uri="{BB962C8B-B14F-4D97-AF65-F5344CB8AC3E}">
-        <p14:creationId xmlns:p14="http://schemas.microsoft.com/office/powerpoint/2010/main" val="154241437"/>
-      </p:ext>
-    </p:extLst>
-  </p:cSld>
-  <p:clrMapOvr>
-    <a:masterClrMapping/>
-  </p:clrMapOvr>
-</p:notes>
-</file>
-
-<file path=ppt/notesSlides/notesSlide8.xml><?xml version="1.0" encoding="utf-8"?>
-<p:notes xmlns:a="http://schemas.openxmlformats.org/drawingml/2006/main" xmlns:r="http://schemas.openxmlformats.org/officeDocument/2006/relationships" xmlns:p="http://schemas.openxmlformats.org/presentationml/2006/main" showMasterSp="0" showMasterPhAnim="0">
-  <p:cSld>
-    <p:spTree>
-      <p:nvGrpSpPr>
-        <p:cNvPr id="1" name="Shape 209"/>
-        <p:cNvGrpSpPr/>
-        <p:nvPr/>
-      </p:nvGrpSpPr>
-      <p:grpSpPr>
-        <a:xfrm>
-          <a:off x="0" y="0"/>
-          <a:ext cx="0" cy="0"/>
-          <a:chOff x="0" y="0"/>
-          <a:chExt cx="0" cy="0"/>
-        </a:xfrm>
-      </p:grpSpPr>
-      <p:sp>
-        <p:nvSpPr>
-          <p:cNvPr id="210" name="Shape 210"/>
-          <p:cNvSpPr>
-            <a:spLocks noGrp="1" noRot="1" noChangeAspect="1"/>
-          </p:cNvSpPr>
-          <p:nvPr>
-            <p:ph type="sldImg" idx="2"/>
-          </p:nvPr>
-        </p:nvSpPr>
-        <p:spPr>
-          <a:xfrm>
-            <a:off x="381000" y="685800"/>
-            <a:ext cx="6096000" cy="3429000"/>
-          </a:xfrm>
-          <a:custGeom>
-            <a:avLst/>
-            <a:gdLst/>
-            <a:ahLst/>
-            <a:cxnLst/>
-            <a:rect l="0" t="0" r="0" b="0"/>
-            <a:pathLst>
-              <a:path w="120000" h="120000" extrusionOk="0">
-                <a:moveTo>
-                  <a:pt x="0" y="0"/>
-                </a:moveTo>
-                <a:lnTo>
-                  <a:pt x="120000" y="0"/>
-                </a:lnTo>
-                <a:lnTo>
-                  <a:pt x="120000" y="120000"/>
-                </a:lnTo>
-                <a:lnTo>
-                  <a:pt x="0" y="120000"/>
-                </a:lnTo>
-                <a:close/>
-              </a:path>
-            </a:pathLst>
-          </a:custGeom>
-          <a:noFill/>
-          <a:ln w="9525" cap="flat" cmpd="sng">
-            <a:solidFill>
-              <a:srgbClr val="000000"/>
-            </a:solidFill>
-            <a:prstDash val="solid"/>
-            <a:round/>
-            <a:headEnd type="none" w="sm" len="sm"/>
-            <a:tailEnd type="none" w="sm" len="sm"/>
-          </a:ln>
-        </p:spPr>
-      </p:sp>
-      <p:sp>
-        <p:nvSpPr>
-          <p:cNvPr id="211" name="Shape 211"/>
-          <p:cNvSpPr txBox="1">
-            <a:spLocks noGrp="1"/>
-          </p:cNvSpPr>
-          <p:nvPr>
-            <p:ph type="body" idx="1"/>
-          </p:nvPr>
-        </p:nvSpPr>
-        <p:spPr>
-          <a:xfrm>
-            <a:off x="685800" y="4343400"/>
-            <a:ext cx="5486400" cy="4114800"/>
-          </a:xfrm>
-          <a:prstGeom prst="rect">
-            <a:avLst/>
-          </a:prstGeom>
-          <a:noFill/>
-          <a:ln>
-            <a:noFill/>
-          </a:ln>
-        </p:spPr>
-        <p:txBody>
-          <a:bodyPr spcFirstLastPara="1" wrap="square" lIns="91425" tIns="91425" rIns="91425" bIns="91425" anchor="t" anchorCtr="0">
-            <a:noAutofit/>
-          </a:bodyPr>
-          <a:lstStyle/>
-          <a:p>
-            <a:pPr marL="0" marR="0" lvl="0" indent="69850" algn="l" rtl="0">
-              <a:lnSpc>
-                <a:spcPct val="100000"/>
-              </a:lnSpc>
-              <a:spcBef>
-                <a:spcPts val="0"/>
-              </a:spcBef>
-              <a:spcAft>
-                <a:spcPts val="0"/>
-              </a:spcAft>
-              <a:buClr>
-                <a:schemeClr val="dk1"/>
-              </a:buClr>
-              <a:buSzPts val="1100"/>
-              <a:buFont typeface="Arial"/>
-              <a:buNone/>
-            </a:pPr>
-            <a:endParaRPr sz="1100" b="0" i="0" u="none" strike="noStrike" cap="none">
-              <a:solidFill>
-                <a:schemeClr val="dk1"/>
-              </a:solidFill>
-              <a:latin typeface="Arial"/>
-              <a:ea typeface="Arial"/>
-              <a:cs typeface="Arial"/>
-              <a:sym typeface="Arial"/>
-            </a:endParaRPr>
-          </a:p>
-        </p:txBody>
-      </p:sp>
-    </p:spTree>
-  </p:cSld>
-  <p:clrMapOvr>
-    <a:masterClrMapping/>
-  </p:clrMapOvr>
-</p:notes>
-</file>
-
-<file path=ppt/notesSlides/notesSlide9.xml><?xml version="1.0" encoding="utf-8"?>
-<p:notes xmlns:a="http://schemas.openxmlformats.org/drawingml/2006/main" xmlns:r="http://schemas.openxmlformats.org/officeDocument/2006/relationships" xmlns:p="http://schemas.openxmlformats.org/presentationml/2006/main" showMasterSp="0" showMasterPhAnim="0">
-  <p:cSld>
-    <p:spTree>
-      <p:nvGrpSpPr>
-        <p:cNvPr id="1" name="Shape 214"/>
-        <p:cNvGrpSpPr/>
-        <p:nvPr/>
-      </p:nvGrpSpPr>
-      <p:grpSpPr>
-        <a:xfrm>
-          <a:off x="0" y="0"/>
-          <a:ext cx="0" cy="0"/>
-          <a:chOff x="0" y="0"/>
-          <a:chExt cx="0" cy="0"/>
-        </a:xfrm>
-      </p:grpSpPr>
-      <p:sp>
-        <p:nvSpPr>
-          <p:cNvPr id="215" name="Shape 215"/>
-          <p:cNvSpPr>
-            <a:spLocks noGrp="1" noRot="1" noChangeAspect="1"/>
-          </p:cNvSpPr>
-          <p:nvPr>
-            <p:ph type="sldImg" idx="2"/>
-          </p:nvPr>
-        </p:nvSpPr>
-        <p:spPr>
-          <a:xfrm>
-            <a:off x="381000" y="685800"/>
-            <a:ext cx="6096000" cy="3429000"/>
-          </a:xfrm>
-          <a:custGeom>
-            <a:avLst/>
-            <a:gdLst/>
-            <a:ahLst/>
-            <a:cxnLst/>
-            <a:rect l="0" t="0" r="0" b="0"/>
-            <a:pathLst>
-              <a:path w="120000" h="120000" extrusionOk="0">
-                <a:moveTo>
-                  <a:pt x="0" y="0"/>
-                </a:moveTo>
-                <a:lnTo>
-                  <a:pt x="120000" y="0"/>
-                </a:lnTo>
-                <a:lnTo>
-                  <a:pt x="120000" y="120000"/>
-                </a:lnTo>
-                <a:lnTo>
-                  <a:pt x="0" y="120000"/>
-                </a:lnTo>
-                <a:close/>
-              </a:path>
-            </a:pathLst>
-          </a:custGeom>
-        </p:spPr>
-      </p:sp>
-      <p:sp>
-        <p:nvSpPr>
-          <p:cNvPr id="216" name="Shape 216"/>
-          <p:cNvSpPr txBox="1">
-            <a:spLocks noGrp="1"/>
-          </p:cNvSpPr>
-          <p:nvPr>
-            <p:ph type="body" idx="1"/>
-          </p:nvPr>
-        </p:nvSpPr>
-        <p:spPr>
-          <a:xfrm>
-            <a:off x="685800" y="4343400"/>
-            <a:ext cx="5486400" cy="4114800"/>
-          </a:xfrm>
-          <a:prstGeom prst="rect">
-            <a:avLst/>
-          </a:prstGeom>
-        </p:spPr>
-        <p:txBody>
-          <a:bodyPr spcFirstLastPara="1" wrap="square" lIns="91425" tIns="91425" rIns="91425" bIns="91425" anchor="t" anchorCtr="0">
-            <a:noAutofit/>
-          </a:bodyPr>
-          <a:lstStyle/>
-          <a:p>
-            <a:pPr marL="0" lvl="0" indent="0">
-              <a:spcBef>
-                <a:spcPts val="0"/>
-              </a:spcBef>
-              <a:spcAft>
-                <a:spcPts val="0"/>
-              </a:spcAft>
-              <a:buNone/>
-            </a:pPr>
-            <a:endParaRPr/>
           </a:p>
         </p:txBody>
       </p:sp>
@@ -11923,385 +11659,6 @@
   <p:cSld>
     <p:spTree>
       <p:nvGrpSpPr>
-        <p:cNvPr id="1" name="Shape 133"/>
-        <p:cNvGrpSpPr/>
-        <p:nvPr/>
-      </p:nvGrpSpPr>
-      <p:grpSpPr>
-        <a:xfrm>
-          <a:off x="0" y="0"/>
-          <a:ext cx="0" cy="0"/>
-          <a:chOff x="0" y="0"/>
-          <a:chExt cx="0" cy="0"/>
-        </a:xfrm>
-      </p:grpSpPr>
-      <p:sp>
-        <p:nvSpPr>
-          <p:cNvPr id="134" name="Shape 134"/>
-          <p:cNvSpPr txBox="1">
-            <a:spLocks noGrp="1"/>
-          </p:cNvSpPr>
-          <p:nvPr>
-            <p:ph type="ctrTitle"/>
-          </p:nvPr>
-        </p:nvSpPr>
-        <p:spPr>
-          <a:xfrm>
-            <a:off x="1046019" y="1039090"/>
-            <a:ext cx="7081982" cy="1403959"/>
-          </a:xfrm>
-          <a:prstGeom prst="rect">
-            <a:avLst/>
-          </a:prstGeom>
-          <a:noFill/>
-          <a:ln>
-            <a:noFill/>
-          </a:ln>
-        </p:spPr>
-        <p:txBody>
-          <a:bodyPr spcFirstLastPara="1" wrap="square" lIns="91425" tIns="91425" rIns="91425" bIns="91425" anchor="t" anchorCtr="0">
-            <a:noAutofit/>
-          </a:bodyPr>
-          <a:lstStyle/>
-          <a:p>
-            <a:pPr marL="0" marR="0" lvl="0" indent="0" algn="l" rtl="0">
-              <a:lnSpc>
-                <a:spcPct val="100000"/>
-              </a:lnSpc>
-              <a:spcBef>
-                <a:spcPts val="0"/>
-              </a:spcBef>
-              <a:spcAft>
-                <a:spcPts val="0"/>
-              </a:spcAft>
-              <a:buClr>
-                <a:schemeClr val="lt1"/>
-              </a:buClr>
-              <a:buSzPts val="2800"/>
-              <a:buFont typeface="Montserrat"/>
-              <a:buNone/>
-            </a:pPr>
-            <a:r>
-              <a:rPr lang="en" sz="2400" b="0" i="0" u="none" strike="noStrike" cap="none" dirty="0">
-                <a:solidFill>
-                  <a:schemeClr val="accent4">
-                    <a:lumMod val="50000"/>
-                  </a:schemeClr>
-                </a:solidFill>
-                <a:latin typeface="Montserrat"/>
-                <a:ea typeface="Montserrat"/>
-                <a:cs typeface="Montserrat"/>
-                <a:sym typeface="Montserrat"/>
-              </a:rPr>
-              <a:t>Impact of temperature variations over the Bay of Bengal on the climate of Eastern coast of India</a:t>
-            </a:r>
-            <a:endParaRPr sz="2400" b="0" i="0" u="none" strike="noStrike" cap="none" dirty="0">
-              <a:solidFill>
-                <a:schemeClr val="accent4">
-                  <a:lumMod val="50000"/>
-                </a:schemeClr>
-              </a:solidFill>
-              <a:latin typeface="Montserrat"/>
-              <a:ea typeface="Montserrat"/>
-              <a:cs typeface="Montserrat"/>
-              <a:sym typeface="Montserrat"/>
-            </a:endParaRPr>
-          </a:p>
-        </p:txBody>
-      </p:sp>
-      <p:sp>
-        <p:nvSpPr>
-          <p:cNvPr id="135" name="Shape 135"/>
-          <p:cNvSpPr txBox="1">
-            <a:spLocks noGrp="1"/>
-          </p:cNvSpPr>
-          <p:nvPr>
-            <p:ph type="subTitle" idx="1"/>
-          </p:nvPr>
-        </p:nvSpPr>
-        <p:spPr>
-          <a:xfrm>
-            <a:off x="5181600" y="3562350"/>
-            <a:ext cx="3470700" cy="1230000"/>
-          </a:xfrm>
-          <a:prstGeom prst="rect">
-            <a:avLst/>
-          </a:prstGeom>
-          <a:noFill/>
-          <a:ln>
-            <a:noFill/>
-          </a:ln>
-        </p:spPr>
-        <p:txBody>
-          <a:bodyPr spcFirstLastPara="1" wrap="square" lIns="91425" tIns="91425" rIns="91425" bIns="91425" anchor="t" anchorCtr="0">
-            <a:noAutofit/>
-          </a:bodyPr>
-          <a:lstStyle/>
-          <a:p>
-            <a:pPr marL="0" marR="0" lvl="0" indent="0" algn="ctr" rtl="0">
-              <a:lnSpc>
-                <a:spcPct val="100000"/>
-              </a:lnSpc>
-              <a:spcBef>
-                <a:spcPts val="0"/>
-              </a:spcBef>
-              <a:spcAft>
-                <a:spcPts val="0"/>
-              </a:spcAft>
-              <a:buClr>
-                <a:schemeClr val="lt1"/>
-              </a:buClr>
-              <a:buSzPts val="1400"/>
-              <a:buFont typeface="Lato"/>
-              <a:buNone/>
-            </a:pPr>
-            <a:r>
-              <a:rPr lang="en" sz="1400" b="1" i="0" u="none" strike="noStrike" cap="none" dirty="0">
-                <a:solidFill>
-                  <a:schemeClr val="accent4">
-                    <a:lumMod val="50000"/>
-                  </a:schemeClr>
-                </a:solidFill>
-                <a:latin typeface="Montserrat"/>
-                <a:ea typeface="Montserrat"/>
-                <a:cs typeface="Montserrat"/>
-                <a:sym typeface="Montserrat"/>
-              </a:rPr>
-              <a:t>Under the guidance of:</a:t>
-            </a:r>
-            <a:endParaRPr sz="1300" b="0" i="0" u="none" strike="noStrike" cap="none" dirty="0">
-              <a:solidFill>
-                <a:schemeClr val="accent4">
-                  <a:lumMod val="50000"/>
-                </a:schemeClr>
-              </a:solidFill>
-              <a:latin typeface="Lato"/>
-              <a:ea typeface="Lato"/>
-              <a:cs typeface="Lato"/>
-              <a:sym typeface="Lato"/>
-            </a:endParaRPr>
-          </a:p>
-          <a:p>
-            <a:pPr marL="0" marR="0" lvl="0" indent="0" algn="ctr" rtl="0">
-              <a:lnSpc>
-                <a:spcPct val="100000"/>
-              </a:lnSpc>
-              <a:spcBef>
-                <a:spcPts val="0"/>
-              </a:spcBef>
-              <a:spcAft>
-                <a:spcPts val="0"/>
-              </a:spcAft>
-              <a:buClr>
-                <a:schemeClr val="lt1"/>
-              </a:buClr>
-              <a:buSzPts val="1400"/>
-              <a:buFont typeface="Lato"/>
-              <a:buNone/>
-            </a:pPr>
-            <a:r>
-              <a:rPr lang="en" sz="1400" b="0" i="0" u="none" strike="noStrike" cap="none" dirty="0">
-                <a:solidFill>
-                  <a:schemeClr val="accent4">
-                    <a:lumMod val="50000"/>
-                  </a:schemeClr>
-                </a:solidFill>
-                <a:latin typeface="Montserrat"/>
-                <a:ea typeface="Montserrat"/>
-                <a:cs typeface="Montserrat"/>
-                <a:sym typeface="Montserrat"/>
-              </a:rPr>
-              <a:t>Dr. Saritha Chakrasali</a:t>
-            </a:r>
-            <a:endParaRPr sz="1300" b="0" i="0" u="none" strike="noStrike" cap="none" dirty="0">
-              <a:solidFill>
-                <a:schemeClr val="accent4">
-                  <a:lumMod val="50000"/>
-                </a:schemeClr>
-              </a:solidFill>
-              <a:latin typeface="Lato"/>
-              <a:ea typeface="Lato"/>
-              <a:cs typeface="Lato"/>
-              <a:sym typeface="Lato"/>
-            </a:endParaRPr>
-          </a:p>
-          <a:p>
-            <a:pPr marL="0" marR="0" lvl="0" indent="0" algn="ctr" rtl="0">
-              <a:lnSpc>
-                <a:spcPct val="100000"/>
-              </a:lnSpc>
-              <a:spcBef>
-                <a:spcPts val="0"/>
-              </a:spcBef>
-              <a:spcAft>
-                <a:spcPts val="0"/>
-              </a:spcAft>
-              <a:buClr>
-                <a:schemeClr val="lt1"/>
-              </a:buClr>
-              <a:buSzPts val="1400"/>
-              <a:buFont typeface="Lato"/>
-              <a:buNone/>
-            </a:pPr>
-            <a:r>
-              <a:rPr lang="en" sz="1400" b="0" i="0" u="none" strike="noStrike" cap="none" dirty="0">
-                <a:solidFill>
-                  <a:schemeClr val="accent4">
-                    <a:lumMod val="50000"/>
-                  </a:schemeClr>
-                </a:solidFill>
-                <a:latin typeface="Montserrat"/>
-                <a:ea typeface="Montserrat"/>
-                <a:cs typeface="Montserrat"/>
-                <a:sym typeface="Montserrat"/>
-              </a:rPr>
-              <a:t>Professor</a:t>
-            </a:r>
-            <a:endParaRPr sz="1300" b="0" i="0" u="none" strike="noStrike" cap="none" dirty="0">
-              <a:solidFill>
-                <a:schemeClr val="accent4">
-                  <a:lumMod val="50000"/>
-                </a:schemeClr>
-              </a:solidFill>
-              <a:latin typeface="Lato"/>
-              <a:ea typeface="Lato"/>
-              <a:cs typeface="Lato"/>
-              <a:sym typeface="Lato"/>
-            </a:endParaRPr>
-          </a:p>
-          <a:p>
-            <a:pPr marL="0" marR="0" lvl="0" indent="0" algn="ctr" rtl="0">
-              <a:lnSpc>
-                <a:spcPct val="100000"/>
-              </a:lnSpc>
-              <a:spcBef>
-                <a:spcPts val="0"/>
-              </a:spcBef>
-              <a:spcAft>
-                <a:spcPts val="0"/>
-              </a:spcAft>
-              <a:buClr>
-                <a:schemeClr val="lt1"/>
-              </a:buClr>
-              <a:buSzPts val="1400"/>
-              <a:buFont typeface="Lato"/>
-              <a:buNone/>
-            </a:pPr>
-            <a:r>
-              <a:rPr lang="en" sz="1400" b="0" i="0" u="none" strike="noStrike" cap="none" dirty="0">
-                <a:solidFill>
-                  <a:schemeClr val="accent4">
-                    <a:lumMod val="50000"/>
-                  </a:schemeClr>
-                </a:solidFill>
-                <a:latin typeface="Montserrat"/>
-                <a:ea typeface="Montserrat"/>
-                <a:cs typeface="Montserrat"/>
-                <a:sym typeface="Montserrat"/>
-              </a:rPr>
-              <a:t>Department of ISE,</a:t>
-            </a:r>
-            <a:endParaRPr sz="1300" b="0" i="0" u="none" strike="noStrike" cap="none" dirty="0">
-              <a:solidFill>
-                <a:schemeClr val="accent4">
-                  <a:lumMod val="50000"/>
-                </a:schemeClr>
-              </a:solidFill>
-              <a:latin typeface="Lato"/>
-              <a:ea typeface="Lato"/>
-              <a:cs typeface="Lato"/>
-              <a:sym typeface="Lato"/>
-            </a:endParaRPr>
-          </a:p>
-          <a:p>
-            <a:pPr marL="0" marR="0" lvl="0" indent="0" algn="ctr" rtl="0">
-              <a:lnSpc>
-                <a:spcPct val="100000"/>
-              </a:lnSpc>
-              <a:spcBef>
-                <a:spcPts val="0"/>
-              </a:spcBef>
-              <a:spcAft>
-                <a:spcPts val="0"/>
-              </a:spcAft>
-              <a:buClr>
-                <a:schemeClr val="lt1"/>
-              </a:buClr>
-              <a:buSzPts val="1400"/>
-              <a:buFont typeface="Lato"/>
-              <a:buNone/>
-            </a:pPr>
-            <a:r>
-              <a:rPr lang="en" sz="1400" b="0" i="0" u="none" strike="noStrike" cap="none" dirty="0">
-                <a:solidFill>
-                  <a:schemeClr val="accent4">
-                    <a:lumMod val="50000"/>
-                  </a:schemeClr>
-                </a:solidFill>
-                <a:latin typeface="Montserrat"/>
-                <a:ea typeface="Montserrat"/>
-                <a:cs typeface="Montserrat"/>
-                <a:sym typeface="Montserrat"/>
-              </a:rPr>
-              <a:t>BNM Institute of Technology</a:t>
-            </a:r>
-            <a:endParaRPr sz="1300" b="0" i="0" u="none" strike="noStrike" cap="none" dirty="0">
-              <a:solidFill>
-                <a:schemeClr val="accent4">
-                  <a:lumMod val="50000"/>
-                </a:schemeClr>
-              </a:solidFill>
-              <a:latin typeface="Lato"/>
-              <a:ea typeface="Lato"/>
-              <a:cs typeface="Lato"/>
-              <a:sym typeface="Lato"/>
-            </a:endParaRPr>
-          </a:p>
-          <a:p>
-            <a:pPr marL="0" marR="0" lvl="0" indent="0" algn="l" rtl="0">
-              <a:lnSpc>
-                <a:spcPct val="100000"/>
-              </a:lnSpc>
-              <a:spcBef>
-                <a:spcPts val="0"/>
-              </a:spcBef>
-              <a:spcAft>
-                <a:spcPts val="0"/>
-              </a:spcAft>
-              <a:buClr>
-                <a:schemeClr val="lt1"/>
-              </a:buClr>
-              <a:buSzPts val="1300"/>
-              <a:buFont typeface="Lato"/>
-              <a:buNone/>
-            </a:pPr>
-            <a:endParaRPr sz="1300" b="0" i="0" u="none" strike="noStrike" cap="none" dirty="0">
-              <a:solidFill>
-                <a:schemeClr val="accent4">
-                  <a:lumMod val="50000"/>
-                </a:schemeClr>
-              </a:solidFill>
-              <a:latin typeface="Lato"/>
-              <a:ea typeface="Lato"/>
-              <a:cs typeface="Lato"/>
-              <a:sym typeface="Lato"/>
-            </a:endParaRPr>
-          </a:p>
-        </p:txBody>
-      </p:sp>
-    </p:spTree>
-  </p:cSld>
-  <p:clrMapOvr>
-    <a:masterClrMapping/>
-  </p:clrMapOvr>
-</p:sld>
-</file>
-
-<file path=ppt/slides/slide10.xml><?xml version="1.0" encoding="utf-8"?>
-<p:sld xmlns:a="http://schemas.openxmlformats.org/drawingml/2006/main" xmlns:r="http://schemas.openxmlformats.org/officeDocument/2006/relationships" xmlns:p="http://schemas.openxmlformats.org/presentationml/2006/main">
-  <p:cSld>
-    <p:spTree>
-      <p:nvGrpSpPr>
         <p:cNvPr id="1" name=""/>
         <p:cNvGrpSpPr/>
         <p:nvPr/>
@@ -12319,7 +11676,7 @@
           <p:cNvPr id="2" name="Title 1">
             <a:extLst>
               <a:ext uri="{FF2B5EF4-FFF2-40B4-BE49-F238E27FC236}">
-                <a16:creationId xmlns:a16="http://schemas.microsoft.com/office/drawing/2014/main" id="{33246905-9727-4E0A-B3FE-0D24EAAA7C70}"/>
+                <a16:creationId xmlns:a16="http://schemas.microsoft.com/office/drawing/2014/main" id="{FE8E93C2-197A-4B13-A8F8-A2A1F1D7502B}"/>
               </a:ext>
             </a:extLst>
           </p:cNvPr>
@@ -12327,435 +11684,1319 @@
             <a:spLocks noGrp="1"/>
           </p:cNvSpPr>
           <p:nvPr>
-            <p:ph type="title"/>
+            <p:ph type="ctrTitle"/>
           </p:nvPr>
         </p:nvSpPr>
         <p:spPr>
           <a:xfrm>
-            <a:off x="1221300" y="326017"/>
-            <a:ext cx="7038900" cy="914100"/>
+            <a:off x="1365977" y="2178581"/>
+            <a:ext cx="5976931" cy="893958"/>
           </a:xfrm>
         </p:spPr>
         <p:txBody>
-          <a:bodyPr/>
+          <a:bodyPr anchor="ctr"/>
           <a:lstStyle/>
           <a:p>
-            <a:r>
-              <a:rPr lang="en-US" b="1" dirty="0">
-                <a:solidFill>
-                  <a:schemeClr val="accent1">
-                    <a:lumMod val="60000"/>
-                    <a:lumOff val="40000"/>
+            <a:pPr algn="ctr"/>
+            <a:r>
+              <a:rPr lang="en" sz="1800" dirty="0">
+                <a:solidFill>
+                  <a:schemeClr val="accent4">
+                    <a:lumMod val="50000"/>
                   </a:schemeClr>
                 </a:solidFill>
+                <a:latin typeface="Arial" panose="020B0604020202020204" pitchFamily="34" charset="0"/>
+                <a:ea typeface="Montserrat"/>
+                <a:cs typeface="Arial" panose="020B0604020202020204" pitchFamily="34" charset="0"/>
+                <a:sym typeface="Montserrat"/>
               </a:rPr>
-              <a:t>Implementation Details</a:t>
-            </a:r>
+              <a:t>Impact of temperature variations over the Bay of Bengal on the climate of Eastern coast of India</a:t>
+            </a:r>
+            <a:endParaRPr lang="en-US" sz="2100" dirty="0">
+              <a:latin typeface="Arial" panose="020B0604020202020204" pitchFamily="34" charset="0"/>
+              <a:cs typeface="Arial" panose="020B0604020202020204" pitchFamily="34" charset="0"/>
+            </a:endParaRPr>
           </a:p>
         </p:txBody>
       </p:sp>
       <p:sp>
         <p:nvSpPr>
-          <p:cNvPr id="3" name="Text Placeholder 2">
+          <p:cNvPr id="4" name="TextBox 3">
             <a:extLst>
               <a:ext uri="{FF2B5EF4-FFF2-40B4-BE49-F238E27FC236}">
-                <a16:creationId xmlns:a16="http://schemas.microsoft.com/office/drawing/2014/main" id="{E8BCC381-F8FB-499A-92D4-7C1358FB4469}"/>
+                <a16:creationId xmlns:a16="http://schemas.microsoft.com/office/drawing/2014/main" id="{7C3E09B4-62A0-47F7-B4C0-4C80BE28FC48}"/>
+              </a:ext>
+            </a:extLst>
+          </p:cNvPr>
+          <p:cNvSpPr txBox="1"/>
+          <p:nvPr/>
+        </p:nvSpPr>
+        <p:spPr>
+          <a:xfrm>
+            <a:off x="2266406" y="1939685"/>
+            <a:ext cx="3285308" cy="461665"/>
+          </a:xfrm>
+          <a:prstGeom prst="rect">
+            <a:avLst/>
+          </a:prstGeom>
+          <a:noFill/>
+        </p:spPr>
+        <p:txBody>
+          <a:bodyPr wrap="square" rtlCol="0" anchor="ctr">
+            <a:spAutoFit/>
+          </a:bodyPr>
+          <a:lstStyle/>
+          <a:p>
+            <a:pPr algn="ctr"/>
+            <a:r>
+              <a:rPr lang="en-US" sz="1200" dirty="0">
+                <a:solidFill>
+                  <a:schemeClr val="tx1">
+                    <a:lumMod val="85000"/>
+                    <a:lumOff val="15000"/>
+                  </a:schemeClr>
+                </a:solidFill>
+                <a:latin typeface="Arial" panose="020B0604020202020204" pitchFamily="34" charset="0"/>
+                <a:cs typeface="Arial" panose="020B0604020202020204" pitchFamily="34" charset="0"/>
+              </a:rPr>
+              <a:t>Phase two seminar presentation</a:t>
+            </a:r>
+          </a:p>
+          <a:p>
+            <a:pPr algn="ctr"/>
+            <a:r>
+              <a:rPr lang="en-US" sz="1200" dirty="0">
+                <a:solidFill>
+                  <a:schemeClr val="tx1">
+                    <a:lumMod val="85000"/>
+                    <a:lumOff val="15000"/>
+                  </a:schemeClr>
+                </a:solidFill>
+                <a:latin typeface="Arial" panose="020B0604020202020204" pitchFamily="34" charset="0"/>
+                <a:cs typeface="Arial" panose="020B0604020202020204" pitchFamily="34" charset="0"/>
+              </a:rPr>
+              <a:t> on </a:t>
+            </a:r>
+          </a:p>
+        </p:txBody>
+      </p:sp>
+      <p:sp>
+        <p:nvSpPr>
+          <p:cNvPr id="6" name="TextBox 5">
+            <a:extLst>
+              <a:ext uri="{FF2B5EF4-FFF2-40B4-BE49-F238E27FC236}">
+                <a16:creationId xmlns:a16="http://schemas.microsoft.com/office/drawing/2014/main" id="{D7E6F025-874E-48A7-96CC-30C9B54367A8}"/>
+              </a:ext>
+            </a:extLst>
+          </p:cNvPr>
+          <p:cNvSpPr txBox="1"/>
+          <p:nvPr/>
+        </p:nvSpPr>
+        <p:spPr>
+          <a:xfrm>
+            <a:off x="3111631" y="2946207"/>
+            <a:ext cx="1973682" cy="1131079"/>
+          </a:xfrm>
+          <a:prstGeom prst="rect">
+            <a:avLst/>
+          </a:prstGeom>
+          <a:noFill/>
+        </p:spPr>
+        <p:txBody>
+          <a:bodyPr wrap="none" rtlCol="0">
+            <a:spAutoFit/>
+          </a:bodyPr>
+          <a:lstStyle/>
+          <a:p>
+            <a:pPr algn="ctr"/>
+            <a:r>
+              <a:rPr lang="en-US" sz="1350" u="sng" dirty="0">
+                <a:solidFill>
+                  <a:schemeClr val="tx1">
+                    <a:lumMod val="65000"/>
+                    <a:lumOff val="35000"/>
+                  </a:schemeClr>
+                </a:solidFill>
+                <a:latin typeface="Arial" panose="020B0604020202020204" pitchFamily="34" charset="0"/>
+                <a:cs typeface="Arial" panose="020B0604020202020204" pitchFamily="34" charset="0"/>
+              </a:rPr>
+              <a:t>Under the Guidance of</a:t>
+            </a:r>
+            <a:br>
+              <a:rPr lang="en-US" sz="1350" dirty="0">
+                <a:latin typeface="Arial" panose="020B0604020202020204" pitchFamily="34" charset="0"/>
+                <a:cs typeface="Arial" panose="020B0604020202020204" pitchFamily="34" charset="0"/>
+              </a:rPr>
+            </a:br>
+            <a:r>
+              <a:rPr lang="en-US" sz="1350" b="1" dirty="0">
+                <a:solidFill>
+                  <a:schemeClr val="accent4">
+                    <a:lumMod val="50000"/>
+                  </a:schemeClr>
+                </a:solidFill>
+                <a:latin typeface="Arial" panose="020B0604020202020204" pitchFamily="34" charset="0"/>
+                <a:cs typeface="Arial" panose="020B0604020202020204" pitchFamily="34" charset="0"/>
+              </a:rPr>
+              <a:t>Dr. Saritha Chakrasali</a:t>
+            </a:r>
+            <a:br>
+              <a:rPr lang="en-US" sz="1350" b="1" dirty="0">
+                <a:latin typeface="Arial" panose="020B0604020202020204" pitchFamily="34" charset="0"/>
+                <a:cs typeface="Arial" panose="020B0604020202020204" pitchFamily="34" charset="0"/>
+              </a:rPr>
+            </a:br>
+            <a:r>
+              <a:rPr lang="en-US" sz="1350" dirty="0">
+                <a:latin typeface="Arial" panose="020B0604020202020204" pitchFamily="34" charset="0"/>
+                <a:cs typeface="Arial" panose="020B0604020202020204" pitchFamily="34" charset="0"/>
+              </a:rPr>
+              <a:t>Professor, Dept. of ISE</a:t>
+            </a:r>
+            <a:br>
+              <a:rPr lang="en-US" sz="1350" dirty="0">
+                <a:latin typeface="Arial" panose="020B0604020202020204" pitchFamily="34" charset="0"/>
+                <a:cs typeface="Arial" panose="020B0604020202020204" pitchFamily="34" charset="0"/>
+              </a:rPr>
+            </a:br>
+            <a:r>
+              <a:rPr lang="en-US" sz="1350" dirty="0">
+                <a:latin typeface="Arial" panose="020B0604020202020204" pitchFamily="34" charset="0"/>
+                <a:cs typeface="Arial" panose="020B0604020202020204" pitchFamily="34" charset="0"/>
+              </a:rPr>
+              <a:t>B.N.M.I.T </a:t>
+            </a:r>
+            <a:br>
+              <a:rPr lang="en-US" sz="1350" dirty="0">
+                <a:latin typeface="Arial" panose="020B0604020202020204" pitchFamily="34" charset="0"/>
+                <a:cs typeface="Arial" panose="020B0604020202020204" pitchFamily="34" charset="0"/>
+              </a:rPr>
+            </a:br>
+            <a:endParaRPr lang="en-US" sz="1350" dirty="0">
+              <a:latin typeface="Arial" panose="020B0604020202020204" pitchFamily="34" charset="0"/>
+              <a:cs typeface="Arial" panose="020B0604020202020204" pitchFamily="34" charset="0"/>
+            </a:endParaRPr>
+          </a:p>
+        </p:txBody>
+      </p:sp>
+      <p:sp>
+        <p:nvSpPr>
+          <p:cNvPr id="8" name="Rectangle 2">
+            <a:extLst>
+              <a:ext uri="{FF2B5EF4-FFF2-40B4-BE49-F238E27FC236}">
+                <a16:creationId xmlns:a16="http://schemas.microsoft.com/office/drawing/2014/main" id="{C3F86A40-720B-490C-89D6-A0A10BC91A02}"/>
               </a:ext>
             </a:extLst>
           </p:cNvPr>
           <p:cNvSpPr>
-            <a:spLocks noGrp="1"/>
+            <a:spLocks noChangeArrowheads="1"/>
           </p:cNvSpPr>
-          <p:nvPr>
-            <p:ph type="body" idx="1"/>
-          </p:nvPr>
+          <p:nvPr/>
+        </p:nvSpPr>
+        <p:spPr bwMode="auto">
+          <a:xfrm>
+            <a:off x="2279469" y="105912"/>
+            <a:ext cx="3638006" cy="577081"/>
+          </a:xfrm>
+          <a:prstGeom prst="rect">
+            <a:avLst/>
+          </a:prstGeom>
+          <a:noFill/>
+          <a:ln>
+            <a:noFill/>
+          </a:ln>
+          <a:effectLst/>
+          <a:extLst>
+            <a:ext uri="{909E8E84-426E-40DD-AFC4-6F175D3DCCD1}">
+              <a14:hiddenFill xmlns:a14="http://schemas.microsoft.com/office/drawing/2010/main">
+                <a:solidFill>
+                  <a:schemeClr val="accent1"/>
+                </a:solidFill>
+              </a14:hiddenFill>
+            </a:ext>
+            <a:ext uri="{91240B29-F687-4F45-9708-019B960494DF}">
+              <a14:hiddenLine xmlns:a14="http://schemas.microsoft.com/office/drawing/2010/main" w="9525">
+                <a:solidFill>
+                  <a:schemeClr val="tx1"/>
+                </a:solidFill>
+                <a:miter lim="800000"/>
+                <a:headEnd/>
+                <a:tailEnd/>
+              </a14:hiddenLine>
+            </a:ext>
+            <a:ext uri="{AF507438-7753-43E0-B8FC-AC1667EBCBE1}">
+              <a14:hiddenEffects xmlns:a14="http://schemas.microsoft.com/office/drawing/2010/main">
+                <a:effectLst>
+                  <a:outerShdw dist="35921" dir="2700000" algn="ctr" rotWithShape="0">
+                    <a:schemeClr val="bg2"/>
+                  </a:outerShdw>
+                </a:effectLst>
+              </a14:hiddenEffects>
+            </a:ext>
+          </a:extLst>
+        </p:spPr>
+        <p:txBody>
+          <a:bodyPr vert="horz" wrap="square" lIns="68580" tIns="34290" rIns="68580" bIns="34290" numCol="1" anchor="ctr" anchorCtr="0" compatLnSpc="1">
+            <a:prstTxWarp prst="textNoShape">
+              <a:avLst/>
+            </a:prstTxWarp>
+            <a:spAutoFit/>
+          </a:bodyPr>
+          <a:lstStyle/>
+          <a:p>
+            <a:pPr algn="ctr" defTabSz="685800" eaLnBrk="0" fontAlgn="base" hangingPunct="0">
+              <a:spcBef>
+                <a:spcPct val="0"/>
+              </a:spcBef>
+              <a:spcAft>
+                <a:spcPct val="0"/>
+              </a:spcAft>
+            </a:pPr>
+            <a:r>
+              <a:rPr lang="en-US" altLang="en-US" sz="1200" b="1" dirty="0">
+                <a:latin typeface="Arial" panose="020B0604020202020204" pitchFamily="34" charset="0"/>
+                <a:ea typeface="Times New Roman" panose="02020603050405020304" pitchFamily="18" charset="0"/>
+              </a:rPr>
+              <a:t>VISVESVARAYA TECHNOLOGICAL UNIVERSITY</a:t>
+            </a:r>
+            <a:endParaRPr lang="en-US" altLang="en-US" sz="600" dirty="0">
+              <a:latin typeface="Arial" panose="020B0604020202020204" pitchFamily="34" charset="0"/>
+            </a:endParaRPr>
+          </a:p>
+          <a:p>
+            <a:pPr algn="ctr" defTabSz="685800" eaLnBrk="0" fontAlgn="base" hangingPunct="0">
+              <a:spcBef>
+                <a:spcPct val="0"/>
+              </a:spcBef>
+              <a:spcAft>
+                <a:spcPct val="0"/>
+              </a:spcAft>
+            </a:pPr>
+            <a:r>
+              <a:rPr lang="en-US" altLang="en-US" sz="750" dirty="0">
+                <a:solidFill>
+                  <a:srgbClr val="000000"/>
+                </a:solidFill>
+                <a:latin typeface="Arial" panose="020B0604020202020204" pitchFamily="34" charset="0"/>
+                <a:ea typeface="Times New Roman" panose="02020603050405020304" pitchFamily="18" charset="0"/>
+                <a:cs typeface="Arial" panose="020B0604020202020204" pitchFamily="34" charset="0"/>
+              </a:rPr>
+              <a:t>Jnana Sangama, Machhe, Belagavi, Karnataka 590018</a:t>
+            </a:r>
+            <a:endParaRPr lang="en-US" altLang="en-US" sz="600" dirty="0">
+              <a:latin typeface="Arial" panose="020B0604020202020204" pitchFamily="34" charset="0"/>
+              <a:cs typeface="Arial" panose="020B0604020202020204" pitchFamily="34" charset="0"/>
+            </a:endParaRPr>
+          </a:p>
+          <a:p>
+            <a:pPr defTabSz="685800" eaLnBrk="0" fontAlgn="base" hangingPunct="0">
+              <a:spcBef>
+                <a:spcPct val="0"/>
+              </a:spcBef>
+              <a:spcAft>
+                <a:spcPct val="0"/>
+              </a:spcAft>
+            </a:pPr>
+            <a:endParaRPr lang="en-US" altLang="en-US" sz="1350" dirty="0">
+              <a:latin typeface="Arial" panose="020B0604020202020204" pitchFamily="34" charset="0"/>
+            </a:endParaRPr>
+          </a:p>
+        </p:txBody>
+      </p:sp>
+      <p:pic>
+        <p:nvPicPr>
+          <p:cNvPr id="2049" name="Picture 19" descr="Image:Vtu.jpeg">
+            <a:extLst>
+              <a:ext uri="{FF2B5EF4-FFF2-40B4-BE49-F238E27FC236}">
+                <a16:creationId xmlns:a16="http://schemas.microsoft.com/office/drawing/2014/main" id="{F3EF9F2E-043F-4C7F-AFA7-882FE36EAE64}"/>
+              </a:ext>
+            </a:extLst>
+          </p:cNvPr>
+          <p:cNvPicPr>
+            <a:picLocks noChangeAspect="1" noChangeArrowheads="1"/>
+          </p:cNvPicPr>
+          <p:nvPr/>
+        </p:nvPicPr>
+        <p:blipFill>
+          <a:blip r:embed="rId2" r:link="rId3">
+            <a:extLst>
+              <a:ext uri="{28A0092B-C50C-407E-A947-70E740481C1C}">
+                <a14:useLocalDpi xmlns:a14="http://schemas.microsoft.com/office/drawing/2010/main" val="0"/>
+              </a:ext>
+            </a:extLst>
+          </a:blip>
+          <a:srcRect/>
+          <a:stretch>
+            <a:fillRect/>
+          </a:stretch>
+        </p:blipFill>
+        <p:spPr bwMode="auto">
+          <a:xfrm>
+            <a:off x="3760619" y="460774"/>
+            <a:ext cx="490919" cy="583648"/>
+          </a:xfrm>
+          <a:prstGeom prst="rect">
+            <a:avLst/>
+          </a:prstGeom>
+          <a:noFill/>
+          <a:extLst>
+            <a:ext uri="{909E8E84-426E-40DD-AFC4-6F175D3DCCD1}">
+              <a14:hiddenFill xmlns:a14="http://schemas.microsoft.com/office/drawing/2010/main">
+                <a:solidFill>
+                  <a:srgbClr val="FFFFFF"/>
+                </a:solidFill>
+              </a14:hiddenFill>
+            </a:ext>
+          </a:extLst>
+        </p:spPr>
+      </p:pic>
+      <p:sp>
+        <p:nvSpPr>
+          <p:cNvPr id="9" name="Rectangle 3">
+            <a:extLst>
+              <a:ext uri="{FF2B5EF4-FFF2-40B4-BE49-F238E27FC236}">
+                <a16:creationId xmlns:a16="http://schemas.microsoft.com/office/drawing/2014/main" id="{544F602C-4E58-4AC3-9583-9DC1D2B4C158}"/>
+              </a:ext>
+            </a:extLst>
+          </p:cNvPr>
+          <p:cNvSpPr>
+            <a:spLocks noChangeArrowheads="1"/>
+          </p:cNvSpPr>
+          <p:nvPr/>
+        </p:nvSpPr>
+        <p:spPr bwMode="auto">
+          <a:xfrm>
+            <a:off x="1" y="375851"/>
+            <a:ext cx="138564" cy="276999"/>
+          </a:xfrm>
+          <a:prstGeom prst="rect">
+            <a:avLst/>
+          </a:prstGeom>
+          <a:noFill/>
+          <a:ln>
+            <a:noFill/>
+          </a:ln>
+          <a:effectLst/>
+          <a:extLst>
+            <a:ext uri="{909E8E84-426E-40DD-AFC4-6F175D3DCCD1}">
+              <a14:hiddenFill xmlns:a14="http://schemas.microsoft.com/office/drawing/2010/main">
+                <a:solidFill>
+                  <a:schemeClr val="accent1"/>
+                </a:solidFill>
+              </a14:hiddenFill>
+            </a:ext>
+            <a:ext uri="{91240B29-F687-4F45-9708-019B960494DF}">
+              <a14:hiddenLine xmlns:a14="http://schemas.microsoft.com/office/drawing/2010/main" w="9525">
+                <a:solidFill>
+                  <a:schemeClr val="tx1"/>
+                </a:solidFill>
+                <a:miter lim="800000"/>
+                <a:headEnd/>
+                <a:tailEnd/>
+              </a14:hiddenLine>
+            </a:ext>
+            <a:ext uri="{AF507438-7753-43E0-B8FC-AC1667EBCBE1}">
+              <a14:hiddenEffects xmlns:a14="http://schemas.microsoft.com/office/drawing/2010/main">
+                <a:effectLst>
+                  <a:outerShdw dist="35921" dir="2700000" algn="ctr" rotWithShape="0">
+                    <a:schemeClr val="bg2"/>
+                  </a:outerShdw>
+                </a:effectLst>
+              </a14:hiddenEffects>
+            </a:ext>
+          </a:extLst>
+        </p:spPr>
+        <p:txBody>
+          <a:bodyPr vert="horz" wrap="none" lIns="68580" tIns="34290" rIns="68580" bIns="34290" numCol="1" anchor="ctr" anchorCtr="0" compatLnSpc="1">
+            <a:prstTxWarp prst="textNoShape">
+              <a:avLst/>
+            </a:prstTxWarp>
+            <a:spAutoFit/>
+          </a:bodyPr>
+          <a:lstStyle/>
+          <a:p>
+            <a:endParaRPr lang="en-US" sz="1350"/>
+          </a:p>
+        </p:txBody>
+      </p:sp>
+      <p:pic>
+        <p:nvPicPr>
+          <p:cNvPr id="2052" name="Picture 20" descr="2logo">
+            <a:extLst>
+              <a:ext uri="{FF2B5EF4-FFF2-40B4-BE49-F238E27FC236}">
+                <a16:creationId xmlns:a16="http://schemas.microsoft.com/office/drawing/2014/main" id="{3136BC81-A124-4672-8A16-688CDA0EBAA6}"/>
+              </a:ext>
+            </a:extLst>
+          </p:cNvPr>
+          <p:cNvPicPr>
+            <a:picLocks noChangeAspect="1" noChangeArrowheads="1"/>
+          </p:cNvPicPr>
+          <p:nvPr/>
+        </p:nvPicPr>
+        <p:blipFill>
+          <a:blip r:embed="rId4">
+            <a:extLst>
+              <a:ext uri="{28A0092B-C50C-407E-A947-70E740481C1C}">
+                <a14:useLocalDpi xmlns:a14="http://schemas.microsoft.com/office/drawing/2010/main" val="0"/>
+              </a:ext>
+            </a:extLst>
+          </a:blip>
+          <a:srcRect/>
+          <a:stretch>
+            <a:fillRect/>
+          </a:stretch>
+        </p:blipFill>
+        <p:spPr bwMode="auto">
+          <a:xfrm>
+            <a:off x="1587659" y="884216"/>
+            <a:ext cx="789374" cy="659968"/>
+          </a:xfrm>
+          <a:prstGeom prst="rect">
+            <a:avLst/>
+          </a:prstGeom>
+          <a:noFill/>
+          <a:extLst>
+            <a:ext uri="{909E8E84-426E-40DD-AFC4-6F175D3DCCD1}">
+              <a14:hiddenFill xmlns:a14="http://schemas.microsoft.com/office/drawing/2010/main">
+                <a:solidFill>
+                  <a:srgbClr val="FFFFFF"/>
+                </a:solidFill>
+              </a14:hiddenFill>
+            </a:ext>
+          </a:extLst>
+        </p:spPr>
+      </p:pic>
+      <p:sp>
+        <p:nvSpPr>
+          <p:cNvPr id="12" name="Rectangle 6">
+            <a:extLst>
+              <a:ext uri="{FF2B5EF4-FFF2-40B4-BE49-F238E27FC236}">
+                <a16:creationId xmlns:a16="http://schemas.microsoft.com/office/drawing/2014/main" id="{3DDCB777-5295-41D2-926F-B77B132FD6F6}"/>
+              </a:ext>
+            </a:extLst>
+          </p:cNvPr>
+          <p:cNvSpPr>
+            <a:spLocks noChangeArrowheads="1"/>
+          </p:cNvSpPr>
+          <p:nvPr/>
+        </p:nvSpPr>
+        <p:spPr bwMode="auto">
+          <a:xfrm>
+            <a:off x="1998617" y="904270"/>
+            <a:ext cx="3820886" cy="900246"/>
+          </a:xfrm>
+          <a:prstGeom prst="rect">
+            <a:avLst/>
+          </a:prstGeom>
+          <a:noFill/>
+          <a:ln>
+            <a:noFill/>
+          </a:ln>
+          <a:effectLst/>
+          <a:extLst>
+            <a:ext uri="{909E8E84-426E-40DD-AFC4-6F175D3DCCD1}">
+              <a14:hiddenFill xmlns:a14="http://schemas.microsoft.com/office/drawing/2010/main">
+                <a:solidFill>
+                  <a:schemeClr val="accent1"/>
+                </a:solidFill>
+              </a14:hiddenFill>
+            </a:ext>
+            <a:ext uri="{91240B29-F687-4F45-9708-019B960494DF}">
+              <a14:hiddenLine xmlns:a14="http://schemas.microsoft.com/office/drawing/2010/main" w="9525">
+                <a:solidFill>
+                  <a:schemeClr val="tx1"/>
+                </a:solidFill>
+                <a:miter lim="800000"/>
+                <a:headEnd/>
+                <a:tailEnd/>
+              </a14:hiddenLine>
+            </a:ext>
+            <a:ext uri="{AF507438-7753-43E0-B8FC-AC1667EBCBE1}">
+              <a14:hiddenEffects xmlns:a14="http://schemas.microsoft.com/office/drawing/2010/main">
+                <a:effectLst>
+                  <a:outerShdw dist="35921" dir="2700000" algn="ctr" rotWithShape="0">
+                    <a:schemeClr val="bg2"/>
+                  </a:outerShdw>
+                </a:effectLst>
+              </a14:hiddenEffects>
+            </a:ext>
+          </a:extLst>
+        </p:spPr>
+        <p:txBody>
+          <a:bodyPr vert="horz" wrap="square" lIns="0" tIns="0" rIns="0" bIns="0" numCol="1" anchor="ctr" anchorCtr="0" compatLnSpc="1">
+            <a:prstTxWarp prst="textNoShape">
+              <a:avLst/>
+            </a:prstTxWarp>
+            <a:spAutoFit/>
+          </a:bodyPr>
+          <a:lstStyle/>
+          <a:p>
+            <a:pPr indent="342900" algn="ctr" defTabSz="685800" eaLnBrk="0" fontAlgn="base" hangingPunct="0">
+              <a:spcBef>
+                <a:spcPct val="0"/>
+              </a:spcBef>
+              <a:spcAft>
+                <a:spcPct val="0"/>
+              </a:spcAft>
+            </a:pPr>
+            <a:r>
+              <a:rPr lang="en-US" altLang="en-US" sz="750" dirty="0">
+                <a:latin typeface="Arial" panose="020B0604020202020204" pitchFamily="34" charset="0"/>
+                <a:ea typeface="Times New Roman" panose="02020603050405020304" pitchFamily="18" charset="0"/>
+                <a:cs typeface="Arial" panose="020B0604020202020204" pitchFamily="34" charset="0"/>
+              </a:rPr>
+              <a:t>                   	 	                                                 </a:t>
+            </a:r>
+          </a:p>
+          <a:p>
+            <a:pPr indent="342900" algn="ctr" defTabSz="685800" eaLnBrk="0" fontAlgn="base" hangingPunct="0">
+              <a:spcBef>
+                <a:spcPct val="0"/>
+              </a:spcBef>
+              <a:spcAft>
+                <a:spcPct val="0"/>
+              </a:spcAft>
+            </a:pPr>
+            <a:r>
+              <a:rPr lang="en-US" altLang="en-US" sz="2100" b="1" dirty="0">
+                <a:solidFill>
+                  <a:srgbClr val="F79646"/>
+                </a:solidFill>
+                <a:latin typeface="English111 Vivace BT" panose="03030702030607090B03" pitchFamily="66" charset="0"/>
+                <a:ea typeface="Times New Roman" panose="02020603050405020304" pitchFamily="18" charset="0"/>
+                <a:cs typeface="Arial" panose="020B0604020202020204" pitchFamily="34" charset="0"/>
+              </a:rPr>
+              <a:t>B.N.M. Institute of Technology</a:t>
+            </a:r>
+          </a:p>
+          <a:p>
+            <a:pPr indent="342900" algn="ctr" defTabSz="685800" eaLnBrk="0" fontAlgn="base" hangingPunct="0">
+              <a:spcBef>
+                <a:spcPct val="0"/>
+              </a:spcBef>
+              <a:spcAft>
+                <a:spcPct val="0"/>
+              </a:spcAft>
+            </a:pPr>
+            <a:r>
+              <a:rPr lang="en-US" altLang="en-US" sz="600" i="1" dirty="0" err="1">
+                <a:solidFill>
+                  <a:srgbClr val="4F81BD"/>
+                </a:solidFill>
+                <a:latin typeface="English111 Vivace BT" panose="03030702030607090B03" pitchFamily="66" charset="0"/>
+                <a:ea typeface="Courier New" panose="02070309020205020404" pitchFamily="49" charset="0"/>
+                <a:cs typeface="Arial" panose="020B0604020202020204" pitchFamily="34" charset="0"/>
+              </a:rPr>
+              <a:t>Vidyaya</a:t>
+            </a:r>
+            <a:r>
+              <a:rPr lang="en-US" altLang="en-US" sz="600" i="1" dirty="0">
+                <a:solidFill>
+                  <a:srgbClr val="4F81BD"/>
+                </a:solidFill>
+                <a:latin typeface="English111 Vivace BT" panose="03030702030607090B03" pitchFamily="66" charset="0"/>
+                <a:ea typeface="Courier New" panose="02070309020205020404" pitchFamily="49" charset="0"/>
+                <a:cs typeface="Arial" panose="020B0604020202020204" pitchFamily="34" charset="0"/>
+              </a:rPr>
+              <a:t> </a:t>
+            </a:r>
+            <a:r>
+              <a:rPr lang="en-US" altLang="en-US" sz="600" i="1" dirty="0" err="1">
+                <a:solidFill>
+                  <a:srgbClr val="4F81BD"/>
+                </a:solidFill>
+                <a:latin typeface="English111 Vivace BT" panose="03030702030607090B03" pitchFamily="66" charset="0"/>
+                <a:ea typeface="Courier New" panose="02070309020205020404" pitchFamily="49" charset="0"/>
+                <a:cs typeface="Arial" panose="020B0604020202020204" pitchFamily="34" charset="0"/>
+              </a:rPr>
+              <a:t>Amrutham</a:t>
+            </a:r>
+            <a:r>
+              <a:rPr lang="en-US" altLang="en-US" sz="600" i="1" dirty="0">
+                <a:solidFill>
+                  <a:srgbClr val="4F81BD"/>
+                </a:solidFill>
+                <a:latin typeface="English111 Vivace BT" panose="03030702030607090B03" pitchFamily="66" charset="0"/>
+                <a:ea typeface="Courier New" panose="02070309020205020404" pitchFamily="49" charset="0"/>
+                <a:cs typeface="Arial" panose="020B0604020202020204" pitchFamily="34" charset="0"/>
+              </a:rPr>
+              <a:t> </a:t>
+            </a:r>
+            <a:r>
+              <a:rPr lang="en-US" altLang="en-US" sz="600" i="1" dirty="0" err="1">
+                <a:solidFill>
+                  <a:srgbClr val="4F81BD"/>
+                </a:solidFill>
+                <a:latin typeface="English111 Vivace BT" panose="03030702030607090B03" pitchFamily="66" charset="0"/>
+                <a:ea typeface="Courier New" panose="02070309020205020404" pitchFamily="49" charset="0"/>
+                <a:cs typeface="Arial" panose="020B0604020202020204" pitchFamily="34" charset="0"/>
+              </a:rPr>
+              <a:t>Ashnuthe</a:t>
+            </a:r>
+            <a:r>
+              <a:rPr lang="en-US" altLang="en-US" sz="450" dirty="0">
+                <a:latin typeface="English111 Vivace BT" panose="03030702030607090B03" pitchFamily="66" charset="0"/>
+                <a:cs typeface="Arial" panose="020B0604020202020204" pitchFamily="34" charset="0"/>
+              </a:rPr>
+              <a:t> </a:t>
+            </a:r>
+            <a:endParaRPr lang="en-US" altLang="en-US" sz="1050" dirty="0">
+              <a:latin typeface="English111 Vivace BT" panose="03030702030607090B03" pitchFamily="66" charset="0"/>
+              <a:cs typeface="Arial" panose="020B0604020202020204" pitchFamily="34" charset="0"/>
+            </a:endParaRPr>
+          </a:p>
+          <a:p>
+            <a:pPr indent="342900" algn="ctr" defTabSz="685800" eaLnBrk="0" fontAlgn="base" hangingPunct="0">
+              <a:spcBef>
+                <a:spcPct val="0"/>
+              </a:spcBef>
+              <a:spcAft>
+                <a:spcPct val="0"/>
+              </a:spcAft>
+            </a:pPr>
+            <a:endParaRPr lang="en-US" altLang="en-US" sz="600" dirty="0">
+              <a:latin typeface="Arial" panose="020B0604020202020204" pitchFamily="34" charset="0"/>
+              <a:cs typeface="Arial" panose="020B0604020202020204" pitchFamily="34" charset="0"/>
+            </a:endParaRPr>
+          </a:p>
+          <a:p>
+            <a:pPr indent="342900" algn="ctr" defTabSz="685800" eaLnBrk="0" fontAlgn="base" hangingPunct="0">
+              <a:spcBef>
+                <a:spcPct val="0"/>
+              </a:spcBef>
+              <a:spcAft>
+                <a:spcPct val="0"/>
+              </a:spcAft>
+            </a:pPr>
+            <a:r>
+              <a:rPr lang="en-US" altLang="en-US" sz="750" dirty="0">
+                <a:latin typeface="Times New Roman" panose="02020603050405020304" pitchFamily="18" charset="0"/>
+                <a:ea typeface="Courier New" panose="02070309020205020404" pitchFamily="49" charset="0"/>
+                <a:cs typeface="Times New Roman" panose="02020603050405020304" pitchFamily="18" charset="0"/>
+              </a:rPr>
+              <a:t>12</a:t>
+            </a:r>
+            <a:r>
+              <a:rPr lang="en-US" altLang="en-US" sz="750" baseline="30000" dirty="0">
+                <a:latin typeface="Times New Roman" panose="02020603050405020304" pitchFamily="18" charset="0"/>
+                <a:ea typeface="Courier New" panose="02070309020205020404" pitchFamily="49" charset="0"/>
+                <a:cs typeface="Times New Roman" panose="02020603050405020304" pitchFamily="18" charset="0"/>
+              </a:rPr>
+              <a:t>th</a:t>
+            </a:r>
+            <a:r>
+              <a:rPr lang="en-US" altLang="en-US" sz="750" dirty="0">
+                <a:latin typeface="Times New Roman" panose="02020603050405020304" pitchFamily="18" charset="0"/>
+                <a:ea typeface="Courier New" panose="02070309020205020404" pitchFamily="49" charset="0"/>
+                <a:cs typeface="Times New Roman" panose="02020603050405020304" pitchFamily="18" charset="0"/>
+              </a:rPr>
+              <a:t> Main, 27</a:t>
+            </a:r>
+            <a:r>
+              <a:rPr lang="en-US" altLang="en-US" sz="750" baseline="30000" dirty="0">
+                <a:latin typeface="Times New Roman" panose="02020603050405020304" pitchFamily="18" charset="0"/>
+                <a:ea typeface="Courier New" panose="02070309020205020404" pitchFamily="49" charset="0"/>
+                <a:cs typeface="Times New Roman" panose="02020603050405020304" pitchFamily="18" charset="0"/>
+              </a:rPr>
+              <a:t>th</a:t>
+            </a:r>
+            <a:r>
+              <a:rPr lang="en-US" altLang="en-US" sz="750" dirty="0">
+                <a:latin typeface="Times New Roman" panose="02020603050405020304" pitchFamily="18" charset="0"/>
+                <a:ea typeface="Courier New" panose="02070309020205020404" pitchFamily="49" charset="0"/>
+                <a:cs typeface="Times New Roman" panose="02020603050405020304" pitchFamily="18" charset="0"/>
+              </a:rPr>
+              <a:t> Cross, Banashankari II Stage, Bangalore 560 070.</a:t>
+            </a:r>
+          </a:p>
+          <a:p>
+            <a:pPr indent="342900" algn="ctr" defTabSz="685800" eaLnBrk="0" fontAlgn="base" hangingPunct="0">
+              <a:spcBef>
+                <a:spcPct val="0"/>
+              </a:spcBef>
+              <a:spcAft>
+                <a:spcPct val="0"/>
+              </a:spcAft>
+            </a:pPr>
+            <a:r>
+              <a:rPr lang="en-US" altLang="en-US" sz="1050" dirty="0">
+                <a:latin typeface="Times New Roman" panose="02020603050405020304" pitchFamily="18" charset="0"/>
+                <a:ea typeface="Courier New" panose="02070309020205020404" pitchFamily="49" charset="0"/>
+                <a:cs typeface="Times New Roman" panose="02020603050405020304" pitchFamily="18" charset="0"/>
+              </a:rPr>
+              <a:t>Department of Information Science and Engineering2017-2018</a:t>
+            </a:r>
+            <a:r>
+              <a:rPr lang="en-US" altLang="en-US" sz="600" dirty="0">
+                <a:latin typeface="Times New Roman" panose="02020603050405020304" pitchFamily="18" charset="0"/>
+                <a:cs typeface="Times New Roman" panose="02020603050405020304" pitchFamily="18" charset="0"/>
+              </a:rPr>
+              <a:t> </a:t>
+            </a:r>
+            <a:endParaRPr lang="en-US" altLang="en-US" sz="1350" dirty="0">
+              <a:latin typeface="Times New Roman" panose="02020603050405020304" pitchFamily="18" charset="0"/>
+              <a:cs typeface="Times New Roman" panose="02020603050405020304" pitchFamily="18" charset="0"/>
+            </a:endParaRPr>
+          </a:p>
+        </p:txBody>
+      </p:sp>
+      <p:sp>
+        <p:nvSpPr>
+          <p:cNvPr id="10" name="Shape 261">
+            <a:extLst>
+              <a:ext uri="{FF2B5EF4-FFF2-40B4-BE49-F238E27FC236}">
+                <a16:creationId xmlns:a16="http://schemas.microsoft.com/office/drawing/2014/main" id="{AFFA5A5D-04AF-4F0F-88CA-22F2D27C6781}"/>
+              </a:ext>
+            </a:extLst>
+          </p:cNvPr>
+          <p:cNvSpPr txBox="1">
+            <a:spLocks/>
+          </p:cNvSpPr>
+          <p:nvPr/>
         </p:nvSpPr>
         <p:spPr>
           <a:xfrm>
-            <a:off x="1052550" y="1113267"/>
-            <a:ext cx="7038900" cy="3575950"/>
+            <a:off x="2041072" y="3790820"/>
+            <a:ext cx="4114800" cy="2046288"/>
           </a:xfrm>
+          <a:prstGeom prst="rect">
+            <a:avLst/>
+          </a:prstGeom>
+          <a:noFill/>
+          <a:ln>
+            <a:noFill/>
+          </a:ln>
         </p:spPr>
         <p:txBody>
-          <a:bodyPr>
-            <a:normAutofit fontScale="92500" lnSpcReduction="20000"/>
+          <a:bodyPr spcFirstLastPara="1" vert="horz" wrap="square" lIns="91425" tIns="91425" rIns="91425" bIns="91425" rtlCol="0" anchor="t" anchorCtr="0">
+            <a:noAutofit/>
           </a:bodyPr>
-          <a:lstStyle/>
-          <a:p>
-            <a:pPr>
+          <a:lstStyle>
+            <a:lvl1pPr marL="257175" indent="-257175" algn="l" defTabSz="342900" rtl="0" eaLnBrk="1" latinLnBrk="0" hangingPunct="1">
+              <a:spcBef>
+                <a:spcPts val="750"/>
+              </a:spcBef>
+              <a:spcAft>
+                <a:spcPts val="0"/>
+              </a:spcAft>
+              <a:buClr>
+                <a:schemeClr val="accent1"/>
+              </a:buClr>
+              <a:buFont typeface="Wingdings 3" charset="2"/>
+              <a:buChar char=""/>
+              <a:defRPr sz="1350" kern="1200">
+                <a:solidFill>
+                  <a:schemeClr val="tx1">
+                    <a:lumMod val="75000"/>
+                    <a:lumOff val="25000"/>
+                  </a:schemeClr>
+                </a:solidFill>
+                <a:latin typeface="+mn-lt"/>
+                <a:ea typeface="+mn-ea"/>
+                <a:cs typeface="+mn-cs"/>
+              </a:defRPr>
+            </a:lvl1pPr>
+            <a:lvl2pPr marL="557213" indent="-214313" algn="l" defTabSz="342900" rtl="0" eaLnBrk="1" latinLnBrk="0" hangingPunct="1">
+              <a:spcBef>
+                <a:spcPts val="750"/>
+              </a:spcBef>
+              <a:spcAft>
+                <a:spcPts val="0"/>
+              </a:spcAft>
+              <a:buClr>
+                <a:schemeClr val="accent1"/>
+              </a:buClr>
+              <a:buFont typeface="Wingdings 3" charset="2"/>
+              <a:buChar char=""/>
+              <a:defRPr sz="1200" kern="1200">
+                <a:solidFill>
+                  <a:schemeClr val="tx1">
+                    <a:lumMod val="75000"/>
+                    <a:lumOff val="25000"/>
+                  </a:schemeClr>
+                </a:solidFill>
+                <a:latin typeface="+mn-lt"/>
+                <a:ea typeface="+mn-ea"/>
+                <a:cs typeface="+mn-cs"/>
+              </a:defRPr>
+            </a:lvl2pPr>
+            <a:lvl3pPr marL="857250" indent="-171450" algn="l" defTabSz="342900" rtl="0" eaLnBrk="1" latinLnBrk="0" hangingPunct="1">
+              <a:spcBef>
+                <a:spcPts val="750"/>
+              </a:spcBef>
+              <a:spcAft>
+                <a:spcPts val="0"/>
+              </a:spcAft>
+              <a:buClr>
+                <a:schemeClr val="accent1"/>
+              </a:buClr>
+              <a:buFont typeface="Wingdings 3" charset="2"/>
+              <a:buChar char=""/>
+              <a:defRPr sz="1050" kern="1200">
+                <a:solidFill>
+                  <a:schemeClr val="tx1">
+                    <a:lumMod val="75000"/>
+                    <a:lumOff val="25000"/>
+                  </a:schemeClr>
+                </a:solidFill>
+                <a:latin typeface="+mn-lt"/>
+                <a:ea typeface="+mn-ea"/>
+                <a:cs typeface="+mn-cs"/>
+              </a:defRPr>
+            </a:lvl3pPr>
+            <a:lvl4pPr marL="1200150" indent="-171450" algn="l" defTabSz="342900" rtl="0" eaLnBrk="1" latinLnBrk="0" hangingPunct="1">
+              <a:spcBef>
+                <a:spcPts val="750"/>
+              </a:spcBef>
+              <a:spcAft>
+                <a:spcPts val="0"/>
+              </a:spcAft>
+              <a:buClr>
+                <a:schemeClr val="accent1"/>
+              </a:buClr>
+              <a:buFont typeface="Wingdings 3" charset="2"/>
+              <a:buChar char=""/>
+              <a:defRPr sz="900" kern="1200">
+                <a:solidFill>
+                  <a:schemeClr val="tx1">
+                    <a:lumMod val="75000"/>
+                    <a:lumOff val="25000"/>
+                  </a:schemeClr>
+                </a:solidFill>
+                <a:latin typeface="+mn-lt"/>
+                <a:ea typeface="+mn-ea"/>
+                <a:cs typeface="+mn-cs"/>
+              </a:defRPr>
+            </a:lvl4pPr>
+            <a:lvl5pPr marL="1543050" indent="-171450" algn="l" defTabSz="342900" rtl="0" eaLnBrk="1" latinLnBrk="0" hangingPunct="1">
+              <a:spcBef>
+                <a:spcPts val="750"/>
+              </a:spcBef>
+              <a:spcAft>
+                <a:spcPts val="0"/>
+              </a:spcAft>
+              <a:buClr>
+                <a:schemeClr val="accent1"/>
+              </a:buClr>
+              <a:buFont typeface="Wingdings 3" charset="2"/>
+              <a:buChar char=""/>
+              <a:defRPr sz="900" kern="1200">
+                <a:solidFill>
+                  <a:schemeClr val="tx1">
+                    <a:lumMod val="75000"/>
+                    <a:lumOff val="25000"/>
+                  </a:schemeClr>
+                </a:solidFill>
+                <a:latin typeface="+mn-lt"/>
+                <a:ea typeface="+mn-ea"/>
+                <a:cs typeface="+mn-cs"/>
+              </a:defRPr>
+            </a:lvl5pPr>
+            <a:lvl6pPr marL="1885950" indent="-171450" algn="l" defTabSz="342900" rtl="0" eaLnBrk="1" latinLnBrk="0" hangingPunct="1">
+              <a:spcBef>
+                <a:spcPts val="750"/>
+              </a:spcBef>
+              <a:spcAft>
+                <a:spcPts val="0"/>
+              </a:spcAft>
+              <a:buClr>
+                <a:schemeClr val="accent1"/>
+              </a:buClr>
+              <a:buFont typeface="Wingdings 3" charset="2"/>
+              <a:buChar char=""/>
+              <a:defRPr sz="900" kern="1200">
+                <a:solidFill>
+                  <a:schemeClr val="tx1">
+                    <a:lumMod val="75000"/>
+                    <a:lumOff val="25000"/>
+                  </a:schemeClr>
+                </a:solidFill>
+                <a:latin typeface="+mn-lt"/>
+                <a:ea typeface="+mn-ea"/>
+                <a:cs typeface="+mn-cs"/>
+              </a:defRPr>
+            </a:lvl6pPr>
+            <a:lvl7pPr marL="2228850" indent="-171450" algn="l" defTabSz="342900" rtl="0" eaLnBrk="1" latinLnBrk="0" hangingPunct="1">
+              <a:spcBef>
+                <a:spcPts val="750"/>
+              </a:spcBef>
+              <a:spcAft>
+                <a:spcPts val="0"/>
+              </a:spcAft>
+              <a:buClr>
+                <a:schemeClr val="accent1"/>
+              </a:buClr>
+              <a:buFont typeface="Wingdings 3" charset="2"/>
+              <a:buChar char=""/>
+              <a:defRPr sz="900" kern="1200">
+                <a:solidFill>
+                  <a:schemeClr val="tx1">
+                    <a:lumMod val="75000"/>
+                    <a:lumOff val="25000"/>
+                  </a:schemeClr>
+                </a:solidFill>
+                <a:latin typeface="+mn-lt"/>
+                <a:ea typeface="+mn-ea"/>
+                <a:cs typeface="+mn-cs"/>
+              </a:defRPr>
+            </a:lvl7pPr>
+            <a:lvl8pPr marL="2571750" indent="-171450" algn="l" defTabSz="342900" rtl="0" eaLnBrk="1" latinLnBrk="0" hangingPunct="1">
+              <a:spcBef>
+                <a:spcPts val="750"/>
+              </a:spcBef>
+              <a:spcAft>
+                <a:spcPts val="0"/>
+              </a:spcAft>
+              <a:buClr>
+                <a:schemeClr val="accent1"/>
+              </a:buClr>
+              <a:buFont typeface="Wingdings 3" charset="2"/>
+              <a:buChar char=""/>
+              <a:defRPr sz="900" kern="1200">
+                <a:solidFill>
+                  <a:schemeClr val="tx1">
+                    <a:lumMod val="75000"/>
+                    <a:lumOff val="25000"/>
+                  </a:schemeClr>
+                </a:solidFill>
+                <a:latin typeface="+mn-lt"/>
+                <a:ea typeface="+mn-ea"/>
+                <a:cs typeface="+mn-cs"/>
+              </a:defRPr>
+            </a:lvl8pPr>
+            <a:lvl9pPr marL="2914650" indent="-171450" algn="l" defTabSz="342900" rtl="0" eaLnBrk="1" latinLnBrk="0" hangingPunct="1">
+              <a:spcBef>
+                <a:spcPts val="750"/>
+              </a:spcBef>
+              <a:spcAft>
+                <a:spcPts val="0"/>
+              </a:spcAft>
+              <a:buClr>
+                <a:schemeClr val="accent1"/>
+              </a:buClr>
+              <a:buFont typeface="Wingdings 3" charset="2"/>
+              <a:buChar char=""/>
+              <a:defRPr sz="900" kern="1200">
+                <a:solidFill>
+                  <a:schemeClr val="tx1">
+                    <a:lumMod val="75000"/>
+                    <a:lumOff val="25000"/>
+                  </a:schemeClr>
+                </a:solidFill>
+                <a:latin typeface="+mn-lt"/>
+                <a:ea typeface="+mn-ea"/>
+                <a:cs typeface="+mn-cs"/>
+              </a:defRPr>
+            </a:lvl9pPr>
+          </a:lstStyle>
+          <a:p>
+            <a:pPr marL="0" indent="0" algn="ctr">
               <a:lnSpc>
-                <a:spcPct val="150000"/>
+                <a:spcPct val="115000"/>
               </a:lnSpc>
+              <a:spcBef>
+                <a:spcPts val="0"/>
+              </a:spcBef>
               <a:buClr>
+                <a:schemeClr val="lt1"/>
+              </a:buClr>
+              <a:buSzPts val="1800"/>
+              <a:buFont typeface="Lato"/>
+              <a:buNone/>
+            </a:pPr>
+            <a:r>
+              <a:rPr lang="en-US" sz="1200" b="1" dirty="0">
+                <a:solidFill>
+                  <a:schemeClr val="accent4">
+                    <a:lumMod val="75000"/>
+                  </a:schemeClr>
+                </a:solidFill>
+                <a:latin typeface="Montserrat"/>
+                <a:ea typeface="Montserrat"/>
+                <a:cs typeface="Montserrat"/>
+                <a:sym typeface="Montserrat"/>
+              </a:rPr>
+              <a:t>Submitted by:</a:t>
+            </a:r>
+            <a:endParaRPr lang="en-US" sz="1200" dirty="0">
+              <a:solidFill>
                 <a:schemeClr val="accent4">
-                  <a:lumMod val="50000"/>
+                  <a:lumMod val="75000"/>
                 </a:schemeClr>
+              </a:solidFill>
+              <a:latin typeface="Lato"/>
+              <a:ea typeface="Lato"/>
+              <a:cs typeface="Lato"/>
+              <a:sym typeface="Lato"/>
+            </a:endParaRPr>
+          </a:p>
+          <a:p>
+            <a:pPr marL="0" indent="0" algn="ctr">
+              <a:lnSpc>
+                <a:spcPct val="115000"/>
+              </a:lnSpc>
+              <a:spcBef>
+                <a:spcPts val="0"/>
+              </a:spcBef>
+              <a:buClr>
+                <a:schemeClr val="lt1"/>
               </a:buClr>
+              <a:buSzPts val="1800"/>
+              <a:buFont typeface="Lato"/>
+              <a:buNone/>
             </a:pPr>
             <a:r>
-              <a:rPr lang="en-US" sz="1600" b="1" dirty="0">
+              <a:rPr lang="en-US" sz="1200" dirty="0">
                 <a:solidFill>
                   <a:schemeClr val="accent4">
                     <a:lumMod val="50000"/>
                   </a:schemeClr>
                 </a:solidFill>
-                <a:latin typeface="Montserrat" panose="020B0604020202020204" charset="0"/>
+                <a:latin typeface="Montserrat"/>
+                <a:ea typeface="Montserrat"/>
+                <a:cs typeface="Montserrat"/>
+                <a:sym typeface="Montserrat"/>
               </a:rPr>
-              <a:t>Module-1</a:t>
-            </a:r>
-          </a:p>
-          <a:p>
-            <a:pPr marL="146050" indent="0">
-              <a:lnSpc>
-                <a:spcPct val="150000"/>
-              </a:lnSpc>
-              <a:buClr>
-                <a:schemeClr val="accent4">
-                  <a:lumMod val="50000"/>
-                </a:schemeClr>
-              </a:buClr>
-              <a:buNone/>
-            </a:pPr>
-            <a:r>
-              <a:rPr lang="en-US" sz="1600" b="1" dirty="0">
-                <a:solidFill>
-                  <a:schemeClr val="accent4">
-                    <a:lumMod val="50000"/>
-                  </a:schemeClr>
-                </a:solidFill>
-                <a:latin typeface="Montserrat" panose="020B0604020202020204" charset="0"/>
-              </a:rPr>
-              <a:t>		</a:t>
-            </a:r>
-            <a:r>
-              <a:rPr lang="en-US" sz="1600" dirty="0">
-                <a:solidFill>
-                  <a:schemeClr val="accent4">
-                    <a:lumMod val="50000"/>
-                  </a:schemeClr>
-                </a:solidFill>
-                <a:latin typeface="Montserrat" panose="020B0604020202020204" charset="0"/>
-              </a:rPr>
-              <a:t>Data Collection</a:t>
-            </a:r>
-            <a:endParaRPr lang="en-US" sz="1400" dirty="0">
+              <a:t>Sai Navaneeth V – 1BG14IS041</a:t>
+            </a:r>
+            <a:endParaRPr lang="en-US" sz="1200" dirty="0">
               <a:solidFill>
                 <a:schemeClr val="accent4">
                   <a:lumMod val="50000"/>
                 </a:schemeClr>
               </a:solidFill>
-              <a:latin typeface="Montserrat" panose="020B0604020202020204" charset="0"/>
+              <a:latin typeface="Lato"/>
+              <a:ea typeface="Lato"/>
+              <a:cs typeface="Lato"/>
+              <a:sym typeface="Lato"/>
             </a:endParaRPr>
           </a:p>
           <a:p>
-            <a:pPr>
+            <a:pPr marL="0" indent="0" algn="ctr">
               <a:lnSpc>
-                <a:spcPct val="150000"/>
+                <a:spcPct val="115000"/>
               </a:lnSpc>
+              <a:spcBef>
+                <a:spcPts val="0"/>
+              </a:spcBef>
               <a:buClr>
-                <a:schemeClr val="accent4">
-                  <a:lumMod val="50000"/>
-                </a:schemeClr>
+                <a:schemeClr val="lt1"/>
               </a:buClr>
+              <a:buSzPts val="1800"/>
+              <a:buFont typeface="Lato"/>
+              <a:buNone/>
             </a:pPr>
             <a:r>
-              <a:rPr lang="en-US" sz="1600" b="1" dirty="0">
+              <a:rPr lang="en-US" sz="1200" dirty="0">
                 <a:solidFill>
                   <a:schemeClr val="accent4">
                     <a:lumMod val="50000"/>
                   </a:schemeClr>
                 </a:solidFill>
-                <a:latin typeface="Montserrat" panose="020B0604020202020204" charset="0"/>
+                <a:latin typeface="Montserrat"/>
+                <a:ea typeface="Montserrat"/>
+                <a:cs typeface="Montserrat"/>
+                <a:sym typeface="Montserrat"/>
               </a:rPr>
-              <a:t>Module-2</a:t>
-            </a:r>
-          </a:p>
-          <a:p>
-            <a:pPr marL="146050" indent="0">
+              <a:t>Satish Kumar M S – 1BG14IS045</a:t>
+            </a:r>
+          </a:p>
+          <a:p>
+            <a:pPr marL="0" indent="0" algn="ctr">
               <a:lnSpc>
-                <a:spcPct val="150000"/>
+                <a:spcPct val="115000"/>
               </a:lnSpc>
+              <a:spcBef>
+                <a:spcPts val="0"/>
+              </a:spcBef>
               <a:buClr>
-                <a:schemeClr val="accent4">
+                <a:schemeClr val="lt1"/>
+              </a:buClr>
+              <a:buSzPts val="1800"/>
+              <a:buFont typeface="Lato"/>
+              <a:buNone/>
+            </a:pPr>
+            <a:r>
+              <a:rPr lang="en-US" sz="1200" dirty="0">
+                <a:solidFill>
+                  <a:srgbClr val="728653">
+                    <a:lumMod val="50000"/>
+                  </a:srgbClr>
+                </a:solidFill>
+                <a:latin typeface="Montserrat"/>
+                <a:ea typeface="Montserrat"/>
+                <a:cs typeface="Montserrat"/>
+                <a:sym typeface="Montserrat"/>
+              </a:rPr>
+              <a:t>Bhavana – 1BG14IS008</a:t>
+            </a:r>
+            <a:endParaRPr lang="en-US" sz="1200" dirty="0">
+              <a:solidFill>
+                <a:srgbClr val="728653">
                   <a:lumMod val="50000"/>
-                </a:schemeClr>
+                </a:srgbClr>
+              </a:solidFill>
+              <a:latin typeface="Lato"/>
+              <a:ea typeface="Lato"/>
+              <a:cs typeface="Lato"/>
+              <a:sym typeface="Lato"/>
+            </a:endParaRPr>
+          </a:p>
+          <a:p>
+            <a:pPr marL="0" indent="0" algn="ctr">
+              <a:lnSpc>
+                <a:spcPct val="115000"/>
+              </a:lnSpc>
+              <a:spcBef>
+                <a:spcPts val="0"/>
+              </a:spcBef>
+              <a:buClr>
+                <a:prstClr val="white"/>
               </a:buClr>
+              <a:buSzPts val="1800"/>
+              <a:buFont typeface="Wingdings 3" charset="2"/>
               <a:buNone/>
             </a:pPr>
             <a:r>
-              <a:rPr lang="en-US" sz="1600" b="1" dirty="0">
-                <a:solidFill>
-                  <a:schemeClr val="accent4">
+              <a:rPr lang="en-US" sz="1200" dirty="0">
+                <a:solidFill>
+                  <a:srgbClr val="728653">
                     <a:lumMod val="50000"/>
-                  </a:schemeClr>
-                </a:solidFill>
-                <a:latin typeface="Montserrat" panose="020B0604020202020204" charset="0"/>
+                  </a:srgbClr>
+                </a:solidFill>
+                <a:latin typeface="Montserrat"/>
+                <a:ea typeface="Montserrat"/>
+                <a:cs typeface="Montserrat"/>
+                <a:sym typeface="Montserrat"/>
               </a:rPr>
-              <a:t>		</a:t>
-            </a:r>
-            <a:r>
-              <a:rPr lang="en-US" sz="1600" dirty="0">
-                <a:solidFill>
-                  <a:schemeClr val="accent4">
+              <a:t>H </a:t>
+            </a:r>
+            <a:r>
+              <a:rPr lang="en-US" sz="1200" dirty="0" err="1">
+                <a:solidFill>
+                  <a:srgbClr val="728653">
                     <a:lumMod val="50000"/>
-                  </a:schemeClr>
-                </a:solidFill>
-                <a:latin typeface="Montserrat" panose="020B0604020202020204" charset="0"/>
+                  </a:srgbClr>
+                </a:solidFill>
+                <a:latin typeface="Montserrat"/>
+                <a:ea typeface="Montserrat"/>
+                <a:cs typeface="Montserrat"/>
+                <a:sym typeface="Montserrat"/>
               </a:rPr>
-              <a:t>Data Cleaning and Filtering</a:t>
-            </a:r>
-            <a:r>
-              <a:rPr lang="en-US" sz="1600" b="1" dirty="0">
-                <a:solidFill>
-                  <a:schemeClr val="accent4">
+              <a:t>Sudhanva</a:t>
+            </a:r>
+            <a:r>
+              <a:rPr lang="en-US" sz="1200" dirty="0">
+                <a:solidFill>
+                  <a:srgbClr val="728653">
                     <a:lumMod val="50000"/>
-                  </a:schemeClr>
-                </a:solidFill>
-                <a:latin typeface="Montserrat" panose="020B0604020202020204" charset="0"/>
+                  </a:srgbClr>
+                </a:solidFill>
+                <a:latin typeface="Montserrat"/>
+                <a:ea typeface="Montserrat"/>
+                <a:cs typeface="Montserrat"/>
+                <a:sym typeface="Montserrat"/>
               </a:rPr>
-              <a:t> </a:t>
-            </a:r>
-          </a:p>
-          <a:p>
-            <a:pPr>
+              <a:t> – 1BG14IS017</a:t>
+            </a:r>
+            <a:endParaRPr lang="en-US" sz="1200" dirty="0">
+              <a:solidFill>
+                <a:srgbClr val="728653">
+                  <a:lumMod val="50000"/>
+                </a:srgbClr>
+              </a:solidFill>
+              <a:latin typeface="Lato"/>
+              <a:ea typeface="Lato"/>
+              <a:cs typeface="Lato"/>
+              <a:sym typeface="Lato"/>
+            </a:endParaRPr>
+          </a:p>
+          <a:p>
+            <a:pPr marL="0" indent="0">
               <a:lnSpc>
-                <a:spcPct val="150000"/>
+                <a:spcPct val="115000"/>
               </a:lnSpc>
+              <a:spcBef>
+                <a:spcPts val="0"/>
+              </a:spcBef>
               <a:buClr>
-                <a:schemeClr val="accent4">
-                  <a:lumMod val="50000"/>
-                </a:schemeClr>
+                <a:schemeClr val="lt1"/>
               </a:buClr>
+              <a:buSzPts val="1800"/>
+              <a:buFont typeface="Lato"/>
+              <a:buNone/>
             </a:pPr>
-            <a:r>
-              <a:rPr lang="en-US" sz="1600" b="1" dirty="0">
-                <a:solidFill>
-                  <a:schemeClr val="accent4">
-                    <a:lumMod val="50000"/>
-                  </a:schemeClr>
-                </a:solidFill>
-                <a:latin typeface="Montserrat" panose="020B0604020202020204" charset="0"/>
-              </a:rPr>
-              <a:t>Module-3</a:t>
-            </a:r>
-          </a:p>
-          <a:p>
-            <a:pPr marL="146050" indent="0">
-              <a:lnSpc>
-                <a:spcPct val="150000"/>
-              </a:lnSpc>
-              <a:buClr>
-                <a:schemeClr val="accent4">
-                  <a:lumMod val="50000"/>
-                </a:schemeClr>
-              </a:buClr>
-              <a:buNone/>
-            </a:pPr>
-            <a:r>
-              <a:rPr lang="en-US" sz="1600" b="1" dirty="0">
-                <a:solidFill>
-                  <a:schemeClr val="accent4">
-                    <a:lumMod val="50000"/>
-                  </a:schemeClr>
-                </a:solidFill>
-                <a:latin typeface="Montserrat" panose="020B0604020202020204" charset="0"/>
-              </a:rPr>
-              <a:t>		</a:t>
-            </a:r>
-            <a:r>
-              <a:rPr lang="en-US" sz="1600" dirty="0">
-                <a:solidFill>
-                  <a:schemeClr val="accent4">
-                    <a:lumMod val="50000"/>
-                  </a:schemeClr>
-                </a:solidFill>
-                <a:latin typeface="Montserrat" panose="020B0604020202020204" charset="0"/>
-              </a:rPr>
-              <a:t>Feature Extraction</a:t>
-            </a:r>
-            <a:endParaRPr lang="en-US" sz="1600" b="1" dirty="0">
+            <a:endParaRPr lang="en-US" sz="1200" dirty="0">
               <a:solidFill>
                 <a:schemeClr val="accent4">
                   <a:lumMod val="50000"/>
                 </a:schemeClr>
               </a:solidFill>
-              <a:latin typeface="Montserrat" panose="020B0604020202020204" charset="0"/>
+              <a:latin typeface="Lato"/>
+              <a:ea typeface="Lato"/>
+              <a:cs typeface="Lato"/>
+              <a:sym typeface="Lato"/>
             </a:endParaRPr>
           </a:p>
           <a:p>
-            <a:pPr>
+            <a:pPr marL="0" indent="0">
               <a:lnSpc>
-                <a:spcPct val="150000"/>
+                <a:spcPct val="115000"/>
               </a:lnSpc>
+              <a:spcBef>
+                <a:spcPts val="0"/>
+              </a:spcBef>
               <a:buClr>
-                <a:schemeClr val="accent4">
-                  <a:lumMod val="50000"/>
-                </a:schemeClr>
+                <a:schemeClr val="lt1"/>
               </a:buClr>
+              <a:buSzPts val="1400"/>
+              <a:buFont typeface="Lato"/>
+              <a:buNone/>
             </a:pPr>
-            <a:r>
-              <a:rPr lang="en-US" sz="1600" b="1" dirty="0">
-                <a:solidFill>
-                  <a:schemeClr val="accent4">
-                    <a:lumMod val="50000"/>
-                  </a:schemeClr>
-                </a:solidFill>
-                <a:latin typeface="Montserrat" panose="020B0604020202020204" charset="0"/>
+            <a:endParaRPr lang="en-US" sz="1200" dirty="0">
+              <a:solidFill>
+                <a:schemeClr val="lt1"/>
+              </a:solidFill>
+              <a:latin typeface="Lato"/>
+              <a:ea typeface="Lato"/>
+              <a:cs typeface="Lato"/>
+              <a:sym typeface="Lato"/>
+            </a:endParaRPr>
+          </a:p>
+          <a:p>
+            <a:pPr marL="0" indent="0">
+              <a:lnSpc>
+                <a:spcPct val="115000"/>
+              </a:lnSpc>
+              <a:spcBef>
+                <a:spcPts val="0"/>
+              </a:spcBef>
+              <a:buClr>
+                <a:schemeClr val="lt1"/>
+              </a:buClr>
+              <a:buSzPts val="1400"/>
+              <a:buFont typeface="Lato"/>
+              <a:buNone/>
+            </a:pPr>
+            <a:r>
+              <a:rPr lang="en-US" sz="1200" dirty="0">
+                <a:solidFill>
+                  <a:schemeClr val="lt1"/>
+                </a:solidFill>
+                <a:latin typeface="Lato"/>
+                <a:ea typeface="Lato"/>
+                <a:cs typeface="Lato"/>
+                <a:sym typeface="Lato"/>
               </a:rPr>
-              <a:t>Module-4</a:t>
-            </a:r>
-          </a:p>
-          <a:p>
-            <a:pPr marL="146050" indent="0">
-              <a:lnSpc>
-                <a:spcPct val="150000"/>
-              </a:lnSpc>
-              <a:buClr>
-                <a:schemeClr val="accent4">
-                  <a:lumMod val="50000"/>
-                </a:schemeClr>
-              </a:buClr>
-              <a:buNone/>
-            </a:pPr>
-            <a:r>
-              <a:rPr lang="en-US" sz="1600" b="1" dirty="0">
-                <a:solidFill>
-                  <a:schemeClr val="accent4">
-                    <a:lumMod val="50000"/>
-                  </a:schemeClr>
-                </a:solidFill>
-                <a:latin typeface="Montserrat" panose="020B0604020202020204" charset="0"/>
-              </a:rPr>
-              <a:t>		</a:t>
-            </a:r>
-            <a:r>
-              <a:rPr lang="en-US" sz="1600" dirty="0">
-                <a:solidFill>
-                  <a:schemeClr val="accent4">
-                    <a:lumMod val="50000"/>
-                  </a:schemeClr>
-                </a:solidFill>
-                <a:latin typeface="Montserrat" panose="020B0604020202020204" charset="0"/>
-              </a:rPr>
-              <a:t>Implementing Regression model</a:t>
-            </a:r>
-            <a:endParaRPr lang="en-US" sz="1600" b="1" dirty="0">
-              <a:solidFill>
-                <a:schemeClr val="accent4">
-                  <a:lumMod val="50000"/>
-                </a:schemeClr>
-              </a:solidFill>
-              <a:latin typeface="Montserrat" panose="020B0604020202020204" charset="0"/>
-            </a:endParaRPr>
-          </a:p>
-          <a:p>
-            <a:pPr>
-              <a:lnSpc>
-                <a:spcPct val="150000"/>
-              </a:lnSpc>
-              <a:buClr>
-                <a:schemeClr val="accent4">
-                  <a:lumMod val="50000"/>
-                </a:schemeClr>
-              </a:buClr>
-            </a:pPr>
-            <a:r>
-              <a:rPr lang="en-US" sz="1600" b="1" dirty="0">
-                <a:solidFill>
-                  <a:schemeClr val="accent4">
-                    <a:lumMod val="50000"/>
-                  </a:schemeClr>
-                </a:solidFill>
-                <a:latin typeface="Montserrat" panose="020B0604020202020204" charset="0"/>
-              </a:rPr>
-              <a:t>Module-5</a:t>
-            </a:r>
-          </a:p>
-          <a:p>
-            <a:pPr marL="146050" indent="0">
-              <a:lnSpc>
-                <a:spcPct val="150000"/>
-              </a:lnSpc>
-              <a:buClr>
-                <a:schemeClr val="accent4">
-                  <a:lumMod val="50000"/>
-                </a:schemeClr>
-              </a:buClr>
-              <a:buNone/>
-            </a:pPr>
-            <a:r>
-              <a:rPr lang="en-US" sz="1600" b="1" dirty="0">
-                <a:solidFill>
-                  <a:schemeClr val="accent4">
-                    <a:lumMod val="50000"/>
-                  </a:schemeClr>
-                </a:solidFill>
-                <a:latin typeface="Montserrat" panose="020B0604020202020204" charset="0"/>
-              </a:rPr>
-              <a:t>		</a:t>
-            </a:r>
-            <a:r>
-              <a:rPr lang="en-US" sz="1600" dirty="0">
-                <a:solidFill>
-                  <a:schemeClr val="accent4">
-                    <a:lumMod val="50000"/>
-                  </a:schemeClr>
-                </a:solidFill>
-                <a:latin typeface="Montserrat" panose="020B0604020202020204" charset="0"/>
-              </a:rPr>
-              <a:t>Final model</a:t>
-            </a:r>
-          </a:p>
-          <a:p>
-            <a:pPr marL="146050" indent="0">
-              <a:lnSpc>
-                <a:spcPct val="150000"/>
-              </a:lnSpc>
-              <a:buClr>
-                <a:schemeClr val="accent4">
-                  <a:lumMod val="50000"/>
-                </a:schemeClr>
-              </a:buClr>
-              <a:buNone/>
-            </a:pPr>
-            <a:r>
-              <a:rPr lang="en-US" sz="1600" b="1" dirty="0">
-                <a:solidFill>
-                  <a:schemeClr val="accent4">
-                    <a:lumMod val="50000"/>
-                  </a:schemeClr>
-                </a:solidFill>
-                <a:latin typeface="Montserrat" panose="020B0604020202020204" charset="0"/>
-              </a:rPr>
-              <a:t>		</a:t>
-            </a:r>
-          </a:p>
-          <a:p>
-            <a:pPr>
-              <a:lnSpc>
-                <a:spcPct val="150000"/>
-              </a:lnSpc>
-              <a:buClr>
-                <a:schemeClr val="accent4">
-                  <a:lumMod val="50000"/>
-                </a:schemeClr>
-              </a:buClr>
-            </a:pPr>
-            <a:endParaRPr lang="en-US" sz="1600" b="1" dirty="0">
-              <a:solidFill>
-                <a:schemeClr val="accent4">
-                  <a:lumMod val="50000"/>
-                </a:schemeClr>
-              </a:solidFill>
-              <a:latin typeface="Montserrat" panose="020B0604020202020204" charset="0"/>
-            </a:endParaRPr>
+              <a:t> </a:t>
+            </a:r>
           </a:p>
         </p:txBody>
       </p:sp>
     </p:spTree>
     <p:extLst>
       <p:ext uri="{BB962C8B-B14F-4D97-AF65-F5344CB8AC3E}">
-        <p14:creationId xmlns:p14="http://schemas.microsoft.com/office/powerpoint/2010/main" val="3135520520"/>
+        <p14:creationId xmlns:p14="http://schemas.microsoft.com/office/powerpoint/2010/main" val="439380811"/>
       </p:ext>
     </p:extLst>
   </p:cSld>
@@ -12765,7 +13006,7 @@
 </p:sld>
 </file>
 
-<file path=ppt/slides/slide11.xml><?xml version="1.0" encoding="utf-8"?>
+<file path=ppt/slides/slide10.xml><?xml version="1.0" encoding="utf-8"?>
 <p:sld xmlns:a="http://schemas.openxmlformats.org/drawingml/2006/main" xmlns:r="http://schemas.openxmlformats.org/officeDocument/2006/relationships" xmlns:p="http://schemas.openxmlformats.org/presentationml/2006/main">
   <p:cSld>
     <p:spTree>
@@ -12901,6 +13142,66 @@
         </p:txBody>
       </p:sp>
     </p:spTree>
+  </p:cSld>
+  <p:clrMapOvr>
+    <a:masterClrMapping/>
+  </p:clrMapOvr>
+</p:sld>
+</file>
+
+<file path=ppt/slides/slide11.xml><?xml version="1.0" encoding="utf-8"?>
+<p:sld xmlns:a="http://schemas.openxmlformats.org/drawingml/2006/main" xmlns:r="http://schemas.openxmlformats.org/officeDocument/2006/relationships" xmlns:p="http://schemas.openxmlformats.org/presentationml/2006/main">
+  <p:cSld>
+    <p:spTree>
+      <p:nvGrpSpPr>
+        <p:cNvPr id="1" name=""/>
+        <p:cNvGrpSpPr/>
+        <p:nvPr/>
+      </p:nvGrpSpPr>
+      <p:grpSpPr>
+        <a:xfrm>
+          <a:off x="0" y="0"/>
+          <a:ext cx="0" cy="0"/>
+          <a:chOff x="0" y="0"/>
+          <a:chExt cx="0" cy="0"/>
+        </a:xfrm>
+      </p:grpSpPr>
+      <p:pic>
+        <p:nvPicPr>
+          <p:cNvPr id="5" name="Picture 4">
+            <a:extLst>
+              <a:ext uri="{FF2B5EF4-FFF2-40B4-BE49-F238E27FC236}">
+                <a16:creationId xmlns:a16="http://schemas.microsoft.com/office/drawing/2014/main" id="{6477F741-0DB8-42B3-8C00-709C39B0784A}"/>
+              </a:ext>
+            </a:extLst>
+          </p:cNvPr>
+          <p:cNvPicPr>
+            <a:picLocks noChangeAspect="1"/>
+          </p:cNvPicPr>
+          <p:nvPr/>
+        </p:nvPicPr>
+        <p:blipFill>
+          <a:blip r:embed="rId2"/>
+          <a:stretch>
+            <a:fillRect/>
+          </a:stretch>
+        </p:blipFill>
+        <p:spPr>
+          <a:xfrm>
+            <a:off x="2049802" y="187036"/>
+            <a:ext cx="4686607" cy="4765594"/>
+          </a:xfrm>
+          <a:prstGeom prst="rect">
+            <a:avLst/>
+          </a:prstGeom>
+        </p:spPr>
+      </p:pic>
+    </p:spTree>
+    <p:extLst>
+      <p:ext uri="{BB962C8B-B14F-4D97-AF65-F5344CB8AC3E}">
+        <p14:creationId xmlns:p14="http://schemas.microsoft.com/office/powerpoint/2010/main" val="78616377"/>
+      </p:ext>
+    </p:extLst>
   </p:cSld>
   <p:clrMapOvr>
     <a:masterClrMapping/>
@@ -13113,35 +13414,7 @@
                 <a:cs typeface="Montserrat"/>
                 <a:sym typeface="Montserrat"/>
               </a:rPr>
-              <a:t>            	</a:t>
-            </a:r>
-            <a:r>
-              <a:rPr lang="en-US" sz="1600" dirty="0" smtClean="0">
-                <a:solidFill>
-                  <a:schemeClr val="accent4">
-                    <a:lumMod val="50000"/>
-                  </a:schemeClr>
-                </a:solidFill>
-                <a:latin typeface="Montserrat"/>
-                <a:ea typeface="Montserrat"/>
-                <a:cs typeface="Montserrat"/>
-                <a:sym typeface="Montserrat"/>
-              </a:rPr>
-              <a:t>  set </a:t>
-            </a:r>
-            <a:r>
-              <a:rPr lang="en-US" sz="1600" dirty="0">
-                <a:solidFill>
-                  <a:schemeClr val="accent4">
-                    <a:lumMod val="50000"/>
-                  </a:schemeClr>
-                </a:solidFill>
-                <a:latin typeface="Montserrat"/>
-                <a:ea typeface="Montserrat"/>
-                <a:cs typeface="Montserrat"/>
-                <a:sym typeface="Montserrat"/>
-              </a:rPr>
-              <a:t>the fieldnames to feature list values</a:t>
+              <a:t>            	  set the fieldnames to feature list values</a:t>
             </a:r>
           </a:p>
           <a:p>
@@ -13811,7 +14084,7 @@
                   </a:schemeClr>
                 </a:solidFill>
               </a:rPr>
-              <a:t>Step2: 		Make a list containing features to keep</a:t>
+              <a:t>Step2: 		Convert the selected feature objects into numerical values</a:t>
             </a:r>
             <a:br>
               <a:rPr lang="en-US" sz="1600" dirty="0">
@@ -13830,7 +14103,7 @@
                   </a:schemeClr>
                 </a:solidFill>
               </a:rPr>
-              <a:t>Step3: 		Convert the selected feature objects into numerical values</a:t>
+              <a:t>       		 Set not available values to 'coerce’.</a:t>
             </a:r>
             <a:br>
               <a:rPr lang="en-US" sz="1600" dirty="0">
@@ -13849,17 +14122,17 @@
                   </a:schemeClr>
                 </a:solidFill>
               </a:rPr>
-              <a:t>       		 </a:t>
-            </a:r>
-            <a:r>
-              <a:rPr lang="en-US" sz="1600" dirty="0" smtClean="0">
+              <a:t>Step3:		We use describe() method and then transpose the  					</a:t>
+            </a:r>
+            <a:r>
+              <a:rPr lang="en-US" sz="1600" dirty="0" err="1">
                 <a:solidFill>
                   <a:schemeClr val="accent4">
                     <a:lumMod val="50000"/>
                   </a:schemeClr>
                 </a:solidFill>
               </a:rPr>
-              <a:t>Set </a:t>
+              <a:t>DataFrame</a:t>
             </a:r>
             <a:r>
               <a:rPr lang="en-US" sz="1600" dirty="0">
@@ -13869,7 +14142,7 @@
                   </a:schemeClr>
                 </a:solidFill>
               </a:rPr>
-              <a:t>not available values to 'coerce’.</a:t>
+              <a:t> Set.</a:t>
             </a:r>
             <a:br>
               <a:rPr lang="en-US" sz="1600" dirty="0">
@@ -13888,18 +14161,17 @@
                   </a:schemeClr>
                 </a:solidFill>
               </a:rPr>
-              <a:t>Step4:		</a:t>
-            </a:r>
-            <a:r>
-              <a:rPr lang="en-US" sz="1600" dirty="0" smtClean="0">
+              <a:t>Step4: 	Calculate IQR and remove outliers</a:t>
+            </a:r>
+            <a:br>
+              <a:rPr lang="en-US" sz="1600" dirty="0">
                 <a:solidFill>
                   <a:schemeClr val="accent4">
                     <a:lumMod val="50000"/>
                   </a:schemeClr>
                 </a:solidFill>
               </a:rPr>
-              <a:t>We use describe() method and then transpose </a:t>
-            </a:r>
+            </a:br>
             <a:r>
               <a:rPr lang="en-US" sz="1600" dirty="0">
                 <a:solidFill>
@@ -13908,124 +14180,7 @@
                   </a:schemeClr>
                 </a:solidFill>
               </a:rPr>
-              <a:t>the </a:t>
-            </a:r>
-            <a:r>
-              <a:rPr lang="en-US" sz="1600" dirty="0" smtClean="0">
-                <a:solidFill>
-                  <a:schemeClr val="accent4">
-                    <a:lumMod val="50000"/>
-                  </a:schemeClr>
-                </a:solidFill>
-              </a:rPr>
-              <a:t> 					</a:t>
-            </a:r>
-            <a:r>
-              <a:rPr lang="en-US" sz="1600" dirty="0" err="1" smtClean="0">
-                <a:solidFill>
-                  <a:schemeClr val="accent4">
-                    <a:lumMod val="50000"/>
-                  </a:schemeClr>
-                </a:solidFill>
-              </a:rPr>
-              <a:t>DataFrame</a:t>
-            </a:r>
-            <a:r>
-              <a:rPr lang="en-US" sz="1600" dirty="0" smtClean="0">
-                <a:solidFill>
-                  <a:schemeClr val="accent4">
-                    <a:lumMod val="50000"/>
-                  </a:schemeClr>
-                </a:solidFill>
-              </a:rPr>
-              <a:t> </a:t>
-            </a:r>
-            <a:r>
-              <a:rPr lang="en-US" sz="1600" dirty="0">
-                <a:solidFill>
-                  <a:schemeClr val="accent4">
-                    <a:lumMod val="50000"/>
-                  </a:schemeClr>
-                </a:solidFill>
-              </a:rPr>
-              <a:t>Set.</a:t>
-            </a:r>
-            <a:br>
-              <a:rPr lang="en-US" sz="1600" dirty="0">
-                <a:solidFill>
-                  <a:schemeClr val="accent4">
-                    <a:lumMod val="50000"/>
-                  </a:schemeClr>
-                </a:solidFill>
-              </a:rPr>
-            </a:br>
-            <a:r>
-              <a:rPr lang="en-US" sz="1600" dirty="0">
-                <a:solidFill>
-                  <a:schemeClr val="accent4">
-                    <a:lumMod val="50000"/>
-                  </a:schemeClr>
-                </a:solidFill>
-              </a:rPr>
-              <a:t>Step5: 		Calculate IQR and remove outliers</a:t>
-            </a:r>
-            <a:br>
-              <a:rPr lang="en-US" sz="1600" dirty="0">
-                <a:solidFill>
-                  <a:schemeClr val="accent4">
-                    <a:lumMod val="50000"/>
-                  </a:schemeClr>
-                </a:solidFill>
-              </a:rPr>
-            </a:br>
-            <a:r>
-              <a:rPr lang="en-US" sz="1600" dirty="0">
-                <a:solidFill>
-                  <a:schemeClr val="accent4">
-                    <a:lumMod val="50000"/>
-                  </a:schemeClr>
-                </a:solidFill>
-              </a:rPr>
-              <a:t>Step6: 	Data </a:t>
-            </a:r>
-            <a:r>
-              <a:rPr lang="en-US" sz="1600" dirty="0" smtClean="0">
-                <a:solidFill>
-                  <a:schemeClr val="accent4">
-                    <a:lumMod val="50000"/>
-                  </a:schemeClr>
-                </a:solidFill>
-              </a:rPr>
-              <a:t>visualization using Histogram.</a:t>
-            </a:r>
-            <a:r>
-              <a:rPr lang="en-US" sz="1600" dirty="0">
-                <a:solidFill>
-                  <a:schemeClr val="accent4">
-                    <a:lumMod val="50000"/>
-                  </a:schemeClr>
-                </a:solidFill>
-              </a:rPr>
-              <a:t/>
-            </a:r>
-            <a:br>
-              <a:rPr lang="en-US" sz="1600" dirty="0">
-                <a:solidFill>
-                  <a:schemeClr val="accent4">
-                    <a:lumMod val="50000"/>
-                  </a:schemeClr>
-                </a:solidFill>
-              </a:rPr>
-            </a:br>
-            <a:r>
-              <a:rPr lang="en-US" sz="1600" dirty="0">
-                <a:solidFill>
-                  <a:schemeClr val="accent4">
-                    <a:lumMod val="50000"/>
-                  </a:schemeClr>
-                </a:solidFill>
-              </a:rPr>
-              <a:t>Step7: 		End</a:t>
+              <a:t>Step5: 		Data visualization using Histogram.</a:t>
             </a:r>
           </a:p>
         </p:txBody>
@@ -14638,16 +14793,6 @@
                 </a:solidFill>
               </a:rPr>
             </a:br>
-            <a:r>
-              <a:rPr lang="en-US" b="1" dirty="0">
-                <a:solidFill>
-                  <a:schemeClr val="accent4">
-                    <a:lumMod val="50000"/>
-                  </a:schemeClr>
-                </a:solidFill>
-              </a:rPr>
-              <a:t/>
-            </a:r>
             <a:br>
               <a:rPr lang="en-US" b="1" dirty="0">
                 <a:solidFill>
@@ -14774,339 +14919,6 @@
           </a:p>
         </p:txBody>
       </p:sp>
-      <p:sp>
-        <p:nvSpPr>
-          <p:cNvPr id="261" name="Shape 261"/>
-          <p:cNvSpPr txBox="1">
-            <a:spLocks noGrp="1"/>
-          </p:cNvSpPr>
-          <p:nvPr>
-            <p:ph type="body" idx="4294967295"/>
-          </p:nvPr>
-        </p:nvSpPr>
-        <p:spPr>
-          <a:xfrm>
-            <a:off x="5029200" y="2647950"/>
-            <a:ext cx="4114800" cy="2046288"/>
-          </a:xfrm>
-          <a:prstGeom prst="rect">
-            <a:avLst/>
-          </a:prstGeom>
-          <a:noFill/>
-          <a:ln>
-            <a:noFill/>
-          </a:ln>
-        </p:spPr>
-        <p:txBody>
-          <a:bodyPr spcFirstLastPara="1" wrap="square" lIns="91425" tIns="91425" rIns="91425" bIns="91425" anchor="t" anchorCtr="0">
-            <a:noAutofit/>
-          </a:bodyPr>
-          <a:lstStyle/>
-          <a:p>
-            <a:pPr marL="0" marR="0" lvl="0" indent="0" algn="l" rtl="0">
-              <a:lnSpc>
-                <a:spcPct val="115000"/>
-              </a:lnSpc>
-              <a:spcBef>
-                <a:spcPts val="0"/>
-              </a:spcBef>
-              <a:spcAft>
-                <a:spcPts val="0"/>
-              </a:spcAft>
-              <a:buClr>
-                <a:schemeClr val="lt1"/>
-              </a:buClr>
-              <a:buSzPts val="1800"/>
-              <a:buFont typeface="Lato"/>
-              <a:buNone/>
-            </a:pPr>
-            <a:r>
-              <a:rPr lang="en" sz="1800" b="1" i="0" u="none" strike="noStrike" cap="none" dirty="0">
-                <a:solidFill>
-                  <a:schemeClr val="accent4">
-                    <a:lumMod val="75000"/>
-                  </a:schemeClr>
-                </a:solidFill>
-                <a:latin typeface="Montserrat"/>
-                <a:ea typeface="Montserrat"/>
-                <a:cs typeface="Montserrat"/>
-                <a:sym typeface="Montserrat"/>
-              </a:rPr>
-              <a:t>Submitted by:</a:t>
-            </a:r>
-            <a:endParaRPr sz="1300" b="0" i="0" u="none" strike="noStrike" cap="none" dirty="0">
-              <a:solidFill>
-                <a:schemeClr val="accent4">
-                  <a:lumMod val="75000"/>
-                </a:schemeClr>
-              </a:solidFill>
-              <a:latin typeface="Lato"/>
-              <a:ea typeface="Lato"/>
-              <a:cs typeface="Lato"/>
-              <a:sym typeface="Lato"/>
-            </a:endParaRPr>
-          </a:p>
-          <a:p>
-            <a:pPr marL="0" marR="0" lvl="0" indent="0" algn="l" rtl="0">
-              <a:lnSpc>
-                <a:spcPct val="115000"/>
-              </a:lnSpc>
-              <a:spcBef>
-                <a:spcPts val="0"/>
-              </a:spcBef>
-              <a:spcAft>
-                <a:spcPts val="0"/>
-              </a:spcAft>
-              <a:buClr>
-                <a:schemeClr val="lt1"/>
-              </a:buClr>
-              <a:buSzPts val="1800"/>
-              <a:buFont typeface="Lato"/>
-              <a:buNone/>
-            </a:pPr>
-            <a:r>
-              <a:rPr lang="en" sz="1800" b="0" i="0" u="none" strike="noStrike" cap="none" dirty="0">
-                <a:solidFill>
-                  <a:schemeClr val="accent4">
-                    <a:lumMod val="50000"/>
-                  </a:schemeClr>
-                </a:solidFill>
-                <a:latin typeface="Montserrat"/>
-                <a:ea typeface="Montserrat"/>
-                <a:cs typeface="Montserrat"/>
-                <a:sym typeface="Montserrat"/>
-              </a:rPr>
-              <a:t>Sai Navaneeth V – 1BG14IS041</a:t>
-            </a:r>
-            <a:endParaRPr sz="1300" b="0" i="0" u="none" strike="noStrike" cap="none" dirty="0">
-              <a:solidFill>
-                <a:schemeClr val="accent4">
-                  <a:lumMod val="50000"/>
-                </a:schemeClr>
-              </a:solidFill>
-              <a:latin typeface="Lato"/>
-              <a:ea typeface="Lato"/>
-              <a:cs typeface="Lato"/>
-              <a:sym typeface="Lato"/>
-            </a:endParaRPr>
-          </a:p>
-          <a:p>
-            <a:pPr marL="0" marR="0" lvl="0" indent="0" algn="l" rtl="0">
-              <a:lnSpc>
-                <a:spcPct val="115000"/>
-              </a:lnSpc>
-              <a:spcBef>
-                <a:spcPts val="0"/>
-              </a:spcBef>
-              <a:spcAft>
-                <a:spcPts val="0"/>
-              </a:spcAft>
-              <a:buClr>
-                <a:schemeClr val="lt1"/>
-              </a:buClr>
-              <a:buSzPts val="1800"/>
-              <a:buFont typeface="Lato"/>
-              <a:buNone/>
-            </a:pPr>
-            <a:r>
-              <a:rPr lang="en" sz="1800" b="0" i="0" u="none" strike="noStrike" cap="none" dirty="0">
-                <a:solidFill>
-                  <a:schemeClr val="accent4">
-                    <a:lumMod val="50000"/>
-                  </a:schemeClr>
-                </a:solidFill>
-                <a:latin typeface="Montserrat"/>
-                <a:ea typeface="Montserrat"/>
-                <a:cs typeface="Montserrat"/>
-                <a:sym typeface="Montserrat"/>
-              </a:rPr>
-              <a:t>Satish Kumar M S – 1BG14IS045</a:t>
-            </a:r>
-          </a:p>
-          <a:p>
-            <a:pPr marL="0" marR="0" lvl="0" indent="0" algn="l" rtl="0">
-              <a:lnSpc>
-                <a:spcPct val="115000"/>
-              </a:lnSpc>
-              <a:spcBef>
-                <a:spcPts val="0"/>
-              </a:spcBef>
-              <a:spcAft>
-                <a:spcPts val="0"/>
-              </a:spcAft>
-              <a:buClr>
-                <a:schemeClr val="lt1"/>
-              </a:buClr>
-              <a:buSzPts val="1800"/>
-              <a:buFont typeface="Lato"/>
-              <a:buNone/>
-            </a:pPr>
-            <a:r>
-              <a:rPr lang="nl-NL" sz="1800" dirty="0">
-                <a:solidFill>
-                  <a:srgbClr val="728653">
-                    <a:lumMod val="50000"/>
-                  </a:srgbClr>
-                </a:solidFill>
-                <a:latin typeface="Montserrat"/>
-                <a:ea typeface="Montserrat"/>
-                <a:cs typeface="Montserrat"/>
-                <a:sym typeface="Montserrat"/>
-              </a:rPr>
-              <a:t>Bhavana – 1BG14IS008</a:t>
-            </a:r>
-            <a:endParaRPr lang="nl-NL" sz="1300" dirty="0">
-              <a:solidFill>
-                <a:srgbClr val="728653">
-                  <a:lumMod val="50000"/>
-                </a:srgbClr>
-              </a:solidFill>
-              <a:latin typeface="Lato"/>
-              <a:ea typeface="Lato"/>
-              <a:cs typeface="Lato"/>
-              <a:sym typeface="Lato"/>
-            </a:endParaRPr>
-          </a:p>
-          <a:p>
-            <a:pPr marL="0" lvl="0" indent="0">
-              <a:lnSpc>
-                <a:spcPct val="115000"/>
-              </a:lnSpc>
-              <a:spcBef>
-                <a:spcPts val="0"/>
-              </a:spcBef>
-              <a:buClr>
-                <a:prstClr val="white"/>
-              </a:buClr>
-              <a:buSzPts val="1800"/>
-              <a:buNone/>
-            </a:pPr>
-            <a:r>
-              <a:rPr lang="nl-NL" sz="1800" dirty="0">
-                <a:solidFill>
-                  <a:srgbClr val="728653">
-                    <a:lumMod val="50000"/>
-                  </a:srgbClr>
-                </a:solidFill>
-                <a:latin typeface="Montserrat"/>
-                <a:ea typeface="Montserrat"/>
-                <a:cs typeface="Montserrat"/>
-                <a:sym typeface="Montserrat"/>
-              </a:rPr>
-              <a:t>H Sudhanva – 1BG14IS017</a:t>
-            </a:r>
-            <a:endParaRPr lang="nl-NL" sz="1300" dirty="0">
-              <a:solidFill>
-                <a:srgbClr val="728653">
-                  <a:lumMod val="50000"/>
-                </a:srgbClr>
-              </a:solidFill>
-              <a:latin typeface="Lato"/>
-              <a:ea typeface="Lato"/>
-              <a:cs typeface="Lato"/>
-              <a:sym typeface="Lato"/>
-            </a:endParaRPr>
-          </a:p>
-          <a:p>
-            <a:pPr marL="0" marR="0" lvl="0" indent="0" algn="l" rtl="0">
-              <a:lnSpc>
-                <a:spcPct val="115000"/>
-              </a:lnSpc>
-              <a:spcBef>
-                <a:spcPts val="0"/>
-              </a:spcBef>
-              <a:spcAft>
-                <a:spcPts val="0"/>
-              </a:spcAft>
-              <a:buClr>
-                <a:schemeClr val="lt1"/>
-              </a:buClr>
-              <a:buSzPts val="1800"/>
-              <a:buFont typeface="Lato"/>
-              <a:buNone/>
-            </a:pPr>
-            <a:endParaRPr sz="1300" b="0" i="0" u="none" strike="noStrike" cap="none" dirty="0">
-              <a:solidFill>
-                <a:schemeClr val="accent4">
-                  <a:lumMod val="50000"/>
-                </a:schemeClr>
-              </a:solidFill>
-              <a:latin typeface="Lato"/>
-              <a:ea typeface="Lato"/>
-              <a:cs typeface="Lato"/>
-              <a:sym typeface="Lato"/>
-            </a:endParaRPr>
-          </a:p>
-          <a:p>
-            <a:pPr marL="0" marR="0" lvl="0" indent="0" algn="l" rtl="0">
-              <a:lnSpc>
-                <a:spcPct val="115000"/>
-              </a:lnSpc>
-              <a:spcBef>
-                <a:spcPts val="0"/>
-              </a:spcBef>
-              <a:spcAft>
-                <a:spcPts val="0"/>
-              </a:spcAft>
-              <a:buClr>
-                <a:schemeClr val="lt1"/>
-              </a:buClr>
-              <a:buSzPts val="1400"/>
-              <a:buFont typeface="Lato"/>
-              <a:buNone/>
-            </a:pPr>
-            <a:endParaRPr sz="1400" b="0" i="0" u="none" strike="noStrike" cap="none" dirty="0">
-              <a:solidFill>
-                <a:schemeClr val="lt1"/>
-              </a:solidFill>
-              <a:latin typeface="Lato"/>
-              <a:ea typeface="Lato"/>
-              <a:cs typeface="Lato"/>
-              <a:sym typeface="Lato"/>
-            </a:endParaRPr>
-          </a:p>
-          <a:p>
-            <a:pPr marL="0" marR="0" lvl="0" indent="0" algn="l" rtl="0">
-              <a:lnSpc>
-                <a:spcPct val="115000"/>
-              </a:lnSpc>
-              <a:spcBef>
-                <a:spcPts val="0"/>
-              </a:spcBef>
-              <a:spcAft>
-                <a:spcPts val="0"/>
-              </a:spcAft>
-              <a:buClr>
-                <a:schemeClr val="lt1"/>
-              </a:buClr>
-              <a:buSzPts val="1400"/>
-              <a:buFont typeface="Lato"/>
-              <a:buNone/>
-            </a:pPr>
-            <a:r>
-              <a:rPr lang="en" sz="1400" b="0" i="0" u="none" strike="noStrike" cap="none" dirty="0">
-                <a:solidFill>
-                  <a:schemeClr val="lt1"/>
-                </a:solidFill>
-                <a:latin typeface="Lato"/>
-                <a:ea typeface="Lato"/>
-                <a:cs typeface="Lato"/>
-                <a:sym typeface="Lato"/>
-              </a:rPr>
-              <a:t> </a:t>
-            </a:r>
-            <a:endParaRPr sz="1300" b="0" i="0" u="none" strike="noStrike" cap="none" dirty="0">
-              <a:solidFill>
-                <a:schemeClr val="lt1"/>
-              </a:solidFill>
-              <a:latin typeface="Lato"/>
-              <a:ea typeface="Lato"/>
-              <a:cs typeface="Lato"/>
-              <a:sym typeface="Lato"/>
-            </a:endParaRPr>
-          </a:p>
-        </p:txBody>
-      </p:sp>
     </p:spTree>
   </p:cSld>
   <p:clrMapOvr>
@@ -15144,7 +14956,7 @@
         </p:nvSpPr>
         <p:spPr>
           <a:xfrm>
-            <a:off x="1944694" y="264882"/>
+            <a:off x="1626039" y="237172"/>
             <a:ext cx="6683765" cy="960668"/>
           </a:xfrm>
           <a:prstGeom prst="rect">
@@ -15212,7 +15024,7 @@
         </p:nvSpPr>
         <p:spPr>
           <a:xfrm>
-            <a:off x="1158876" y="1058035"/>
+            <a:off x="1158876" y="961053"/>
             <a:ext cx="7469583" cy="3820583"/>
           </a:xfrm>
           <a:prstGeom prst="rect">
@@ -15281,35 +15093,7 @@
                 <a:cs typeface="Montserrat"/>
                 <a:sym typeface="Montserrat"/>
               </a:rPr>
-              <a:t> </a:t>
-            </a:r>
-            <a:r>
-              <a:rPr lang="en-US" sz="1400" dirty="0" smtClean="0">
-                <a:solidFill>
-                  <a:schemeClr val="accent4">
-                    <a:lumMod val="50000"/>
-                  </a:schemeClr>
-                </a:solidFill>
-                <a:latin typeface="Montserrat"/>
-                <a:ea typeface="Montserrat"/>
-                <a:cs typeface="Montserrat"/>
-                <a:sym typeface="Montserrat"/>
-              </a:rPr>
-              <a:t>Creation </a:t>
-            </a:r>
-            <a:r>
-              <a:rPr lang="en-US" sz="1400" dirty="0">
-                <a:solidFill>
-                  <a:schemeClr val="accent4">
-                    <a:lumMod val="50000"/>
-                  </a:schemeClr>
-                </a:solidFill>
-                <a:latin typeface="Montserrat"/>
-                <a:ea typeface="Montserrat"/>
-                <a:cs typeface="Montserrat"/>
-                <a:sym typeface="Montserrat"/>
-              </a:rPr>
-              <a:t>of human-like intelligence.</a:t>
+              <a:t> Creation of human-like intelligence.</a:t>
             </a:r>
           </a:p>
           <a:p>
@@ -15337,10 +15121,24 @@
                 <a:cs typeface="Montserrat"/>
                 <a:sym typeface="Montserrat"/>
               </a:rPr>
-              <a:t> </a:t>
-            </a:r>
-            <a:r>
-              <a:rPr lang="en-US" sz="1400" dirty="0" smtClean="0">
+              <a:t> Learn, reason, plan, perceive, or process natural language. </a:t>
+            </a:r>
+          </a:p>
+          <a:p>
+            <a:pPr marL="914400" lvl="1" indent="-317500">
+              <a:lnSpc>
+                <a:spcPct val="150000"/>
+              </a:lnSpc>
+              <a:spcBef>
+                <a:spcPts val="0"/>
+              </a:spcBef>
+              <a:buClrTx/>
+              <a:buSzPts val="1400"/>
+              <a:buFont typeface="Arial" panose="020B0604020202020204" pitchFamily="34" charset="0"/>
+              <a:buChar char="•"/>
+            </a:pPr>
+            <a:r>
+              <a:rPr lang="en-US" sz="1400" dirty="0">
                 <a:solidFill>
                   <a:schemeClr val="accent4">
                     <a:lumMod val="50000"/>
@@ -15351,8 +15149,22 @@
                 <a:cs typeface="Montserrat"/>
                 <a:sym typeface="Montserrat"/>
               </a:rPr>
-              <a:t>Learn</a:t>
-            </a:r>
+              <a:t> Instructions that allow model to learn from data without step-by-step  instructions by the programmer.</a:t>
+            </a:r>
+          </a:p>
+          <a:p>
+            <a:pPr marL="457200" indent="-317500" algn="just">
+              <a:lnSpc>
+                <a:spcPct val="150000"/>
+              </a:lnSpc>
+              <a:spcBef>
+                <a:spcPts val="0"/>
+              </a:spcBef>
+              <a:buClrTx/>
+              <a:buSzPts val="1400"/>
+              <a:buFont typeface="Arial" panose="020B0604020202020204" pitchFamily="34" charset="0"/>
+              <a:buChar char="•"/>
+            </a:pPr>
             <a:r>
               <a:rPr lang="en-US" sz="1400" dirty="0">
                 <a:solidFill>
@@ -15365,10 +15177,24 @@
                 <a:cs typeface="Montserrat"/>
                 <a:sym typeface="Montserrat"/>
               </a:rPr>
-              <a:t>, reason, plan, perceive, or process natural language</a:t>
-            </a:r>
-            <a:r>
-              <a:rPr lang="en-US" sz="1400" dirty="0" smtClean="0">
+              <a:t>Data analytics </a:t>
+            </a:r>
+          </a:p>
+          <a:p>
+            <a:pPr marL="914400" lvl="1" indent="-317500" algn="just">
+              <a:lnSpc>
+                <a:spcPct val="150000"/>
+              </a:lnSpc>
+              <a:spcBef>
+                <a:spcPts val="0"/>
+              </a:spcBef>
+              <a:buClrTx/>
+              <a:buSzPts val="1400"/>
+              <a:buFont typeface="Arial" panose="020B0604020202020204" pitchFamily="34" charset="0"/>
+              <a:buChar char="•"/>
+            </a:pPr>
+            <a:r>
+              <a:rPr lang="en-US" sz="1400" dirty="0">
                 <a:solidFill>
                   <a:schemeClr val="accent4">
                     <a:lumMod val="50000"/>
@@ -15379,7 +15205,91 @@
                 <a:cs typeface="Montserrat"/>
                 <a:sym typeface="Montserrat"/>
               </a:rPr>
-              <a:t>. </a:t>
+              <a:t>Qualitative and quantitative techniques and processes</a:t>
+            </a:r>
+          </a:p>
+          <a:p>
+            <a:pPr marL="914400" lvl="1" indent="-317500" algn="just">
+              <a:lnSpc>
+                <a:spcPct val="150000"/>
+              </a:lnSpc>
+              <a:spcBef>
+                <a:spcPts val="0"/>
+              </a:spcBef>
+              <a:buClrTx/>
+              <a:buSzPts val="1400"/>
+              <a:buFont typeface="Arial" panose="020B0604020202020204" pitchFamily="34" charset="0"/>
+              <a:buChar char="•"/>
+            </a:pPr>
+            <a:r>
+              <a:rPr lang="en-US" sz="1400" dirty="0">
+                <a:solidFill>
+                  <a:schemeClr val="accent4">
+                    <a:lumMod val="50000"/>
+                  </a:schemeClr>
+                </a:solidFill>
+                <a:latin typeface="Montserrat"/>
+                <a:ea typeface="Montserrat"/>
+                <a:cs typeface="Montserrat"/>
+                <a:sym typeface="Montserrat"/>
+              </a:rPr>
+              <a:t>To enhance productivity and business gain.</a:t>
+            </a:r>
+          </a:p>
+          <a:p>
+            <a:pPr marL="914400" lvl="1" indent="-317500" algn="just">
+              <a:lnSpc>
+                <a:spcPct val="150000"/>
+              </a:lnSpc>
+              <a:spcBef>
+                <a:spcPts val="0"/>
+              </a:spcBef>
+              <a:buClrTx/>
+              <a:buSzPts val="1400"/>
+              <a:buFont typeface="Arial" panose="020B0604020202020204" pitchFamily="34" charset="0"/>
+              <a:buChar char="•"/>
+            </a:pPr>
+            <a:r>
+              <a:rPr lang="en-US" sz="1400" dirty="0">
+                <a:solidFill>
+                  <a:schemeClr val="accent4">
+                    <a:lumMod val="50000"/>
+                  </a:schemeClr>
+                </a:solidFill>
+                <a:latin typeface="Montserrat"/>
+                <a:ea typeface="Montserrat"/>
+                <a:cs typeface="Montserrat"/>
+                <a:sym typeface="Montserrat"/>
+              </a:rPr>
+              <a:t>Data is extracted and categorized to identify and analyze behavioral data and patterns.</a:t>
+            </a:r>
+          </a:p>
+          <a:p>
+            <a:pPr marL="457200" indent="-317500" algn="just">
+              <a:lnSpc>
+                <a:spcPct val="150000"/>
+              </a:lnSpc>
+              <a:spcBef>
+                <a:spcPts val="0"/>
+              </a:spcBef>
+              <a:buClrTx/>
+              <a:buSzPts val="1400"/>
+              <a:buFont typeface="Arial" panose="020B0604020202020204" pitchFamily="34" charset="0"/>
+              <a:buChar char="•"/>
+            </a:pPr>
+            <a:r>
+              <a:rPr lang="en-US" sz="1400" dirty="0">
+                <a:solidFill>
+                  <a:schemeClr val="accent4">
+                    <a:lumMod val="50000"/>
+                  </a:schemeClr>
+                </a:solidFill>
+                <a:latin typeface="Montserrat" panose="020B0604020202020204" charset="0"/>
+                <a:ea typeface="Montserrat"/>
+                <a:cs typeface="Arial" panose="020B0604020202020204" pitchFamily="34" charset="0"/>
+                <a:sym typeface="Times New Roman"/>
+              </a:rPr>
+              <a:t>Weather forecasting.</a:t>
             </a:r>
             <a:endParaRPr lang="en-US" sz="1400" dirty="0">
               <a:solidFill>
@@ -15387,298 +15297,10 @@
                   <a:lumMod val="50000"/>
                 </a:schemeClr>
               </a:solidFill>
-              <a:latin typeface="Montserrat"/>
+              <a:latin typeface="Montserrat" panose="020B0604020202020204" charset="0"/>
               <a:ea typeface="Montserrat"/>
-              <a:cs typeface="Montserrat"/>
+              <a:cs typeface="Arial" panose="020B0604020202020204" pitchFamily="34" charset="0"/>
               <a:sym typeface="Montserrat"/>
-            </a:endParaRPr>
-          </a:p>
-          <a:p>
-            <a:pPr marL="914400" lvl="1" indent="-317500">
-              <a:lnSpc>
-                <a:spcPct val="150000"/>
-              </a:lnSpc>
-              <a:spcBef>
-                <a:spcPts val="0"/>
-              </a:spcBef>
-              <a:buClrTx/>
-              <a:buSzPts val="1400"/>
-              <a:buFont typeface="Arial" panose="020B0604020202020204" pitchFamily="34" charset="0"/>
-              <a:buChar char="•"/>
-            </a:pPr>
-            <a:r>
-              <a:rPr lang="en-US" sz="1400" dirty="0">
-                <a:solidFill>
-                  <a:schemeClr val="accent4">
-                    <a:lumMod val="50000"/>
-                  </a:schemeClr>
-                </a:solidFill>
-                <a:latin typeface="Montserrat"/>
-                <a:ea typeface="Montserrat"/>
-                <a:cs typeface="Montserrat"/>
-                <a:sym typeface="Montserrat"/>
-              </a:rPr>
-              <a:t> </a:t>
-            </a:r>
-            <a:r>
-              <a:rPr lang="en-US" sz="1400" dirty="0" smtClean="0">
-                <a:solidFill>
-                  <a:schemeClr val="accent4">
-                    <a:lumMod val="50000"/>
-                  </a:schemeClr>
-                </a:solidFill>
-                <a:latin typeface="Montserrat"/>
-                <a:ea typeface="Montserrat"/>
-                <a:cs typeface="Montserrat"/>
-                <a:sym typeface="Montserrat"/>
-              </a:rPr>
-              <a:t>Instructions </a:t>
-            </a:r>
-            <a:r>
-              <a:rPr lang="en-US" sz="1400" dirty="0">
-                <a:solidFill>
-                  <a:schemeClr val="accent4">
-                    <a:lumMod val="50000"/>
-                  </a:schemeClr>
-                </a:solidFill>
-                <a:latin typeface="Montserrat"/>
-                <a:ea typeface="Montserrat"/>
-                <a:cs typeface="Montserrat"/>
-                <a:sym typeface="Montserrat"/>
-              </a:rPr>
-              <a:t>that allow model to learn from data without </a:t>
-            </a:r>
-            <a:r>
-              <a:rPr lang="en-US" sz="1400" dirty="0" smtClean="0">
-                <a:solidFill>
-                  <a:schemeClr val="accent4">
-                    <a:lumMod val="50000"/>
-                  </a:schemeClr>
-                </a:solidFill>
-                <a:latin typeface="Montserrat"/>
-                <a:ea typeface="Montserrat"/>
-                <a:cs typeface="Montserrat"/>
-                <a:sym typeface="Montserrat"/>
-              </a:rPr>
-              <a:t>step-by-step  instructions </a:t>
-            </a:r>
-            <a:r>
-              <a:rPr lang="en-US" sz="1400" dirty="0">
-                <a:solidFill>
-                  <a:schemeClr val="accent4">
-                    <a:lumMod val="50000"/>
-                  </a:schemeClr>
-                </a:solidFill>
-                <a:latin typeface="Montserrat"/>
-                <a:ea typeface="Montserrat"/>
-                <a:cs typeface="Montserrat"/>
-                <a:sym typeface="Montserrat"/>
-              </a:rPr>
-              <a:t>by the programmer.</a:t>
-            </a:r>
-          </a:p>
-          <a:p>
-            <a:pPr marL="457200" lvl="0" indent="-317500" algn="just">
-              <a:lnSpc>
-                <a:spcPct val="150000"/>
-              </a:lnSpc>
-              <a:spcBef>
-                <a:spcPts val="0"/>
-              </a:spcBef>
-              <a:buClrTx/>
-              <a:buSzPts val="1400"/>
-              <a:buFont typeface="Arial" panose="020B0604020202020204" pitchFamily="34" charset="0"/>
-              <a:buChar char="•"/>
-            </a:pPr>
-            <a:r>
-              <a:rPr lang="en-US" sz="1400" dirty="0">
-                <a:solidFill>
-                  <a:schemeClr val="accent4">
-                    <a:lumMod val="50000"/>
-                  </a:schemeClr>
-                </a:solidFill>
-                <a:latin typeface="Montserrat"/>
-                <a:ea typeface="Montserrat"/>
-                <a:cs typeface="Montserrat"/>
-                <a:sym typeface="Montserrat"/>
-              </a:rPr>
-              <a:t>Data </a:t>
-            </a:r>
-            <a:r>
-              <a:rPr lang="en-US" sz="1400" dirty="0" smtClean="0">
-                <a:solidFill>
-                  <a:schemeClr val="accent4">
-                    <a:lumMod val="50000"/>
-                  </a:schemeClr>
-                </a:solidFill>
-                <a:latin typeface="Montserrat"/>
-                <a:ea typeface="Montserrat"/>
-                <a:cs typeface="Montserrat"/>
-                <a:sym typeface="Montserrat"/>
-              </a:rPr>
-              <a:t>analytics </a:t>
-            </a:r>
-            <a:endParaRPr lang="en-US" sz="1400" dirty="0">
-              <a:solidFill>
-                <a:schemeClr val="accent4">
-                  <a:lumMod val="50000"/>
-                </a:schemeClr>
-              </a:solidFill>
-              <a:latin typeface="Montserrat"/>
-              <a:ea typeface="Montserrat"/>
-              <a:cs typeface="Montserrat"/>
-              <a:sym typeface="Montserrat"/>
-            </a:endParaRPr>
-          </a:p>
-          <a:p>
-            <a:pPr marL="914400" lvl="1" indent="-317500" algn="just">
-              <a:lnSpc>
-                <a:spcPct val="150000"/>
-              </a:lnSpc>
-              <a:spcBef>
-                <a:spcPts val="0"/>
-              </a:spcBef>
-              <a:buClrTx/>
-              <a:buSzPts val="1400"/>
-              <a:buFont typeface="Arial" panose="020B0604020202020204" pitchFamily="34" charset="0"/>
-              <a:buChar char="•"/>
-            </a:pPr>
-            <a:r>
-              <a:rPr lang="en-US" sz="1400" dirty="0" smtClean="0">
-                <a:solidFill>
-                  <a:schemeClr val="accent4">
-                    <a:lumMod val="50000"/>
-                  </a:schemeClr>
-                </a:solidFill>
-                <a:latin typeface="Montserrat"/>
-                <a:ea typeface="Montserrat"/>
-                <a:cs typeface="Montserrat"/>
-                <a:sym typeface="Montserrat"/>
-              </a:rPr>
-              <a:t>Qualitative </a:t>
-            </a:r>
-            <a:r>
-              <a:rPr lang="en-US" sz="1400" dirty="0">
-                <a:solidFill>
-                  <a:schemeClr val="accent4">
-                    <a:lumMod val="50000"/>
-                  </a:schemeClr>
-                </a:solidFill>
-                <a:latin typeface="Montserrat"/>
-                <a:ea typeface="Montserrat"/>
-                <a:cs typeface="Montserrat"/>
-                <a:sym typeface="Montserrat"/>
-              </a:rPr>
-              <a:t>and quantitative techniques and processes</a:t>
-            </a:r>
-          </a:p>
-          <a:p>
-            <a:pPr marL="914400" lvl="1" indent="-317500" algn="just">
-              <a:lnSpc>
-                <a:spcPct val="150000"/>
-              </a:lnSpc>
-              <a:spcBef>
-                <a:spcPts val="0"/>
-              </a:spcBef>
-              <a:buClrTx/>
-              <a:buSzPts val="1400"/>
-              <a:buFont typeface="Arial" panose="020B0604020202020204" pitchFamily="34" charset="0"/>
-              <a:buChar char="•"/>
-            </a:pPr>
-            <a:r>
-              <a:rPr lang="en-US" sz="1400" dirty="0">
-                <a:solidFill>
-                  <a:schemeClr val="accent4">
-                    <a:lumMod val="50000"/>
-                  </a:schemeClr>
-                </a:solidFill>
-                <a:latin typeface="Montserrat"/>
-                <a:ea typeface="Montserrat"/>
-                <a:cs typeface="Montserrat"/>
-                <a:sym typeface="Montserrat"/>
-              </a:rPr>
-              <a:t>T</a:t>
-            </a:r>
-            <a:r>
-              <a:rPr lang="en-US" sz="1400" dirty="0" smtClean="0">
-                <a:solidFill>
-                  <a:schemeClr val="accent4">
-                    <a:lumMod val="50000"/>
-                  </a:schemeClr>
-                </a:solidFill>
-                <a:latin typeface="Montserrat"/>
-                <a:ea typeface="Montserrat"/>
-                <a:cs typeface="Montserrat"/>
-                <a:sym typeface="Montserrat"/>
-              </a:rPr>
-              <a:t>o </a:t>
-            </a:r>
-            <a:r>
-              <a:rPr lang="en-US" sz="1400" dirty="0">
-                <a:solidFill>
-                  <a:schemeClr val="accent4">
-                    <a:lumMod val="50000"/>
-                  </a:schemeClr>
-                </a:solidFill>
-                <a:latin typeface="Montserrat"/>
-                <a:ea typeface="Montserrat"/>
-                <a:cs typeface="Montserrat"/>
-                <a:sym typeface="Montserrat"/>
-              </a:rPr>
-              <a:t>enhance productivity and business gain.</a:t>
-            </a:r>
-          </a:p>
-          <a:p>
-            <a:pPr marL="914400" lvl="1" indent="-317500" algn="just">
-              <a:lnSpc>
-                <a:spcPct val="150000"/>
-              </a:lnSpc>
-              <a:spcBef>
-                <a:spcPts val="0"/>
-              </a:spcBef>
-              <a:buClrTx/>
-              <a:buSzPts val="1400"/>
-              <a:buFont typeface="Arial" panose="020B0604020202020204" pitchFamily="34" charset="0"/>
-              <a:buChar char="•"/>
-            </a:pPr>
-            <a:r>
-              <a:rPr lang="en-US" sz="1400" dirty="0" smtClean="0">
-                <a:solidFill>
-                  <a:schemeClr val="accent4">
-                    <a:lumMod val="50000"/>
-                  </a:schemeClr>
-                </a:solidFill>
-                <a:latin typeface="Montserrat"/>
-                <a:ea typeface="Montserrat"/>
-                <a:cs typeface="Montserrat"/>
-                <a:sym typeface="Montserrat"/>
-              </a:rPr>
-              <a:t>Data </a:t>
-            </a:r>
-            <a:r>
-              <a:rPr lang="en-US" sz="1400" dirty="0">
-                <a:solidFill>
-                  <a:schemeClr val="accent4">
-                    <a:lumMod val="50000"/>
-                  </a:schemeClr>
-                </a:solidFill>
-                <a:latin typeface="Montserrat"/>
-                <a:ea typeface="Montserrat"/>
-                <a:cs typeface="Montserrat"/>
-                <a:sym typeface="Montserrat"/>
-              </a:rPr>
-              <a:t>is extracted and categorized to identify and analyze behavioral data and patterns.</a:t>
-            </a:r>
-            <a:endParaRPr lang="en-US" sz="1400" dirty="0">
-              <a:solidFill>
-                <a:schemeClr val="accent4">
-                  <a:lumMod val="50000"/>
-                </a:schemeClr>
-              </a:solidFill>
-              <a:latin typeface="Times New Roman"/>
-              <a:ea typeface="Times New Roman"/>
-              <a:cs typeface="Times New Roman"/>
-              <a:sym typeface="Times New Roman"/>
             </a:endParaRPr>
           </a:p>
         </p:txBody>
@@ -15701,7 +15323,7 @@
   <p:cSld>
     <p:spTree>
       <p:nvGrpSpPr>
-        <p:cNvPr id="1" name="Shape 151"/>
+        <p:cNvPr id="1" name="Shape 189"/>
         <p:cNvGrpSpPr/>
         <p:nvPr/>
       </p:nvGrpSpPr>
@@ -15715,18 +15337,86 @@
       </p:grpSpPr>
       <p:sp>
         <p:nvSpPr>
-          <p:cNvPr id="152" name="Shape 152"/>
+          <p:cNvPr id="190" name="Shape 190"/>
           <p:cNvSpPr txBox="1">
             <a:spLocks noGrp="1"/>
           </p:cNvSpPr>
           <p:nvPr>
-            <p:ph type="body" idx="1"/>
+            <p:ph type="title"/>
           </p:nvPr>
         </p:nvSpPr>
         <p:spPr>
           <a:xfrm>
-            <a:off x="1140700" y="660150"/>
-            <a:ext cx="7038900" cy="3823200"/>
+            <a:off x="1995494" y="256415"/>
+            <a:ext cx="6683765" cy="960668"/>
+          </a:xfrm>
+          <a:prstGeom prst="rect">
+            <a:avLst/>
+          </a:prstGeom>
+          <a:noFill/>
+          <a:ln>
+            <a:noFill/>
+          </a:ln>
+        </p:spPr>
+        <p:txBody>
+          <a:bodyPr spcFirstLastPara="1" wrap="square" lIns="91425" tIns="91425" rIns="91425" bIns="91425" anchor="ctr" anchorCtr="0">
+            <a:noAutofit/>
+          </a:bodyPr>
+          <a:lstStyle/>
+          <a:p>
+            <a:pPr lvl="0">
+              <a:spcBef>
+                <a:spcPts val="0"/>
+              </a:spcBef>
+              <a:buClr>
+                <a:schemeClr val="lt1"/>
+              </a:buClr>
+              <a:buSzPts val="2400"/>
+            </a:pPr>
+            <a:r>
+              <a:rPr lang="en" sz="2400" dirty="0">
+                <a:solidFill>
+                  <a:schemeClr val="accent1">
+                    <a:lumMod val="60000"/>
+                    <a:lumOff val="40000"/>
+                  </a:schemeClr>
+                </a:solidFill>
+                <a:latin typeface="Montserrat"/>
+                <a:ea typeface="Montserrat"/>
+                <a:cs typeface="Montserrat"/>
+                <a:sym typeface="Montserrat"/>
+              </a:rPr>
+              <a:t>Problem statement</a:t>
+            </a:r>
+            <a:endParaRPr sz="2400" b="0" i="0" u="none" strike="noStrike" cap="none" dirty="0">
+              <a:solidFill>
+                <a:schemeClr val="accent1">
+                  <a:lumMod val="60000"/>
+                  <a:lumOff val="40000"/>
+                </a:schemeClr>
+              </a:solidFill>
+              <a:latin typeface="Montserrat"/>
+              <a:ea typeface="Montserrat"/>
+              <a:cs typeface="Montserrat"/>
+              <a:sym typeface="Montserrat"/>
+            </a:endParaRPr>
+          </a:p>
+        </p:txBody>
+      </p:sp>
+      <p:sp>
+        <p:nvSpPr>
+          <p:cNvPr id="191" name="Shape 191"/>
+          <p:cNvSpPr txBox="1">
+            <a:spLocks noGrp="1"/>
+          </p:cNvSpPr>
+          <p:nvPr>
+            <p:ph type="body" idx="4294967295"/>
+          </p:nvPr>
+        </p:nvSpPr>
+        <p:spPr>
+          <a:xfrm>
+            <a:off x="1522942" y="1428750"/>
+            <a:ext cx="6664325" cy="3079750"/>
           </a:xfrm>
           <a:prstGeom prst="rect">
             <a:avLst/>
@@ -15742,23 +15432,21 @@
           </a:bodyPr>
           <a:lstStyle/>
           <a:p>
-            <a:pPr marL="457200" marR="0" lvl="0" indent="-317500" algn="just" rtl="0">
+            <a:pPr marL="139700" lvl="0" indent="0" algn="just">
               <a:lnSpc>
                 <a:spcPct val="150000"/>
               </a:lnSpc>
               <a:spcBef>
-                <a:spcPts val="355"/>
+                <a:spcPts val="0"/>
               </a:spcBef>
-              <a:spcAft>
-                <a:spcPts val="0"/>
-              </a:spcAft>
-              <a:buClrTx/>
+              <a:buClr>
+                <a:schemeClr val="lt1"/>
+              </a:buClr>
               <a:buSzPts val="1400"/>
-              <a:buFont typeface="Arial" panose="020B0604020202020204" pitchFamily="34" charset="0"/>
-              <a:buChar char="•"/>
+              <a:buNone/>
             </a:pPr>
             <a:r>
-              <a:rPr lang="en" sz="1400" b="0" i="0" u="none" strike="noStrike" cap="none" dirty="0">
+              <a:rPr lang="en-US" sz="1800" dirty="0">
                 <a:solidFill>
                   <a:schemeClr val="accent4">
                     <a:lumMod val="50000"/>
@@ -15769,335 +15457,31 @@
                 <a:cs typeface="Montserrat"/>
                 <a:sym typeface="Montserrat"/>
               </a:rPr>
-              <a:t>Weather </a:t>
-            </a:r>
-            <a:r>
-              <a:rPr lang="en" sz="1400" b="0" i="0" u="none" strike="noStrike" cap="none" dirty="0" smtClean="0">
-                <a:solidFill>
-                  <a:schemeClr val="accent4">
-                    <a:lumMod val="50000"/>
-                  </a:schemeClr>
-                </a:solidFill>
-                <a:latin typeface="Montserrat"/>
-                <a:ea typeface="Montserrat"/>
-                <a:cs typeface="Montserrat"/>
-                <a:sym typeface="Montserrat"/>
-              </a:rPr>
-              <a:t>- forecast.</a:t>
-            </a:r>
-            <a:endParaRPr sz="1400" b="0" i="0" u="none" strike="noStrike" cap="none" dirty="0">
+              <a:t>To study the correlation between sea surface temperature to corresponding coastal temperature by implementing supervised machine learning algorithm on the available dataset and to forecast the weather conditions.</a:t>
+            </a:r>
+            <a:endParaRPr lang="en-US" sz="1800" dirty="0">
               <a:solidFill>
                 <a:schemeClr val="accent4">
                   <a:lumMod val="50000"/>
                 </a:schemeClr>
               </a:solidFill>
-              <a:latin typeface="Montserrat"/>
-              <a:ea typeface="Montserrat"/>
-              <a:cs typeface="Montserrat"/>
-              <a:sym typeface="Montserrat"/>
+              <a:latin typeface="Times New Roman"/>
+              <a:ea typeface="Times New Roman"/>
+              <a:cs typeface="Times New Roman"/>
+              <a:sym typeface="Times New Roman"/>
             </a:endParaRPr>
           </a:p>
           <a:p>
-            <a:pPr marL="457200" marR="0" lvl="0" indent="-317500" algn="just" rtl="0">
-              <a:lnSpc>
-                <a:spcPct val="150000"/>
-              </a:lnSpc>
+            <a:pPr marL="0" indent="0">
               <a:spcBef>
-                <a:spcPts val="355"/>
+                <a:spcPts val="400"/>
               </a:spcBef>
-              <a:spcAft>
-                <a:spcPts val="0"/>
-              </a:spcAft>
-              <a:buClrTx/>
               <a:buSzPts val="1400"/>
-              <a:buFont typeface="Arial" panose="020B0604020202020204" pitchFamily="34" charset="0"/>
-              <a:buChar char="•"/>
+              <a:buNone/>
             </a:pPr>
-            <a:r>
-              <a:rPr lang="en" sz="1400" b="0" i="0" u="none" strike="noStrike" cap="none" dirty="0">
-                <a:solidFill>
-                  <a:schemeClr val="accent4">
-                    <a:lumMod val="50000"/>
-                  </a:schemeClr>
-                </a:solidFill>
-                <a:latin typeface="Montserrat"/>
-                <a:ea typeface="Montserrat"/>
-                <a:cs typeface="Montserrat"/>
-                <a:sym typeface="Montserrat"/>
-              </a:rPr>
-              <a:t>The application of science and technology are to predict the state of the atmosphere in future time.</a:t>
-            </a:r>
-            <a:endParaRPr sz="1400" b="0" i="0" u="none" strike="noStrike" cap="none" dirty="0">
+            <a:endParaRPr lang="en-US" sz="1600" dirty="0">
               <a:solidFill>
-                <a:schemeClr val="accent4">
-                  <a:lumMod val="50000"/>
-                </a:schemeClr>
-              </a:solidFill>
-              <a:latin typeface="Montserrat"/>
-              <a:ea typeface="Montserrat"/>
-              <a:cs typeface="Montserrat"/>
-              <a:sym typeface="Montserrat"/>
-            </a:endParaRPr>
-          </a:p>
-          <a:p>
-            <a:pPr marL="457200" marR="0" lvl="0" indent="-317500" algn="just" rtl="0">
-              <a:lnSpc>
-                <a:spcPct val="150000"/>
-              </a:lnSpc>
-              <a:spcBef>
-                <a:spcPts val="355"/>
-              </a:spcBef>
-              <a:spcAft>
-                <a:spcPts val="0"/>
-              </a:spcAft>
-              <a:buClrTx/>
-              <a:buSzPts val="1400"/>
-              <a:buFont typeface="Arial" panose="020B0604020202020204" pitchFamily="34" charset="0"/>
-              <a:buChar char="•"/>
-            </a:pPr>
-            <a:r>
-              <a:rPr lang="en" sz="1400" dirty="0">
-                <a:solidFill>
-                  <a:schemeClr val="accent4">
-                    <a:lumMod val="50000"/>
-                  </a:schemeClr>
-                </a:solidFill>
-                <a:latin typeface="Montserrat"/>
-                <a:ea typeface="Montserrat"/>
-                <a:cs typeface="Montserrat"/>
-                <a:sym typeface="Montserrat"/>
-              </a:rPr>
-              <a:t>E</a:t>
-            </a:r>
-            <a:r>
-              <a:rPr lang="en" sz="1400" b="0" i="0" u="none" strike="noStrike" cap="none" dirty="0" smtClean="0">
-                <a:solidFill>
-                  <a:schemeClr val="accent4">
-                    <a:lumMod val="50000"/>
-                  </a:schemeClr>
-                </a:solidFill>
-                <a:latin typeface="Montserrat"/>
-                <a:ea typeface="Montserrat"/>
-                <a:cs typeface="Montserrat"/>
-                <a:sym typeface="Montserrat"/>
-              </a:rPr>
-              <a:t>ffects </a:t>
-            </a:r>
-            <a:r>
-              <a:rPr lang="en" sz="1400" b="0" i="0" u="none" strike="noStrike" cap="none" dirty="0">
-                <a:solidFill>
-                  <a:schemeClr val="accent4">
-                    <a:lumMod val="50000"/>
-                  </a:schemeClr>
-                </a:solidFill>
-                <a:latin typeface="Montserrat"/>
-                <a:ea typeface="Montserrat"/>
-                <a:cs typeface="Montserrat"/>
-                <a:sym typeface="Montserrat"/>
-              </a:rPr>
-              <a:t>on human life and </a:t>
-            </a:r>
-            <a:r>
-              <a:rPr lang="en" sz="1400" b="0" i="0" u="none" strike="noStrike" cap="none" dirty="0" smtClean="0">
-                <a:solidFill>
-                  <a:schemeClr val="accent4">
-                    <a:lumMod val="50000"/>
-                  </a:schemeClr>
-                </a:solidFill>
-                <a:latin typeface="Montserrat"/>
-                <a:ea typeface="Montserrat"/>
-                <a:cs typeface="Montserrat"/>
-                <a:sym typeface="Montserrat"/>
-              </a:rPr>
-              <a:t>property.</a:t>
-            </a:r>
-            <a:endParaRPr lang="en" sz="1400" dirty="0">
-              <a:solidFill>
-                <a:schemeClr val="accent4">
-                  <a:lumMod val="50000"/>
-                </a:schemeClr>
-              </a:solidFill>
-              <a:latin typeface="Montserrat"/>
-              <a:ea typeface="Montserrat"/>
-              <a:cs typeface="Montserrat"/>
-              <a:sym typeface="Montserrat"/>
-            </a:endParaRPr>
-          </a:p>
-          <a:p>
-            <a:pPr marL="457200" marR="0" lvl="0" indent="-317500" algn="just" rtl="0">
-              <a:lnSpc>
-                <a:spcPct val="150000"/>
-              </a:lnSpc>
-              <a:spcBef>
-                <a:spcPts val="355"/>
-              </a:spcBef>
-              <a:spcAft>
-                <a:spcPts val="0"/>
-              </a:spcAft>
-              <a:buClrTx/>
-              <a:buSzPts val="1400"/>
-              <a:buFont typeface="Arial" panose="020B0604020202020204" pitchFamily="34" charset="0"/>
-              <a:buChar char="•"/>
-            </a:pPr>
-            <a:r>
-              <a:rPr lang="en" sz="1400" dirty="0">
-                <a:solidFill>
-                  <a:schemeClr val="accent4">
-                    <a:lumMod val="50000"/>
-                  </a:schemeClr>
-                </a:solidFill>
-                <a:latin typeface="Montserrat"/>
-                <a:ea typeface="Montserrat"/>
-                <a:cs typeface="Montserrat"/>
-                <a:sym typeface="Montserrat"/>
-              </a:rPr>
-              <a:t>S</a:t>
-            </a:r>
-            <a:r>
-              <a:rPr lang="en" sz="1400" b="0" i="0" u="none" strike="noStrike" cap="none" dirty="0" smtClean="0">
-                <a:solidFill>
-                  <a:schemeClr val="accent4">
-                    <a:lumMod val="50000"/>
-                  </a:schemeClr>
-                </a:solidFill>
-                <a:latin typeface="Montserrat"/>
-                <a:ea typeface="Montserrat"/>
-                <a:cs typeface="Montserrat"/>
-                <a:sym typeface="Montserrat"/>
-              </a:rPr>
-              <a:t>cientific </a:t>
-            </a:r>
-            <a:r>
-              <a:rPr lang="en" sz="1400" b="0" i="0" u="none" strike="noStrike" cap="none" dirty="0">
-                <a:solidFill>
-                  <a:schemeClr val="accent4">
-                    <a:lumMod val="50000"/>
-                  </a:schemeClr>
-                </a:solidFill>
-                <a:latin typeface="Montserrat"/>
-                <a:ea typeface="Montserrat"/>
-                <a:cs typeface="Montserrat"/>
-                <a:sym typeface="Montserrat"/>
-              </a:rPr>
-              <a:t>understanding of atmospheric </a:t>
-            </a:r>
-            <a:r>
-              <a:rPr lang="en" sz="1400" b="0" i="0" u="none" strike="noStrike" cap="none" dirty="0" smtClean="0">
-                <a:solidFill>
-                  <a:schemeClr val="accent4">
-                    <a:lumMod val="50000"/>
-                  </a:schemeClr>
-                </a:solidFill>
-                <a:latin typeface="Montserrat"/>
-                <a:ea typeface="Montserrat"/>
-                <a:cs typeface="Montserrat"/>
-                <a:sym typeface="Montserrat"/>
-              </a:rPr>
-              <a:t>processes</a:t>
-            </a:r>
-            <a:endParaRPr sz="1400" b="0" i="0" u="none" strike="noStrike" cap="none" dirty="0">
-              <a:solidFill>
-                <a:schemeClr val="accent4">
-                  <a:lumMod val="50000"/>
-                </a:schemeClr>
-              </a:solidFill>
-              <a:latin typeface="Montserrat"/>
-              <a:ea typeface="Montserrat"/>
-              <a:cs typeface="Montserrat"/>
-              <a:sym typeface="Montserrat"/>
-            </a:endParaRPr>
-          </a:p>
-          <a:p>
-            <a:pPr marL="457200" marR="0" lvl="0" indent="-317500" algn="just" rtl="0">
-              <a:lnSpc>
-                <a:spcPct val="150000"/>
-              </a:lnSpc>
-              <a:spcBef>
-                <a:spcPts val="355"/>
-              </a:spcBef>
-              <a:spcAft>
-                <a:spcPts val="355"/>
-              </a:spcAft>
-              <a:buClrTx/>
-              <a:buSzPts val="1400"/>
-              <a:buFont typeface="Arial" panose="020B0604020202020204" pitchFamily="34" charset="0"/>
-              <a:buChar char="•"/>
-            </a:pPr>
-            <a:r>
-              <a:rPr lang="en" sz="1400" dirty="0">
-                <a:solidFill>
-                  <a:schemeClr val="accent4">
-                    <a:lumMod val="50000"/>
-                  </a:schemeClr>
-                </a:solidFill>
-                <a:latin typeface="Montserrat"/>
-                <a:ea typeface="Montserrat"/>
-                <a:cs typeface="Montserrat"/>
-                <a:sym typeface="Montserrat"/>
-              </a:rPr>
-              <a:t>C</a:t>
-            </a:r>
-            <a:r>
-              <a:rPr lang="en" sz="1400" b="0" i="0" u="none" strike="noStrike" cap="none" dirty="0" smtClean="0">
-                <a:solidFill>
-                  <a:schemeClr val="accent4">
-                    <a:lumMod val="50000"/>
-                  </a:schemeClr>
-                </a:solidFill>
-                <a:latin typeface="Montserrat"/>
-                <a:ea typeface="Montserrat"/>
-                <a:cs typeface="Montserrat"/>
-                <a:sym typeface="Montserrat"/>
-              </a:rPr>
-              <a:t>haotic </a:t>
-            </a:r>
-            <a:r>
-              <a:rPr lang="en" sz="1400" b="0" i="0" u="none" strike="noStrike" cap="none" dirty="0">
-                <a:solidFill>
-                  <a:schemeClr val="accent4">
-                    <a:lumMod val="50000"/>
-                  </a:schemeClr>
-                </a:solidFill>
-                <a:latin typeface="Montserrat"/>
-                <a:ea typeface="Montserrat"/>
-                <a:cs typeface="Montserrat"/>
-                <a:sym typeface="Montserrat"/>
-              </a:rPr>
-              <a:t>nature of </a:t>
-            </a:r>
-            <a:r>
-              <a:rPr lang="en" sz="1400" b="0" i="0" u="none" strike="noStrike" cap="none">
-                <a:solidFill>
-                  <a:schemeClr val="accent4">
-                    <a:lumMod val="50000"/>
-                  </a:schemeClr>
-                </a:solidFill>
-                <a:latin typeface="Montserrat"/>
-                <a:ea typeface="Montserrat"/>
-                <a:cs typeface="Montserrat"/>
-                <a:sym typeface="Montserrat"/>
-              </a:rPr>
-              <a:t>the </a:t>
-            </a:r>
-            <a:r>
-              <a:rPr lang="en" sz="1400" b="0" i="0" u="none" strike="noStrike" cap="none" smtClean="0">
-                <a:solidFill>
-                  <a:schemeClr val="accent4">
-                    <a:lumMod val="50000"/>
-                  </a:schemeClr>
-                </a:solidFill>
-                <a:latin typeface="Montserrat"/>
-                <a:ea typeface="Montserrat"/>
-                <a:cs typeface="Montserrat"/>
-                <a:sym typeface="Montserrat"/>
-              </a:rPr>
-              <a:t>atmosphere.</a:t>
-            </a:r>
-            <a:endParaRPr sz="1400" b="0" i="0" u="none" strike="noStrike" cap="none" dirty="0">
-              <a:solidFill>
-                <a:schemeClr val="accent4">
-                  <a:lumMod val="50000"/>
-                </a:schemeClr>
+                <a:schemeClr val="tx1"/>
               </a:solidFill>
               <a:latin typeface="Montserrat"/>
               <a:ea typeface="Montserrat"/>
@@ -16144,7 +15528,7 @@
         </p:nvSpPr>
         <p:spPr>
           <a:xfrm>
-            <a:off x="1995494" y="256415"/>
+            <a:off x="1961628" y="247949"/>
             <a:ext cx="6683765" cy="960668"/>
           </a:xfrm>
           <a:prstGeom prst="rect">
@@ -16161,17 +15545,25 @@
           </a:bodyPr>
           <a:lstStyle/>
           <a:p>
-            <a:pPr lvl="0">
+            <a:pPr marL="0" marR="0" lvl="0" indent="0" algn="l" rtl="0">
+              <a:lnSpc>
+                <a:spcPct val="100000"/>
+              </a:lnSpc>
               <a:spcBef>
                 <a:spcPts val="0"/>
               </a:spcBef>
+              <a:spcAft>
+                <a:spcPts val="0"/>
+              </a:spcAft>
               <a:buClr>
                 <a:schemeClr val="lt1"/>
               </a:buClr>
               <a:buSzPts val="2400"/>
+              <a:buFont typeface="Montserrat"/>
+              <a:buNone/>
             </a:pPr>
             <a:r>
-              <a:rPr lang="en" sz="2400" dirty="0">
+              <a:rPr lang="en" sz="2400" b="0" i="0" u="none" strike="noStrike" cap="none" dirty="0">
                 <a:solidFill>
                   <a:schemeClr val="accent1">
                     <a:lumMod val="60000"/>
@@ -16183,7 +15575,7 @@
                 <a:cs typeface="Montserrat"/>
                 <a:sym typeface="Montserrat"/>
               </a:rPr>
-              <a:t>Problem statement</a:t>
+              <a:t>Motivation</a:t>
             </a:r>
             <a:endParaRPr sz="2400" b="0" i="0" u="none" strike="noStrike" cap="none" dirty="0">
               <a:solidFill>
@@ -16229,21 +15621,27 @@
           </a:bodyPr>
           <a:lstStyle/>
           <a:p>
-            <a:pPr marL="139700" lvl="0" indent="0" algn="just">
+            <a:pPr marL="457200" marR="0" lvl="0" indent="-342900" algn="just" rtl="0">
               <a:lnSpc>
                 <a:spcPct val="150000"/>
               </a:lnSpc>
               <a:spcBef>
-                <a:spcPts val="0"/>
+                <a:spcPts val="355"/>
               </a:spcBef>
+              <a:spcAft>
+                <a:spcPts val="0"/>
+              </a:spcAft>
               <a:buClr>
-                <a:schemeClr val="lt1"/>
+                <a:schemeClr val="accent4">
+                  <a:lumMod val="50000"/>
+                </a:schemeClr>
               </a:buClr>
-              <a:buSzPts val="1400"/>
-              <a:buNone/>
+              <a:buSzPts val="1800"/>
+              <a:buFont typeface="Montserrat"/>
+              <a:buChar char="●"/>
             </a:pPr>
             <a:r>
-              <a:rPr lang="en-US" sz="1800" dirty="0">
+              <a:rPr lang="en" sz="1800" b="0" i="0" u="none" strike="noStrike" cap="none" dirty="0">
                 <a:solidFill>
                   <a:schemeClr val="accent4">
                     <a:lumMod val="50000"/>
@@ -16254,29 +15652,213 @@
                 <a:cs typeface="Montserrat"/>
                 <a:sym typeface="Montserrat"/>
               </a:rPr>
-              <a:t>To study the correlation between sea surface temperature to corresponding coastal temperature by implementing supervised machine learning algorithm on the available dataset and to forecast the weather conditions.</a:t>
-            </a:r>
-            <a:endParaRPr lang="en-US" sz="1800" dirty="0">
+              <a:t>To be able to recognize pattern between sea </a:t>
+            </a:r>
+            <a:r>
+              <a:rPr lang="en-US" sz="1800" b="0" i="0" u="none" strike="noStrike" cap="none" dirty="0">
+                <a:solidFill>
+                  <a:schemeClr val="accent4">
+                    <a:lumMod val="50000"/>
+                  </a:schemeClr>
+                </a:solidFill>
+                <a:latin typeface="Montserrat"/>
+                <a:ea typeface="Montserrat"/>
+                <a:cs typeface="Montserrat"/>
+                <a:sym typeface="Montserrat"/>
+              </a:rPr>
+              <a:t>surface temperature and</a:t>
+            </a:r>
+            <a:r>
+              <a:rPr lang="en" sz="1800" b="0" i="0" u="none" strike="noStrike" cap="none" dirty="0">
+                <a:solidFill>
+                  <a:schemeClr val="accent4">
+                    <a:lumMod val="50000"/>
+                  </a:schemeClr>
+                </a:solidFill>
+                <a:latin typeface="Montserrat"/>
+                <a:ea typeface="Montserrat"/>
+                <a:cs typeface="Montserrat"/>
+                <a:sym typeface="Montserrat"/>
+              </a:rPr>
+              <a:t> land </a:t>
+            </a:r>
+            <a:r>
+              <a:rPr lang="en-US" sz="1800" b="0" i="0" u="none" strike="noStrike" cap="none" dirty="0">
+                <a:solidFill>
+                  <a:schemeClr val="accent4">
+                    <a:lumMod val="50000"/>
+                  </a:schemeClr>
+                </a:solidFill>
+                <a:latin typeface="Montserrat"/>
+                <a:ea typeface="Montserrat"/>
+                <a:cs typeface="Montserrat"/>
+                <a:sym typeface="Montserrat"/>
+              </a:rPr>
+              <a:t>tem</a:t>
+            </a:r>
+            <a:r>
+              <a:rPr lang="en-US" sz="1800" dirty="0">
+                <a:solidFill>
+                  <a:schemeClr val="accent4">
+                    <a:lumMod val="50000"/>
+                  </a:schemeClr>
+                </a:solidFill>
+                <a:latin typeface="Montserrat"/>
+                <a:ea typeface="Montserrat"/>
+                <a:cs typeface="Montserrat"/>
+                <a:sym typeface="Montserrat"/>
+              </a:rPr>
+              <a:t>perature.</a:t>
+            </a:r>
+            <a:endParaRPr sz="1800" b="0" i="0" u="none" strike="noStrike" cap="none" dirty="0">
               <a:solidFill>
                 <a:schemeClr val="accent4">
                   <a:lumMod val="50000"/>
                 </a:schemeClr>
               </a:solidFill>
-              <a:latin typeface="Times New Roman"/>
-              <a:ea typeface="Times New Roman"/>
-              <a:cs typeface="Times New Roman"/>
-              <a:sym typeface="Times New Roman"/>
+              <a:latin typeface="Montserrat"/>
+              <a:ea typeface="Montserrat"/>
+              <a:cs typeface="Montserrat"/>
+              <a:sym typeface="Montserrat"/>
             </a:endParaRPr>
           </a:p>
           <a:p>
-            <a:pPr marL="0" indent="0">
+            <a:pPr marL="457200" marR="0" lvl="0" indent="-342900" algn="just" rtl="0">
+              <a:lnSpc>
+                <a:spcPct val="150000"/>
+              </a:lnSpc>
               <a:spcBef>
-                <a:spcPts val="400"/>
+                <a:spcPts val="0"/>
               </a:spcBef>
-              <a:buSzPts val="1400"/>
-              <a:buNone/>
+              <a:spcAft>
+                <a:spcPts val="0"/>
+              </a:spcAft>
+              <a:buClr>
+                <a:schemeClr val="accent4">
+                  <a:lumMod val="50000"/>
+                </a:schemeClr>
+              </a:buClr>
+              <a:buSzPts val="1800"/>
+              <a:buFont typeface="Montserrat"/>
+              <a:buChar char="●"/>
             </a:pPr>
-            <a:endParaRPr lang="en-US" sz="1600" dirty="0">
+            <a:r>
+              <a:rPr lang="en" sz="1800" b="0" i="0" u="none" strike="noStrike" cap="none" dirty="0">
+                <a:solidFill>
+                  <a:schemeClr val="accent4">
+                    <a:lumMod val="50000"/>
+                  </a:schemeClr>
+                </a:solidFill>
+                <a:latin typeface="Montserrat"/>
+                <a:ea typeface="Montserrat"/>
+                <a:cs typeface="Montserrat"/>
+                <a:sym typeface="Montserrat"/>
+              </a:rPr>
+              <a:t>Improving weather forecasting process.</a:t>
+            </a:r>
+            <a:endParaRPr sz="1800" b="0" i="0" u="none" strike="noStrike" cap="none" dirty="0">
+              <a:solidFill>
+                <a:schemeClr val="accent4">
+                  <a:lumMod val="50000"/>
+                </a:schemeClr>
+              </a:solidFill>
+              <a:latin typeface="Montserrat"/>
+              <a:ea typeface="Montserrat"/>
+              <a:cs typeface="Montserrat"/>
+              <a:sym typeface="Montserrat"/>
+            </a:endParaRPr>
+          </a:p>
+          <a:p>
+            <a:pPr marL="457200" marR="0" lvl="0" indent="-342900" algn="just" rtl="0">
+              <a:lnSpc>
+                <a:spcPct val="150000"/>
+              </a:lnSpc>
+              <a:spcBef>
+                <a:spcPts val="0"/>
+              </a:spcBef>
+              <a:spcAft>
+                <a:spcPts val="0"/>
+              </a:spcAft>
+              <a:buClr>
+                <a:schemeClr val="accent4">
+                  <a:lumMod val="50000"/>
+                </a:schemeClr>
+              </a:buClr>
+              <a:buSzPts val="1800"/>
+              <a:buFont typeface="Montserrat"/>
+              <a:buChar char="●"/>
+            </a:pPr>
+            <a:r>
+              <a:rPr lang="en" sz="1800" b="0" i="0" u="none" strike="noStrike" cap="none" dirty="0">
+                <a:solidFill>
+                  <a:schemeClr val="accent4">
+                    <a:lumMod val="50000"/>
+                  </a:schemeClr>
+                </a:solidFill>
+                <a:latin typeface="Montserrat"/>
+                <a:ea typeface="Montserrat"/>
+                <a:cs typeface="Montserrat"/>
+                <a:sym typeface="Montserrat"/>
+              </a:rPr>
+              <a:t>Being able to provide warnings in time to </a:t>
+            </a:r>
+            <a:r>
+              <a:rPr lang="en-US" sz="1800" b="0" i="0" u="none" strike="noStrike" cap="none" dirty="0">
+                <a:solidFill>
+                  <a:schemeClr val="accent4">
+                    <a:lumMod val="50000"/>
+                  </a:schemeClr>
+                </a:solidFill>
+                <a:latin typeface="Montserrat"/>
+                <a:ea typeface="Montserrat"/>
+                <a:cs typeface="Montserrat"/>
+                <a:sym typeface="Montserrat"/>
+              </a:rPr>
+              <a:t>redu</a:t>
+            </a:r>
+            <a:r>
+              <a:rPr lang="en-US" sz="1800" dirty="0">
+                <a:solidFill>
+                  <a:schemeClr val="accent4">
+                    <a:lumMod val="50000"/>
+                  </a:schemeClr>
+                </a:solidFill>
+                <a:latin typeface="Montserrat"/>
+                <a:ea typeface="Montserrat"/>
+                <a:cs typeface="Montserrat"/>
+                <a:sym typeface="Montserrat"/>
+              </a:rPr>
+              <a:t>ce the consequences. </a:t>
+            </a:r>
+            <a:endParaRPr sz="1400" b="0" i="0" u="none" strike="noStrike" cap="none" dirty="0">
+              <a:solidFill>
+                <a:schemeClr val="accent4">
+                  <a:lumMod val="50000"/>
+                </a:schemeClr>
+              </a:solidFill>
+              <a:latin typeface="Montserrat"/>
+              <a:ea typeface="Montserrat"/>
+              <a:cs typeface="Montserrat"/>
+              <a:sym typeface="Montserrat"/>
+            </a:endParaRPr>
+          </a:p>
+          <a:p>
+            <a:pPr marL="0" marR="0" lvl="0" indent="0" algn="just" rtl="0">
+              <a:lnSpc>
+                <a:spcPct val="115000"/>
+              </a:lnSpc>
+              <a:spcBef>
+                <a:spcPts val="355"/>
+              </a:spcBef>
+              <a:spcAft>
+                <a:spcPts val="355"/>
+              </a:spcAft>
+              <a:buClrTx/>
+              <a:buSzPts val="1100"/>
+              <a:buFont typeface="Arial"/>
+              <a:buNone/>
+            </a:pPr>
+            <a:endParaRPr sz="1400" b="0" i="0" u="none" strike="noStrike" cap="none" dirty="0">
               <a:solidFill>
                 <a:schemeClr val="tx1"/>
               </a:solidFill>
@@ -16289,6 +15871,11 @@
         </p:txBody>
       </p:sp>
     </p:spTree>
+    <p:extLst>
+      <p:ext uri="{BB962C8B-B14F-4D97-AF65-F5344CB8AC3E}">
+        <p14:creationId xmlns:p14="http://schemas.microsoft.com/office/powerpoint/2010/main" val="1667104749"/>
+      </p:ext>
+    </p:extLst>
   </p:cSld>
   <p:clrMapOvr>
     <a:masterClrMapping/>
@@ -16315,390 +15902,6 @@
       </p:grpSpPr>
       <p:sp>
         <p:nvSpPr>
-          <p:cNvPr id="190" name="Shape 190"/>
-          <p:cNvSpPr txBox="1">
-            <a:spLocks noGrp="1"/>
-          </p:cNvSpPr>
-          <p:nvPr>
-            <p:ph type="title"/>
-          </p:nvPr>
-        </p:nvSpPr>
-        <p:spPr>
-          <a:xfrm>
-            <a:off x="1961628" y="247949"/>
-            <a:ext cx="6683765" cy="960668"/>
-          </a:xfrm>
-          <a:prstGeom prst="rect">
-            <a:avLst/>
-          </a:prstGeom>
-          <a:noFill/>
-          <a:ln>
-            <a:noFill/>
-          </a:ln>
-        </p:spPr>
-        <p:txBody>
-          <a:bodyPr spcFirstLastPara="1" wrap="square" lIns="91425" tIns="91425" rIns="91425" bIns="91425" anchor="ctr" anchorCtr="0">
-            <a:noAutofit/>
-          </a:bodyPr>
-          <a:lstStyle/>
-          <a:p>
-            <a:pPr marL="0" marR="0" lvl="0" indent="0" algn="l" rtl="0">
-              <a:lnSpc>
-                <a:spcPct val="100000"/>
-              </a:lnSpc>
-              <a:spcBef>
-                <a:spcPts val="0"/>
-              </a:spcBef>
-              <a:spcAft>
-                <a:spcPts val="0"/>
-              </a:spcAft>
-              <a:buClr>
-                <a:schemeClr val="lt1"/>
-              </a:buClr>
-              <a:buSzPts val="2400"/>
-              <a:buFont typeface="Montserrat"/>
-              <a:buNone/>
-            </a:pPr>
-            <a:r>
-              <a:rPr lang="en" sz="2400" b="0" i="0" u="none" strike="noStrike" cap="none" dirty="0">
-                <a:solidFill>
-                  <a:schemeClr val="accent1">
-                    <a:lumMod val="60000"/>
-                    <a:lumOff val="40000"/>
-                  </a:schemeClr>
-                </a:solidFill>
-                <a:latin typeface="Montserrat"/>
-                <a:ea typeface="Montserrat"/>
-                <a:cs typeface="Montserrat"/>
-                <a:sym typeface="Montserrat"/>
-              </a:rPr>
-              <a:t>Motivation</a:t>
-            </a:r>
-            <a:endParaRPr sz="2400" b="0" i="0" u="none" strike="noStrike" cap="none" dirty="0">
-              <a:solidFill>
-                <a:schemeClr val="accent1">
-                  <a:lumMod val="60000"/>
-                  <a:lumOff val="40000"/>
-                </a:schemeClr>
-              </a:solidFill>
-              <a:latin typeface="Montserrat"/>
-              <a:ea typeface="Montserrat"/>
-              <a:cs typeface="Montserrat"/>
-              <a:sym typeface="Montserrat"/>
-            </a:endParaRPr>
-          </a:p>
-        </p:txBody>
-      </p:sp>
-      <p:sp>
-        <p:nvSpPr>
-          <p:cNvPr id="191" name="Shape 191"/>
-          <p:cNvSpPr txBox="1">
-            <a:spLocks noGrp="1"/>
-          </p:cNvSpPr>
-          <p:nvPr>
-            <p:ph type="body" idx="4294967295"/>
-          </p:nvPr>
-        </p:nvSpPr>
-        <p:spPr>
-          <a:xfrm>
-            <a:off x="1522942" y="1428750"/>
-            <a:ext cx="6664325" cy="3079750"/>
-          </a:xfrm>
-          <a:prstGeom prst="rect">
-            <a:avLst/>
-          </a:prstGeom>
-          <a:noFill/>
-          <a:ln>
-            <a:noFill/>
-          </a:ln>
-        </p:spPr>
-        <p:txBody>
-          <a:bodyPr spcFirstLastPara="1" wrap="square" lIns="91425" tIns="91425" rIns="91425" bIns="91425" anchor="t" anchorCtr="0">
-            <a:noAutofit/>
-          </a:bodyPr>
-          <a:lstStyle/>
-          <a:p>
-            <a:pPr marL="457200" marR="0" lvl="0" indent="-342900" algn="just" rtl="0">
-              <a:lnSpc>
-                <a:spcPct val="150000"/>
-              </a:lnSpc>
-              <a:spcBef>
-                <a:spcPts val="355"/>
-              </a:spcBef>
-              <a:spcAft>
-                <a:spcPts val="0"/>
-              </a:spcAft>
-              <a:buClr>
-                <a:schemeClr val="accent4">
-                  <a:lumMod val="50000"/>
-                </a:schemeClr>
-              </a:buClr>
-              <a:buSzPts val="1800"/>
-              <a:buFont typeface="Montserrat"/>
-              <a:buChar char="●"/>
-            </a:pPr>
-            <a:r>
-              <a:rPr lang="en" sz="1800" b="0" i="0" u="none" strike="noStrike" cap="none" dirty="0">
-                <a:solidFill>
-                  <a:schemeClr val="accent4">
-                    <a:lumMod val="50000"/>
-                  </a:schemeClr>
-                </a:solidFill>
-                <a:latin typeface="Montserrat"/>
-                <a:ea typeface="Montserrat"/>
-                <a:cs typeface="Montserrat"/>
-                <a:sym typeface="Montserrat"/>
-              </a:rPr>
-              <a:t>To be able to recognize pattern between sea </a:t>
-            </a:r>
-            <a:r>
-              <a:rPr lang="en-US" sz="1800" b="0" i="0" u="none" strike="noStrike" cap="none" dirty="0">
-                <a:solidFill>
-                  <a:schemeClr val="accent4">
-                    <a:lumMod val="50000"/>
-                  </a:schemeClr>
-                </a:solidFill>
-                <a:latin typeface="Montserrat"/>
-                <a:ea typeface="Montserrat"/>
-                <a:cs typeface="Montserrat"/>
-                <a:sym typeface="Montserrat"/>
-              </a:rPr>
-              <a:t>surface temperature and</a:t>
-            </a:r>
-            <a:r>
-              <a:rPr lang="en" sz="1800" b="0" i="0" u="none" strike="noStrike" cap="none" dirty="0">
-                <a:solidFill>
-                  <a:schemeClr val="accent4">
-                    <a:lumMod val="50000"/>
-                  </a:schemeClr>
-                </a:solidFill>
-                <a:latin typeface="Montserrat"/>
-                <a:ea typeface="Montserrat"/>
-                <a:cs typeface="Montserrat"/>
-                <a:sym typeface="Montserrat"/>
-              </a:rPr>
-              <a:t> land </a:t>
-            </a:r>
-            <a:r>
-              <a:rPr lang="en-US" sz="1800" b="0" i="0" u="none" strike="noStrike" cap="none" dirty="0">
-                <a:solidFill>
-                  <a:schemeClr val="accent4">
-                    <a:lumMod val="50000"/>
-                  </a:schemeClr>
-                </a:solidFill>
-                <a:latin typeface="Montserrat"/>
-                <a:ea typeface="Montserrat"/>
-                <a:cs typeface="Montserrat"/>
-                <a:sym typeface="Montserrat"/>
-              </a:rPr>
-              <a:t>tem</a:t>
-            </a:r>
-            <a:r>
-              <a:rPr lang="en-US" sz="1800" dirty="0">
-                <a:solidFill>
-                  <a:schemeClr val="accent4">
-                    <a:lumMod val="50000"/>
-                  </a:schemeClr>
-                </a:solidFill>
-                <a:latin typeface="Montserrat"/>
-                <a:ea typeface="Montserrat"/>
-                <a:cs typeface="Montserrat"/>
-                <a:sym typeface="Montserrat"/>
-              </a:rPr>
-              <a:t>perature.</a:t>
-            </a:r>
-            <a:endParaRPr sz="1800" b="0" i="0" u="none" strike="noStrike" cap="none" dirty="0">
-              <a:solidFill>
-                <a:schemeClr val="accent4">
-                  <a:lumMod val="50000"/>
-                </a:schemeClr>
-              </a:solidFill>
-              <a:latin typeface="Montserrat"/>
-              <a:ea typeface="Montserrat"/>
-              <a:cs typeface="Montserrat"/>
-              <a:sym typeface="Montserrat"/>
-            </a:endParaRPr>
-          </a:p>
-          <a:p>
-            <a:pPr marL="457200" marR="0" lvl="0" indent="-342900" algn="just" rtl="0">
-              <a:lnSpc>
-                <a:spcPct val="150000"/>
-              </a:lnSpc>
-              <a:spcBef>
-                <a:spcPts val="0"/>
-              </a:spcBef>
-              <a:spcAft>
-                <a:spcPts val="0"/>
-              </a:spcAft>
-              <a:buClr>
-                <a:schemeClr val="accent4">
-                  <a:lumMod val="50000"/>
-                </a:schemeClr>
-              </a:buClr>
-              <a:buSzPts val="1800"/>
-              <a:buFont typeface="Montserrat"/>
-              <a:buChar char="●"/>
-            </a:pPr>
-            <a:r>
-              <a:rPr lang="en" sz="1800" b="0" i="0" u="none" strike="noStrike" cap="none" dirty="0">
-                <a:solidFill>
-                  <a:schemeClr val="accent4">
-                    <a:lumMod val="50000"/>
-                  </a:schemeClr>
-                </a:solidFill>
-                <a:latin typeface="Montserrat"/>
-                <a:ea typeface="Montserrat"/>
-                <a:cs typeface="Montserrat"/>
-                <a:sym typeface="Montserrat"/>
-              </a:rPr>
-              <a:t>Improving weather forecasting process.</a:t>
-            </a:r>
-            <a:endParaRPr sz="1800" b="0" i="0" u="none" strike="noStrike" cap="none" dirty="0">
-              <a:solidFill>
-                <a:schemeClr val="accent4">
-                  <a:lumMod val="50000"/>
-                </a:schemeClr>
-              </a:solidFill>
-              <a:latin typeface="Montserrat"/>
-              <a:ea typeface="Montserrat"/>
-              <a:cs typeface="Montserrat"/>
-              <a:sym typeface="Montserrat"/>
-            </a:endParaRPr>
-          </a:p>
-          <a:p>
-            <a:pPr marL="457200" marR="0" lvl="0" indent="-342900" algn="just" rtl="0">
-              <a:lnSpc>
-                <a:spcPct val="150000"/>
-              </a:lnSpc>
-              <a:spcBef>
-                <a:spcPts val="0"/>
-              </a:spcBef>
-              <a:spcAft>
-                <a:spcPts val="0"/>
-              </a:spcAft>
-              <a:buClr>
-                <a:schemeClr val="accent4">
-                  <a:lumMod val="50000"/>
-                </a:schemeClr>
-              </a:buClr>
-              <a:buSzPts val="1800"/>
-              <a:buFont typeface="Montserrat"/>
-              <a:buChar char="●"/>
-            </a:pPr>
-            <a:r>
-              <a:rPr lang="en" sz="1800" b="0" i="0" u="none" strike="noStrike" cap="none" dirty="0">
-                <a:solidFill>
-                  <a:schemeClr val="accent4">
-                    <a:lumMod val="50000"/>
-                  </a:schemeClr>
-                </a:solidFill>
-                <a:latin typeface="Montserrat"/>
-                <a:ea typeface="Montserrat"/>
-                <a:cs typeface="Montserrat"/>
-                <a:sym typeface="Montserrat"/>
-              </a:rPr>
-              <a:t>Being able to provide warnings in time to </a:t>
-            </a:r>
-            <a:r>
-              <a:rPr lang="en-US" sz="1800" b="0" i="0" u="none" strike="noStrike" cap="none" dirty="0">
-                <a:solidFill>
-                  <a:schemeClr val="accent4">
-                    <a:lumMod val="50000"/>
-                  </a:schemeClr>
-                </a:solidFill>
-                <a:latin typeface="Montserrat"/>
-                <a:ea typeface="Montserrat"/>
-                <a:cs typeface="Montserrat"/>
-                <a:sym typeface="Montserrat"/>
-              </a:rPr>
-              <a:t>redu</a:t>
-            </a:r>
-            <a:r>
-              <a:rPr lang="en-US" sz="1800" dirty="0">
-                <a:solidFill>
-                  <a:schemeClr val="accent4">
-                    <a:lumMod val="50000"/>
-                  </a:schemeClr>
-                </a:solidFill>
-                <a:latin typeface="Montserrat"/>
-                <a:ea typeface="Montserrat"/>
-                <a:cs typeface="Montserrat"/>
-                <a:sym typeface="Montserrat"/>
-              </a:rPr>
-              <a:t>ce the consequences. </a:t>
-            </a:r>
-            <a:endParaRPr sz="1400" b="0" i="0" u="none" strike="noStrike" cap="none" dirty="0">
-              <a:solidFill>
-                <a:schemeClr val="accent4">
-                  <a:lumMod val="50000"/>
-                </a:schemeClr>
-              </a:solidFill>
-              <a:latin typeface="Montserrat"/>
-              <a:ea typeface="Montserrat"/>
-              <a:cs typeface="Montserrat"/>
-              <a:sym typeface="Montserrat"/>
-            </a:endParaRPr>
-          </a:p>
-          <a:p>
-            <a:pPr marL="0" marR="0" lvl="0" indent="0" algn="just" rtl="0">
-              <a:lnSpc>
-                <a:spcPct val="115000"/>
-              </a:lnSpc>
-              <a:spcBef>
-                <a:spcPts val="355"/>
-              </a:spcBef>
-              <a:spcAft>
-                <a:spcPts val="355"/>
-              </a:spcAft>
-              <a:buClrTx/>
-              <a:buSzPts val="1100"/>
-              <a:buFont typeface="Arial"/>
-              <a:buNone/>
-            </a:pPr>
-            <a:endParaRPr sz="1400" b="0" i="0" u="none" strike="noStrike" cap="none" dirty="0">
-              <a:solidFill>
-                <a:schemeClr val="tx1"/>
-              </a:solidFill>
-              <a:latin typeface="Montserrat"/>
-              <a:ea typeface="Montserrat"/>
-              <a:cs typeface="Montserrat"/>
-              <a:sym typeface="Montserrat"/>
-            </a:endParaRPr>
-          </a:p>
-        </p:txBody>
-      </p:sp>
-    </p:spTree>
-    <p:extLst>
-      <p:ext uri="{BB962C8B-B14F-4D97-AF65-F5344CB8AC3E}">
-        <p14:creationId xmlns:p14="http://schemas.microsoft.com/office/powerpoint/2010/main" val="1667104749"/>
-      </p:ext>
-    </p:extLst>
-  </p:cSld>
-  <p:clrMapOvr>
-    <a:masterClrMapping/>
-  </p:clrMapOvr>
-</p:sld>
-</file>
-
-<file path=ppt/slides/slide6.xml><?xml version="1.0" encoding="utf-8"?>
-<p:sld xmlns:a="http://schemas.openxmlformats.org/drawingml/2006/main" xmlns:r="http://schemas.openxmlformats.org/officeDocument/2006/relationships" xmlns:p="http://schemas.openxmlformats.org/presentationml/2006/main">
-  <p:cSld>
-    <p:spTree>
-      <p:nvGrpSpPr>
-        <p:cNvPr id="1" name="Shape 189"/>
-        <p:cNvGrpSpPr/>
-        <p:nvPr/>
-      </p:nvGrpSpPr>
-      <p:grpSpPr>
-        <a:xfrm>
-          <a:off x="0" y="0"/>
-          <a:ext cx="0" cy="0"/>
-          <a:chOff x="0" y="0"/>
-          <a:chExt cx="0" cy="0"/>
-        </a:xfrm>
-      </p:grpSpPr>
-      <p:sp>
-        <p:nvSpPr>
           <p:cNvPr id="6" name="Title 1">
             <a:extLst>
               <a:ext uri="{FF2B5EF4-FFF2-40B4-BE49-F238E27FC236}">
@@ -16760,7 +15963,9 @@
           <a:noFill/>
           <a:ln w="19050">
             <a:solidFill>
-              <a:schemeClr val="tx1"/>
+              <a:schemeClr val="accent4">
+                <a:lumMod val="50000"/>
+              </a:schemeClr>
             </a:solidFill>
           </a:ln>
         </p:spPr>
@@ -17681,7 +16886,7 @@
 </p:sld>
 </file>
 
-<file path=ppt/slides/slide7.xml><?xml version="1.0" encoding="utf-8"?>
+<file path=ppt/slides/slide6.xml><?xml version="1.0" encoding="utf-8"?>
 <p:sld xmlns:a="http://schemas.openxmlformats.org/drawingml/2006/main" xmlns:r="http://schemas.openxmlformats.org/officeDocument/2006/relationships" xmlns:p="http://schemas.openxmlformats.org/presentationml/2006/main">
   <p:cSld>
     <p:spTree>
@@ -18145,7 +17350,7 @@
         </p:nvSpPr>
         <p:spPr>
           <a:xfrm>
-            <a:off x="5246158" y="2643225"/>
+            <a:off x="5246158" y="2664006"/>
             <a:ext cx="332580" cy="205740"/>
           </a:xfrm>
           <a:prstGeom prst="rightArrow">
@@ -18293,7 +17498,7 @@
 </p:sld>
 </file>
 
-<file path=ppt/slides/slide8.xml><?xml version="1.0" encoding="utf-8"?>
+<file path=ppt/slides/slide7.xml><?xml version="1.0" encoding="utf-8"?>
 <p:sld xmlns:a="http://schemas.openxmlformats.org/drawingml/2006/main" xmlns:r="http://schemas.openxmlformats.org/officeDocument/2006/relationships" xmlns:p="http://schemas.openxmlformats.org/presentationml/2006/main">
   <p:cSld>
     <p:spTree>
@@ -18388,7 +17593,7 @@
             <a:avLst/>
           </a:prstGeom>
           <a:noFill/>
-          <a:ln>
+          <a:ln w="19050">
             <a:solidFill>
               <a:schemeClr val="accent4">
                 <a:lumMod val="50000"/>
@@ -18451,7 +17656,7 @@
             <a:avLst/>
           </a:prstGeom>
           <a:noFill/>
-          <a:ln>
+          <a:ln w="19050">
             <a:solidFill>
               <a:schemeClr val="accent4">
                 <a:lumMod val="50000"/>
@@ -18887,7 +18092,7 @@
         </p:nvSpPr>
         <p:spPr>
           <a:xfrm>
-            <a:off x="2383071" y="2252302"/>
+            <a:off x="2383071" y="1396133"/>
             <a:ext cx="1287780" cy="701040"/>
           </a:xfrm>
           <a:prstGeom prst="rect">
@@ -18944,7 +18149,80 @@
         </p:nvSpPr>
         <p:spPr>
           <a:xfrm>
-            <a:off x="2377628" y="3135121"/>
+            <a:off x="2377628" y="2278952"/>
+            <a:ext cx="1287780" cy="1373600"/>
+          </a:xfrm>
+          <a:prstGeom prst="rect">
+            <a:avLst/>
+          </a:prstGeom>
+          <a:solidFill>
+            <a:schemeClr val="accent4">
+              <a:lumMod val="75000"/>
+            </a:schemeClr>
+          </a:solidFill>
+          <a:ln>
+            <a:noFill/>
+          </a:ln>
+        </p:spPr>
+        <p:style>
+          <a:lnRef idx="2">
+            <a:schemeClr val="accent1">
+              <a:shade val="50000"/>
+            </a:schemeClr>
+          </a:lnRef>
+          <a:fillRef idx="1">
+            <a:schemeClr val="accent1"/>
+          </a:fillRef>
+          <a:effectRef idx="0">
+            <a:schemeClr val="accent1"/>
+          </a:effectRef>
+          <a:fontRef idx="minor">
+            <a:schemeClr val="lt1"/>
+          </a:fontRef>
+        </p:style>
+        <p:txBody>
+          <a:bodyPr rtlCol="0" anchor="ctr"/>
+          <a:lstStyle/>
+          <a:p>
+            <a:pPr algn="ctr"/>
+            <a:r>
+              <a:rPr lang="en-US" sz="1200" dirty="0"/>
+              <a:t>Feature</a:t>
+            </a:r>
+            <a:r>
+              <a:rPr lang="en-US" sz="1400" dirty="0"/>
+              <a:t> </a:t>
+            </a:r>
+            <a:r>
+              <a:rPr lang="en-US" sz="1200" dirty="0"/>
+              <a:t>Selection / Dimensionality Reduction</a:t>
+            </a:r>
+          </a:p>
+          <a:p>
+            <a:pPr algn="ctr"/>
+            <a:r>
+              <a:rPr lang="en-US" sz="1200" dirty="0"/>
+              <a:t> </a:t>
+            </a:r>
+            <a:endParaRPr lang="en-US" sz="1400" dirty="0"/>
+          </a:p>
+        </p:txBody>
+      </p:sp>
+      <p:sp>
+        <p:nvSpPr>
+          <p:cNvPr id="23" name="Rectangle 22">
+            <a:extLst>
+              <a:ext uri="{FF2B5EF4-FFF2-40B4-BE49-F238E27FC236}">
+                <a16:creationId xmlns:a16="http://schemas.microsoft.com/office/drawing/2014/main" id="{1E77DFC7-37D0-4F8D-B682-DC5B4DE8308C}"/>
+              </a:ext>
+            </a:extLst>
+          </p:cNvPr>
+          <p:cNvSpPr/>
+          <p:nvPr/>
+        </p:nvSpPr>
+        <p:spPr>
+          <a:xfrm>
+            <a:off x="2383071" y="3834331"/>
             <a:ext cx="1287780" cy="701040"/>
           </a:xfrm>
           <a:prstGeom prst="rect">
@@ -18982,129 +18260,6 @@
             <a:pPr algn="ctr"/>
             <a:r>
               <a:rPr lang="en-US" sz="1200" dirty="0"/>
-              <a:t>Feature</a:t>
-            </a:r>
-            <a:r>
-              <a:rPr lang="en-US" sz="1400" dirty="0"/>
-              <a:t> </a:t>
-            </a:r>
-            <a:r>
-              <a:rPr lang="en-US" sz="1200" dirty="0"/>
-              <a:t>Selection</a:t>
-            </a:r>
-            <a:endParaRPr lang="en-US" sz="1400" dirty="0"/>
-          </a:p>
-        </p:txBody>
-      </p:sp>
-      <p:sp>
-        <p:nvSpPr>
-          <p:cNvPr id="22" name="Rectangle 21">
-            <a:extLst>
-              <a:ext uri="{FF2B5EF4-FFF2-40B4-BE49-F238E27FC236}">
-                <a16:creationId xmlns:a16="http://schemas.microsoft.com/office/drawing/2014/main" id="{6207B0AF-E06C-479C-B13C-8DF81F7B847A}"/>
-              </a:ext>
-            </a:extLst>
-          </p:cNvPr>
-          <p:cNvSpPr/>
-          <p:nvPr/>
-        </p:nvSpPr>
-        <p:spPr>
-          <a:xfrm>
-            <a:off x="2383071" y="1376756"/>
-            <a:ext cx="1287780" cy="701040"/>
-          </a:xfrm>
-          <a:prstGeom prst="rect">
-            <a:avLst/>
-          </a:prstGeom>
-          <a:solidFill>
-            <a:schemeClr val="accent4">
-              <a:lumMod val="75000"/>
-            </a:schemeClr>
-          </a:solidFill>
-          <a:ln>
-            <a:noFill/>
-          </a:ln>
-        </p:spPr>
-        <p:style>
-          <a:lnRef idx="2">
-            <a:schemeClr val="accent1">
-              <a:shade val="50000"/>
-            </a:schemeClr>
-          </a:lnRef>
-          <a:fillRef idx="1">
-            <a:schemeClr val="accent1"/>
-          </a:fillRef>
-          <a:effectRef idx="0">
-            <a:schemeClr val="accent1"/>
-          </a:effectRef>
-          <a:fontRef idx="minor">
-            <a:schemeClr val="lt1"/>
-          </a:fontRef>
-        </p:style>
-        <p:txBody>
-          <a:bodyPr rtlCol="0" anchor="ctr"/>
-          <a:lstStyle/>
-          <a:p>
-            <a:pPr algn="ctr"/>
-            <a:r>
-              <a:rPr lang="en-US" sz="1200" dirty="0"/>
-              <a:t>Dimensionality Reduction</a:t>
-            </a:r>
-          </a:p>
-        </p:txBody>
-      </p:sp>
-      <p:sp>
-        <p:nvSpPr>
-          <p:cNvPr id="23" name="Rectangle 22">
-            <a:extLst>
-              <a:ext uri="{FF2B5EF4-FFF2-40B4-BE49-F238E27FC236}">
-                <a16:creationId xmlns:a16="http://schemas.microsoft.com/office/drawing/2014/main" id="{1E77DFC7-37D0-4F8D-B682-DC5B4DE8308C}"/>
-              </a:ext>
-            </a:extLst>
-          </p:cNvPr>
-          <p:cNvSpPr/>
-          <p:nvPr/>
-        </p:nvSpPr>
-        <p:spPr>
-          <a:xfrm>
-            <a:off x="2383071" y="4019143"/>
-            <a:ext cx="1287780" cy="701040"/>
-          </a:xfrm>
-          <a:prstGeom prst="rect">
-            <a:avLst/>
-          </a:prstGeom>
-          <a:solidFill>
-            <a:schemeClr val="accent4">
-              <a:lumMod val="75000"/>
-            </a:schemeClr>
-          </a:solidFill>
-          <a:ln>
-            <a:noFill/>
-          </a:ln>
-        </p:spPr>
-        <p:style>
-          <a:lnRef idx="2">
-            <a:schemeClr val="accent1">
-              <a:shade val="50000"/>
-            </a:schemeClr>
-          </a:lnRef>
-          <a:fillRef idx="1">
-            <a:schemeClr val="accent1"/>
-          </a:fillRef>
-          <a:effectRef idx="0">
-            <a:schemeClr val="accent1"/>
-          </a:effectRef>
-          <a:fontRef idx="minor">
-            <a:schemeClr val="lt1"/>
-          </a:fontRef>
-        </p:style>
-        <p:txBody>
-          <a:bodyPr rtlCol="0" anchor="ctr"/>
-          <a:lstStyle/>
-          <a:p>
-            <a:pPr algn="ctr"/>
-            <a:r>
-              <a:rPr lang="en-US" sz="1200" dirty="0"/>
               <a:t>Sampling and </a:t>
             </a:r>
           </a:p>
@@ -19132,7 +18287,7 @@
         <p:spPr>
           <a:xfrm>
             <a:off x="2250375" y="490676"/>
-            <a:ext cx="1538734" cy="4441542"/>
+            <a:ext cx="1538734" cy="4226797"/>
           </a:xfrm>
           <a:prstGeom prst="rect">
             <a:avLst/>
@@ -19410,7 +18565,7 @@
         </p:nvSpPr>
         <p:spPr>
           <a:xfrm>
-            <a:off x="2923308" y="2077796"/>
+            <a:off x="2923308" y="1221627"/>
             <a:ext cx="159327" cy="176336"/>
           </a:xfrm>
           <a:prstGeom prst="downArrow">
@@ -19464,7 +18619,7 @@
         </p:nvSpPr>
         <p:spPr>
           <a:xfrm>
-            <a:off x="2923307" y="2953342"/>
+            <a:off x="2923307" y="2097173"/>
             <a:ext cx="159327" cy="176336"/>
           </a:xfrm>
           <a:prstGeom prst="downArrow">
@@ -19518,7 +18673,7 @@
         </p:nvSpPr>
         <p:spPr>
           <a:xfrm>
-            <a:off x="2947297" y="3828888"/>
+            <a:off x="2947297" y="3644076"/>
             <a:ext cx="159327" cy="176336"/>
           </a:xfrm>
           <a:prstGeom prst="downArrow">
@@ -19679,7 +18834,7 @@
 </p:sld>
 </file>
 
-<file path=ppt/slides/slide9.xml><?xml version="1.0" encoding="utf-8"?>
+<file path=ppt/slides/slide8.xml><?xml version="1.0" encoding="utf-8"?>
 <p:sld xmlns:a="http://schemas.openxmlformats.org/drawingml/2006/main" xmlns:r="http://schemas.openxmlformats.org/officeDocument/2006/relationships" xmlns:p="http://schemas.openxmlformats.org/presentationml/2006/main">
   <p:cSld>
     <p:spTree>
@@ -19767,8 +18922,8 @@
         </p:nvSpPr>
         <p:spPr>
           <a:xfrm>
-            <a:off x="1452618" y="2187003"/>
-            <a:ext cx="1287780" cy="481419"/>
+            <a:off x="1330045" y="2187003"/>
+            <a:ext cx="1410353" cy="481419"/>
           </a:xfrm>
           <a:prstGeom prst="rect">
             <a:avLst/>
@@ -19837,7 +18992,7 @@
             <a:avLst/>
           </a:prstGeom>
           <a:noFill/>
-          <a:ln>
+          <a:ln w="19050">
             <a:solidFill>
               <a:schemeClr val="accent4">
                 <a:lumMod val="50000"/>
@@ -19900,14 +19055,14 @@
         </p:nvSpPr>
         <p:spPr>
           <a:xfrm>
-            <a:off x="5183566" y="2201744"/>
+            <a:off x="5197420" y="2201744"/>
             <a:ext cx="1287780" cy="483343"/>
           </a:xfrm>
           <a:prstGeom prst="rect">
             <a:avLst/>
           </a:prstGeom>
           <a:noFill/>
-          <a:ln>
+          <a:ln w="19050">
             <a:solidFill>
               <a:schemeClr val="accent4">
                 <a:lumMod val="50000"/>
@@ -19970,14 +19125,14 @@
         </p:nvSpPr>
         <p:spPr>
           <a:xfrm>
-            <a:off x="7061401" y="2185078"/>
+            <a:off x="7075255" y="2185078"/>
             <a:ext cx="1287780" cy="483344"/>
           </a:xfrm>
           <a:prstGeom prst="rect">
             <a:avLst/>
           </a:prstGeom>
           <a:noFill/>
-          <a:ln>
+          <a:ln w="19050">
             <a:solidFill>
               <a:schemeClr val="accent4">
                 <a:lumMod val="50000"/>
@@ -20094,11 +19249,14 @@
         </p:nvSpPr>
         <p:spPr>
           <a:xfrm>
-            <a:off x="2857682" y="2313280"/>
-            <a:ext cx="332580" cy="205740"/>
+            <a:off x="2740398" y="2313280"/>
+            <a:ext cx="449864" cy="258470"/>
           </a:xfrm>
           <a:prstGeom prst="rightArrow">
-            <a:avLst/>
+            <a:avLst>
+              <a:gd name="adj1" fmla="val 50000"/>
+              <a:gd name="adj2" fmla="val 50000"/>
+            </a:avLst>
           </a:prstGeom>
           <a:solidFill>
             <a:schemeClr val="accent4">
@@ -20202,7 +19360,7 @@
         </p:nvSpPr>
         <p:spPr>
           <a:xfrm>
-            <a:off x="6594936" y="2290694"/>
+            <a:off x="6608790" y="2290694"/>
             <a:ext cx="332580" cy="205740"/>
           </a:xfrm>
           <a:prstGeom prst="rightArrow">
@@ -20280,60 +19438,6 @@
               </a:rPr>
               <a:t>LEVEL-2</a:t>
             </a:r>
-          </a:p>
-        </p:txBody>
-      </p:sp>
-      <p:sp>
-        <p:nvSpPr>
-          <p:cNvPr id="13" name="Rectangle 12">
-            <a:extLst>
-              <a:ext uri="{FF2B5EF4-FFF2-40B4-BE49-F238E27FC236}">
-                <a16:creationId xmlns:a16="http://schemas.microsoft.com/office/drawing/2014/main" id="{AF87C811-C6BD-48E2-8905-041B2D0DD0C8}"/>
-              </a:ext>
-            </a:extLst>
-          </p:cNvPr>
-          <p:cNvSpPr/>
-          <p:nvPr/>
-        </p:nvSpPr>
-        <p:spPr>
-          <a:xfrm>
-            <a:off x="1319922" y="1959256"/>
-            <a:ext cx="1538734" cy="1761626"/>
-          </a:xfrm>
-          <a:prstGeom prst="rect">
-            <a:avLst/>
-          </a:prstGeom>
-          <a:noFill/>
-          <a:ln>
-            <a:solidFill>
-              <a:schemeClr val="accent4">
-                <a:lumMod val="50000"/>
-              </a:schemeClr>
-            </a:solidFill>
-          </a:ln>
-        </p:spPr>
-        <p:style>
-          <a:lnRef idx="2">
-            <a:schemeClr val="accent1">
-              <a:shade val="50000"/>
-            </a:schemeClr>
-          </a:lnRef>
-          <a:fillRef idx="1">
-            <a:schemeClr val="accent1"/>
-          </a:fillRef>
-          <a:effectRef idx="0">
-            <a:schemeClr val="accent1"/>
-          </a:effectRef>
-          <a:fontRef idx="minor">
-            <a:schemeClr val="lt1"/>
-          </a:fontRef>
-        </p:style>
-        <p:txBody>
-          <a:bodyPr rtlCol="0" anchor="ctr"/>
-          <a:lstStyle/>
-          <a:p>
-            <a:pPr algn="ctr"/>
-            <a:endParaRPr lang="en-US"/>
           </a:p>
         </p:txBody>
       </p:sp>
@@ -20450,10 +19554,10 @@
       </p:sp>
       <p:sp>
         <p:nvSpPr>
-          <p:cNvPr id="34" name="Rectangle 33">
+          <p:cNvPr id="35" name="Rectangle 34">
             <a:extLst>
               <a:ext uri="{FF2B5EF4-FFF2-40B4-BE49-F238E27FC236}">
-                <a16:creationId xmlns:a16="http://schemas.microsoft.com/office/drawing/2014/main" id="{8309881D-4224-422D-A2D6-12154074539D}"/>
+                <a16:creationId xmlns:a16="http://schemas.microsoft.com/office/drawing/2014/main" id="{216C445E-EC85-4871-91CE-EC1DFB47A781}"/>
               </a:ext>
             </a:extLst>
           </p:cNvPr>
@@ -20462,7 +19566,7 @@
         </p:nvSpPr>
         <p:spPr>
           <a:xfrm>
-            <a:off x="1452618" y="2849462"/>
+            <a:off x="5197420" y="2840069"/>
             <a:ext cx="1287780" cy="701040"/>
           </a:xfrm>
           <a:prstGeom prst="rect">
@@ -20500,17 +19604,17 @@
             <a:pPr algn="ctr"/>
             <a:r>
               <a:rPr lang="en-US" sz="1200" dirty="0"/>
-              <a:t>Test Data</a:t>
+              <a:t>Final Model</a:t>
             </a:r>
           </a:p>
         </p:txBody>
       </p:sp>
       <p:sp>
         <p:nvSpPr>
-          <p:cNvPr id="35" name="Rectangle 34">
+          <p:cNvPr id="36" name="Rectangle 35">
             <a:extLst>
               <a:ext uri="{FF2B5EF4-FFF2-40B4-BE49-F238E27FC236}">
-                <a16:creationId xmlns:a16="http://schemas.microsoft.com/office/drawing/2014/main" id="{216C445E-EC85-4871-91CE-EC1DFB47A781}"/>
+                <a16:creationId xmlns:a16="http://schemas.microsoft.com/office/drawing/2014/main" id="{155B0D98-A402-43FC-933A-71A0AB78243B}"/>
               </a:ext>
             </a:extLst>
           </p:cNvPr>
@@ -20519,7 +19623,7 @@
         </p:nvSpPr>
         <p:spPr>
           <a:xfrm>
-            <a:off x="5183566" y="2840069"/>
+            <a:off x="7082182" y="2847538"/>
             <a:ext cx="1287780" cy="701040"/>
           </a:xfrm>
           <a:prstGeom prst="rect">
@@ -20557,63 +19661,6 @@
             <a:pPr algn="ctr"/>
             <a:r>
               <a:rPr lang="en-US" sz="1200" dirty="0"/>
-              <a:t>Final Model</a:t>
-            </a:r>
-          </a:p>
-        </p:txBody>
-      </p:sp>
-      <p:sp>
-        <p:nvSpPr>
-          <p:cNvPr id="36" name="Rectangle 35">
-            <a:extLst>
-              <a:ext uri="{FF2B5EF4-FFF2-40B4-BE49-F238E27FC236}">
-                <a16:creationId xmlns:a16="http://schemas.microsoft.com/office/drawing/2014/main" id="{155B0D98-A402-43FC-933A-71A0AB78243B}"/>
-              </a:ext>
-            </a:extLst>
-          </p:cNvPr>
-          <p:cNvSpPr/>
-          <p:nvPr/>
-        </p:nvSpPr>
-        <p:spPr>
-          <a:xfrm>
-            <a:off x="7068328" y="2847538"/>
-            <a:ext cx="1287780" cy="701040"/>
-          </a:xfrm>
-          <a:prstGeom prst="rect">
-            <a:avLst/>
-          </a:prstGeom>
-          <a:solidFill>
-            <a:schemeClr val="accent4">
-              <a:lumMod val="75000"/>
-            </a:schemeClr>
-          </a:solidFill>
-          <a:ln>
-            <a:noFill/>
-          </a:ln>
-        </p:spPr>
-        <p:style>
-          <a:lnRef idx="2">
-            <a:schemeClr val="accent1">
-              <a:shade val="50000"/>
-            </a:schemeClr>
-          </a:lnRef>
-          <a:fillRef idx="1">
-            <a:schemeClr val="accent1"/>
-          </a:fillRef>
-          <a:effectRef idx="0">
-            <a:schemeClr val="accent1"/>
-          </a:effectRef>
-          <a:fontRef idx="minor">
-            <a:schemeClr val="lt1"/>
-          </a:fontRef>
-        </p:style>
-        <p:txBody>
-          <a:bodyPr rtlCol="0" anchor="ctr"/>
-          <a:lstStyle/>
-          <a:p>
-            <a:pPr algn="ctr"/>
-            <a:r>
-              <a:rPr lang="en-US" sz="1200" dirty="0"/>
               <a:t>New Data</a:t>
             </a:r>
           </a:p>
@@ -20633,7 +19680,7 @@
         </p:nvSpPr>
         <p:spPr>
           <a:xfrm>
-            <a:off x="5059975" y="1984644"/>
+            <a:off x="5073829" y="1984644"/>
             <a:ext cx="1538734" cy="1761626"/>
           </a:xfrm>
           <a:prstGeom prst="rect">
@@ -20687,7 +19734,7 @@
         </p:nvSpPr>
         <p:spPr>
           <a:xfrm>
-            <a:off x="6916553" y="1984644"/>
+            <a:off x="6937334" y="1984644"/>
             <a:ext cx="1538734" cy="1761626"/>
           </a:xfrm>
           <a:prstGeom prst="rect">
@@ -20785,6 +19832,474 @@
     <p:extLst>
       <p:ext uri="{BB962C8B-B14F-4D97-AF65-F5344CB8AC3E}">
         <p14:creationId xmlns:p14="http://schemas.microsoft.com/office/powerpoint/2010/main" val="1379524921"/>
+      </p:ext>
+    </p:extLst>
+  </p:cSld>
+  <p:clrMapOvr>
+    <a:masterClrMapping/>
+  </p:clrMapOvr>
+</p:sld>
+</file>
+
+<file path=ppt/slides/slide9.xml><?xml version="1.0" encoding="utf-8"?>
+<p:sld xmlns:a="http://schemas.openxmlformats.org/drawingml/2006/main" xmlns:r="http://schemas.openxmlformats.org/officeDocument/2006/relationships" xmlns:p="http://schemas.openxmlformats.org/presentationml/2006/main">
+  <p:cSld>
+    <p:spTree>
+      <p:nvGrpSpPr>
+        <p:cNvPr id="1" name=""/>
+        <p:cNvGrpSpPr/>
+        <p:nvPr/>
+      </p:nvGrpSpPr>
+      <p:grpSpPr>
+        <a:xfrm>
+          <a:off x="0" y="0"/>
+          <a:ext cx="0" cy="0"/>
+          <a:chOff x="0" y="0"/>
+          <a:chExt cx="0" cy="0"/>
+        </a:xfrm>
+      </p:grpSpPr>
+      <p:sp>
+        <p:nvSpPr>
+          <p:cNvPr id="2" name="Title 1">
+            <a:extLst>
+              <a:ext uri="{FF2B5EF4-FFF2-40B4-BE49-F238E27FC236}">
+                <a16:creationId xmlns:a16="http://schemas.microsoft.com/office/drawing/2014/main" id="{33246905-9727-4E0A-B3FE-0D24EAAA7C70}"/>
+              </a:ext>
+            </a:extLst>
+          </p:cNvPr>
+          <p:cNvSpPr>
+            <a:spLocks noGrp="1"/>
+          </p:cNvSpPr>
+          <p:nvPr>
+            <p:ph type="title"/>
+          </p:nvPr>
+        </p:nvSpPr>
+        <p:spPr>
+          <a:xfrm>
+            <a:off x="1221300" y="326017"/>
+            <a:ext cx="7038900" cy="914100"/>
+          </a:xfrm>
+        </p:spPr>
+        <p:txBody>
+          <a:bodyPr/>
+          <a:lstStyle/>
+          <a:p>
+            <a:r>
+              <a:rPr lang="en-US" dirty="0">
+                <a:solidFill>
+                  <a:schemeClr val="accent1">
+                    <a:lumMod val="60000"/>
+                    <a:lumOff val="40000"/>
+                  </a:schemeClr>
+                </a:solidFill>
+              </a:rPr>
+              <a:t>Implementation Details</a:t>
+            </a:r>
+          </a:p>
+        </p:txBody>
+      </p:sp>
+      <p:sp>
+        <p:nvSpPr>
+          <p:cNvPr id="3" name="Text Placeholder 2">
+            <a:extLst>
+              <a:ext uri="{FF2B5EF4-FFF2-40B4-BE49-F238E27FC236}">
+                <a16:creationId xmlns:a16="http://schemas.microsoft.com/office/drawing/2014/main" id="{E8BCC381-F8FB-499A-92D4-7C1358FB4469}"/>
+              </a:ext>
+            </a:extLst>
+          </p:cNvPr>
+          <p:cNvSpPr>
+            <a:spLocks noGrp="1"/>
+          </p:cNvSpPr>
+          <p:nvPr>
+            <p:ph type="body" idx="1"/>
+          </p:nvPr>
+        </p:nvSpPr>
+        <p:spPr>
+          <a:xfrm>
+            <a:off x="1052550" y="1113267"/>
+            <a:ext cx="7038900" cy="3575950"/>
+          </a:xfrm>
+        </p:spPr>
+        <p:txBody>
+          <a:bodyPr>
+            <a:normAutofit fontScale="92500" lnSpcReduction="20000"/>
+          </a:bodyPr>
+          <a:lstStyle/>
+          <a:p>
+            <a:pPr>
+              <a:lnSpc>
+                <a:spcPct val="150000"/>
+              </a:lnSpc>
+              <a:buClr>
+                <a:schemeClr val="accent4">
+                  <a:lumMod val="50000"/>
+                </a:schemeClr>
+              </a:buClr>
+            </a:pPr>
+            <a:r>
+              <a:rPr lang="en-US" sz="1600" b="1" dirty="0">
+                <a:solidFill>
+                  <a:schemeClr val="accent4">
+                    <a:lumMod val="50000"/>
+                  </a:schemeClr>
+                </a:solidFill>
+                <a:latin typeface="Montserrat" panose="020B0604020202020204" charset="0"/>
+              </a:rPr>
+              <a:t>Module-1</a:t>
+            </a:r>
+          </a:p>
+          <a:p>
+            <a:pPr marL="146050" indent="0">
+              <a:lnSpc>
+                <a:spcPct val="150000"/>
+              </a:lnSpc>
+              <a:buClr>
+                <a:schemeClr val="accent4">
+                  <a:lumMod val="50000"/>
+                </a:schemeClr>
+              </a:buClr>
+              <a:buNone/>
+            </a:pPr>
+            <a:r>
+              <a:rPr lang="en-US" sz="1600" b="1" dirty="0">
+                <a:solidFill>
+                  <a:schemeClr val="accent4">
+                    <a:lumMod val="50000"/>
+                  </a:schemeClr>
+                </a:solidFill>
+                <a:latin typeface="Montserrat" panose="020B0604020202020204" charset="0"/>
+              </a:rPr>
+              <a:t>		</a:t>
+            </a:r>
+            <a:r>
+              <a:rPr lang="en-US" sz="1600" dirty="0">
+                <a:solidFill>
+                  <a:schemeClr val="accent4">
+                    <a:lumMod val="50000"/>
+                  </a:schemeClr>
+                </a:solidFill>
+                <a:latin typeface="Montserrat" panose="020B0604020202020204" charset="0"/>
+              </a:rPr>
+              <a:t>Data Collection</a:t>
+            </a:r>
+            <a:endParaRPr lang="en-US" sz="1400" dirty="0">
+              <a:solidFill>
+                <a:schemeClr val="accent4">
+                  <a:lumMod val="50000"/>
+                </a:schemeClr>
+              </a:solidFill>
+              <a:latin typeface="Montserrat" panose="020B0604020202020204" charset="0"/>
+            </a:endParaRPr>
+          </a:p>
+          <a:p>
+            <a:pPr>
+              <a:lnSpc>
+                <a:spcPct val="150000"/>
+              </a:lnSpc>
+              <a:buClr>
+                <a:schemeClr val="accent4">
+                  <a:lumMod val="50000"/>
+                </a:schemeClr>
+              </a:buClr>
+            </a:pPr>
+            <a:r>
+              <a:rPr lang="en-US" sz="1600" b="1" dirty="0">
+                <a:solidFill>
+                  <a:schemeClr val="accent4">
+                    <a:lumMod val="50000"/>
+                  </a:schemeClr>
+                </a:solidFill>
+                <a:latin typeface="Montserrat" panose="020B0604020202020204" charset="0"/>
+              </a:rPr>
+              <a:t>Module-2</a:t>
+            </a:r>
+          </a:p>
+          <a:p>
+            <a:pPr marL="146050" indent="0">
+              <a:lnSpc>
+                <a:spcPct val="150000"/>
+              </a:lnSpc>
+              <a:buClr>
+                <a:schemeClr val="accent4">
+                  <a:lumMod val="50000"/>
+                </a:schemeClr>
+              </a:buClr>
+              <a:buNone/>
+            </a:pPr>
+            <a:r>
+              <a:rPr lang="en-US" sz="1600" b="1" dirty="0">
+                <a:solidFill>
+                  <a:schemeClr val="accent4">
+                    <a:lumMod val="50000"/>
+                  </a:schemeClr>
+                </a:solidFill>
+                <a:latin typeface="Montserrat" panose="020B0604020202020204" charset="0"/>
+              </a:rPr>
+              <a:t>		</a:t>
+            </a:r>
+            <a:r>
+              <a:rPr lang="en-US" sz="1600" dirty="0">
+                <a:solidFill>
+                  <a:schemeClr val="accent4">
+                    <a:lumMod val="50000"/>
+                  </a:schemeClr>
+                </a:solidFill>
+                <a:latin typeface="Montserrat" panose="020B0604020202020204" charset="0"/>
+              </a:rPr>
+              <a:t>Data Cleaning and Filtering</a:t>
+            </a:r>
+            <a:r>
+              <a:rPr lang="en-US" sz="1600" b="1" dirty="0">
+                <a:solidFill>
+                  <a:schemeClr val="accent4">
+                    <a:lumMod val="50000"/>
+                  </a:schemeClr>
+                </a:solidFill>
+                <a:latin typeface="Montserrat" panose="020B0604020202020204" charset="0"/>
+              </a:rPr>
+              <a:t> </a:t>
+            </a:r>
+          </a:p>
+          <a:p>
+            <a:pPr>
+              <a:lnSpc>
+                <a:spcPct val="150000"/>
+              </a:lnSpc>
+              <a:buClr>
+                <a:schemeClr val="accent4">
+                  <a:lumMod val="50000"/>
+                </a:schemeClr>
+              </a:buClr>
+            </a:pPr>
+            <a:r>
+              <a:rPr lang="en-US" sz="1600" b="1" dirty="0">
+                <a:solidFill>
+                  <a:schemeClr val="accent4">
+                    <a:lumMod val="50000"/>
+                  </a:schemeClr>
+                </a:solidFill>
+                <a:latin typeface="Montserrat" panose="020B0604020202020204" charset="0"/>
+              </a:rPr>
+              <a:t>Module-3</a:t>
+            </a:r>
+          </a:p>
+          <a:p>
+            <a:pPr marL="146050" indent="0">
+              <a:lnSpc>
+                <a:spcPct val="150000"/>
+              </a:lnSpc>
+              <a:buClr>
+                <a:schemeClr val="accent4">
+                  <a:lumMod val="50000"/>
+                </a:schemeClr>
+              </a:buClr>
+              <a:buNone/>
+            </a:pPr>
+            <a:r>
+              <a:rPr lang="en-US" sz="1600" b="1" dirty="0">
+                <a:solidFill>
+                  <a:schemeClr val="accent4">
+                    <a:lumMod val="50000"/>
+                  </a:schemeClr>
+                </a:solidFill>
+                <a:latin typeface="Montserrat" panose="020B0604020202020204" charset="0"/>
+              </a:rPr>
+              <a:t>		</a:t>
+            </a:r>
+            <a:r>
+              <a:rPr lang="en-US" sz="1600" dirty="0">
+                <a:solidFill>
+                  <a:schemeClr val="accent4">
+                    <a:lumMod val="50000"/>
+                  </a:schemeClr>
+                </a:solidFill>
+                <a:latin typeface="Montserrat" panose="020B0604020202020204" charset="0"/>
+              </a:rPr>
+              <a:t>Feature Extraction</a:t>
+            </a:r>
+            <a:endParaRPr lang="en-US" sz="1600" b="1" dirty="0">
+              <a:solidFill>
+                <a:schemeClr val="accent4">
+                  <a:lumMod val="50000"/>
+                </a:schemeClr>
+              </a:solidFill>
+              <a:latin typeface="Montserrat" panose="020B0604020202020204" charset="0"/>
+            </a:endParaRPr>
+          </a:p>
+          <a:p>
+            <a:pPr>
+              <a:lnSpc>
+                <a:spcPct val="150000"/>
+              </a:lnSpc>
+              <a:buClr>
+                <a:schemeClr val="accent4">
+                  <a:lumMod val="50000"/>
+                </a:schemeClr>
+              </a:buClr>
+            </a:pPr>
+            <a:r>
+              <a:rPr lang="en-US" sz="1600" b="1" dirty="0">
+                <a:solidFill>
+                  <a:schemeClr val="accent4">
+                    <a:lumMod val="50000"/>
+                  </a:schemeClr>
+                </a:solidFill>
+                <a:latin typeface="Montserrat" panose="020B0604020202020204" charset="0"/>
+              </a:rPr>
+              <a:t>Module-4</a:t>
+            </a:r>
+          </a:p>
+          <a:p>
+            <a:pPr marL="146050" indent="0">
+              <a:lnSpc>
+                <a:spcPct val="150000"/>
+              </a:lnSpc>
+              <a:buClr>
+                <a:schemeClr val="accent4">
+                  <a:lumMod val="50000"/>
+                </a:schemeClr>
+              </a:buClr>
+              <a:buNone/>
+            </a:pPr>
+            <a:r>
+              <a:rPr lang="en-US" sz="1600" b="1" dirty="0">
+                <a:solidFill>
+                  <a:schemeClr val="accent4">
+                    <a:lumMod val="50000"/>
+                  </a:schemeClr>
+                </a:solidFill>
+                <a:latin typeface="Montserrat" panose="020B0604020202020204" charset="0"/>
+              </a:rPr>
+              <a:t>		</a:t>
+            </a:r>
+            <a:r>
+              <a:rPr lang="en-US" sz="1600" dirty="0">
+                <a:solidFill>
+                  <a:schemeClr val="accent4">
+                    <a:lumMod val="50000"/>
+                  </a:schemeClr>
+                </a:solidFill>
+                <a:latin typeface="Montserrat" panose="020B0604020202020204" charset="0"/>
+              </a:rPr>
+              <a:t>Implementing Regression model</a:t>
+            </a:r>
+            <a:endParaRPr lang="en-US" sz="1600" b="1" dirty="0">
+              <a:solidFill>
+                <a:schemeClr val="accent4">
+                  <a:lumMod val="50000"/>
+                </a:schemeClr>
+              </a:solidFill>
+              <a:latin typeface="Montserrat" panose="020B0604020202020204" charset="0"/>
+            </a:endParaRPr>
+          </a:p>
+          <a:p>
+            <a:pPr>
+              <a:lnSpc>
+                <a:spcPct val="150000"/>
+              </a:lnSpc>
+              <a:buClr>
+                <a:schemeClr val="accent4">
+                  <a:lumMod val="50000"/>
+                </a:schemeClr>
+              </a:buClr>
+            </a:pPr>
+            <a:r>
+              <a:rPr lang="en-US" sz="1600" b="1" dirty="0">
+                <a:solidFill>
+                  <a:schemeClr val="accent4">
+                    <a:lumMod val="50000"/>
+                  </a:schemeClr>
+                </a:solidFill>
+                <a:latin typeface="Montserrat" panose="020B0604020202020204" charset="0"/>
+              </a:rPr>
+              <a:t>Module-5</a:t>
+            </a:r>
+          </a:p>
+          <a:p>
+            <a:pPr marL="146050" indent="0">
+              <a:lnSpc>
+                <a:spcPct val="150000"/>
+              </a:lnSpc>
+              <a:buClr>
+                <a:schemeClr val="accent4">
+                  <a:lumMod val="50000"/>
+                </a:schemeClr>
+              </a:buClr>
+              <a:buNone/>
+            </a:pPr>
+            <a:r>
+              <a:rPr lang="en-US" sz="1600" b="1" dirty="0">
+                <a:solidFill>
+                  <a:schemeClr val="accent4">
+                    <a:lumMod val="50000"/>
+                  </a:schemeClr>
+                </a:solidFill>
+                <a:latin typeface="Montserrat" panose="020B0604020202020204" charset="0"/>
+              </a:rPr>
+              <a:t>		</a:t>
+            </a:r>
+            <a:r>
+              <a:rPr lang="en-US" sz="1600" dirty="0">
+                <a:solidFill>
+                  <a:schemeClr val="accent4">
+                    <a:lumMod val="50000"/>
+                  </a:schemeClr>
+                </a:solidFill>
+                <a:latin typeface="Montserrat" panose="020B0604020202020204" charset="0"/>
+              </a:rPr>
+              <a:t>Final model</a:t>
+            </a:r>
+          </a:p>
+          <a:p>
+            <a:pPr marL="146050" indent="0">
+              <a:lnSpc>
+                <a:spcPct val="150000"/>
+              </a:lnSpc>
+              <a:buClr>
+                <a:schemeClr val="accent4">
+                  <a:lumMod val="50000"/>
+                </a:schemeClr>
+              </a:buClr>
+              <a:buNone/>
+            </a:pPr>
+            <a:r>
+              <a:rPr lang="en-US" sz="1600" b="1" dirty="0">
+                <a:solidFill>
+                  <a:schemeClr val="accent4">
+                    <a:lumMod val="50000"/>
+                  </a:schemeClr>
+                </a:solidFill>
+                <a:latin typeface="Montserrat" panose="020B0604020202020204" charset="0"/>
+              </a:rPr>
+              <a:t>		</a:t>
+            </a:r>
+          </a:p>
+          <a:p>
+            <a:pPr>
+              <a:lnSpc>
+                <a:spcPct val="150000"/>
+              </a:lnSpc>
+              <a:buClr>
+                <a:schemeClr val="accent4">
+                  <a:lumMod val="50000"/>
+                </a:schemeClr>
+              </a:buClr>
+            </a:pPr>
+            <a:endParaRPr lang="en-US" sz="1600" b="1" dirty="0">
+              <a:solidFill>
+                <a:schemeClr val="accent4">
+                  <a:lumMod val="50000"/>
+                </a:schemeClr>
+              </a:solidFill>
+              <a:latin typeface="Montserrat" panose="020B0604020202020204" charset="0"/>
+            </a:endParaRPr>
+          </a:p>
+        </p:txBody>
+      </p:sp>
+    </p:spTree>
+    <p:extLst>
+      <p:ext uri="{BB962C8B-B14F-4D97-AF65-F5344CB8AC3E}">
+        <p14:creationId xmlns:p14="http://schemas.microsoft.com/office/powerpoint/2010/main" val="3135520520"/>
       </p:ext>
     </p:extLst>
   </p:cSld>
